--- a/Bubble,QuickSort/Bubble Sort, Quick Sort.pptx
+++ b/Bubble,QuickSort/Bubble Sort, Quick Sort.pptx
@@ -134,7 +134,7 @@
   </p:defaultTextStyle>
   <p:extLst>
     <p:ext uri="{EFAFB233-063F-42B5-8137-9DF3F51BA10A}">
-      <p15:sldGuideLst xmlns:p15="http://schemas.microsoft.com/office/powerpoint/2012/main" xmlns="">
+      <p15:sldGuideLst xmlns:p15="http://schemas.microsoft.com/office/powerpoint/2012/main">
         <p15:guide id="1" orient="horz" pos="2160">
           <p15:clr>
             <a:srgbClr val="A4A3A4"/>
@@ -212,7 +212,7 @@
           </a:lstStyle>
           <a:p>
             <a:r>
-              <a:rPr lang="ko-KR" altLang="en-US" smtClean="0"/>
+              <a:rPr lang="ko-KR" altLang="en-US"/>
               <a:t>마스터 제목 스타일 편집</a:t>
             </a:r>
             <a:endParaRPr lang="en-US" dirty="0"/>
@@ -285,7 +285,7 @@
           </a:lstStyle>
           <a:p>
             <a:r>
-              <a:rPr lang="ko-KR" altLang="en-US" smtClean="0"/>
+              <a:rPr lang="ko-KR" altLang="en-US"/>
               <a:t>마스터 부제목 스타일 편집</a:t>
             </a:r>
             <a:endParaRPr lang="en-US" dirty="0"/>
@@ -358,7 +358,7 @@
           <a:p>
             <a:fld id="{F85BE87A-2ACC-446B-A540-08FEBBC45E8C}" type="datetimeFigureOut">
               <a:rPr lang="ko-KR" altLang="en-US" smtClean="0"/>
-              <a:t>2016-05-16</a:t>
+              <a:t>2017-03-04</a:t>
             </a:fld>
             <a:endParaRPr lang="ko-KR" altLang="en-US"/>
           </a:p>
@@ -474,7 +474,7 @@
           <a:lstStyle/>
           <a:p>
             <a:r>
-              <a:rPr lang="ko-KR" altLang="en-US" smtClean="0"/>
+              <a:rPr lang="ko-KR" altLang="en-US"/>
               <a:t>마스터 제목 스타일 편집</a:t>
             </a:r>
             <a:endParaRPr lang="en-US" dirty="0"/>
@@ -498,35 +498,35 @@
           <a:p>
             <a:pPr lvl="0"/>
             <a:r>
-              <a:rPr lang="ko-KR" altLang="en-US" smtClean="0"/>
+              <a:rPr lang="ko-KR" altLang="en-US"/>
               <a:t>마스터 텍스트 스타일을 편집합니다</a:t>
             </a:r>
           </a:p>
           <a:p>
             <a:pPr lvl="1"/>
             <a:r>
-              <a:rPr lang="ko-KR" altLang="en-US" smtClean="0"/>
+              <a:rPr lang="ko-KR" altLang="en-US"/>
               <a:t>둘째 수준</a:t>
             </a:r>
           </a:p>
           <a:p>
             <a:pPr lvl="2"/>
             <a:r>
-              <a:rPr lang="ko-KR" altLang="en-US" smtClean="0"/>
+              <a:rPr lang="ko-KR" altLang="en-US"/>
               <a:t>셋째 수준</a:t>
             </a:r>
           </a:p>
           <a:p>
             <a:pPr lvl="3"/>
             <a:r>
-              <a:rPr lang="ko-KR" altLang="en-US" smtClean="0"/>
+              <a:rPr lang="ko-KR" altLang="en-US"/>
               <a:t>넷째 수준</a:t>
             </a:r>
           </a:p>
           <a:p>
             <a:pPr lvl="4"/>
             <a:r>
-              <a:rPr lang="ko-KR" altLang="en-US" smtClean="0"/>
+              <a:rPr lang="ko-KR" altLang="en-US"/>
               <a:t>다섯째 수준</a:t>
             </a:r>
             <a:endParaRPr lang="en-US" dirty="0"/>
@@ -550,7 +550,7 @@
           <a:p>
             <a:fld id="{F85BE87A-2ACC-446B-A540-08FEBBC45E8C}" type="datetimeFigureOut">
               <a:rPr lang="ko-KR" altLang="en-US" smtClean="0"/>
-              <a:t>2016-05-16</a:t>
+              <a:t>2017-03-04</a:t>
             </a:fld>
             <a:endParaRPr lang="ko-KR" altLang="en-US"/>
           </a:p>
@@ -649,7 +649,7 @@
           <a:lstStyle/>
           <a:p>
             <a:r>
-              <a:rPr lang="ko-KR" altLang="en-US" smtClean="0"/>
+              <a:rPr lang="ko-KR" altLang="en-US"/>
               <a:t>마스터 제목 스타일 편집</a:t>
             </a:r>
             <a:endParaRPr lang="en-US" dirty="0"/>
@@ -678,35 +678,35 @@
           <a:p>
             <a:pPr lvl="0"/>
             <a:r>
-              <a:rPr lang="ko-KR" altLang="en-US" smtClean="0"/>
+              <a:rPr lang="ko-KR" altLang="en-US"/>
               <a:t>마스터 텍스트 스타일을 편집합니다</a:t>
             </a:r>
           </a:p>
           <a:p>
             <a:pPr lvl="1"/>
             <a:r>
-              <a:rPr lang="ko-KR" altLang="en-US" smtClean="0"/>
+              <a:rPr lang="ko-KR" altLang="en-US"/>
               <a:t>둘째 수준</a:t>
             </a:r>
           </a:p>
           <a:p>
             <a:pPr lvl="2"/>
             <a:r>
-              <a:rPr lang="ko-KR" altLang="en-US" smtClean="0"/>
+              <a:rPr lang="ko-KR" altLang="en-US"/>
               <a:t>셋째 수준</a:t>
             </a:r>
           </a:p>
           <a:p>
             <a:pPr lvl="3"/>
             <a:r>
-              <a:rPr lang="ko-KR" altLang="en-US" smtClean="0"/>
+              <a:rPr lang="ko-KR" altLang="en-US"/>
               <a:t>넷째 수준</a:t>
             </a:r>
           </a:p>
           <a:p>
             <a:pPr lvl="4"/>
             <a:r>
-              <a:rPr lang="ko-KR" altLang="en-US" smtClean="0"/>
+              <a:rPr lang="ko-KR" altLang="en-US"/>
               <a:t>다섯째 수준</a:t>
             </a:r>
             <a:endParaRPr lang="en-US" dirty="0"/>
@@ -730,7 +730,7 @@
           <a:p>
             <a:fld id="{F85BE87A-2ACC-446B-A540-08FEBBC45E8C}" type="datetimeFigureOut">
               <a:rPr lang="ko-KR" altLang="en-US" smtClean="0"/>
-              <a:t>2016-05-16</a:t>
+              <a:t>2017-03-04</a:t>
             </a:fld>
             <a:endParaRPr lang="ko-KR" altLang="en-US"/>
           </a:p>
@@ -824,7 +824,7 @@
           <a:lstStyle/>
           <a:p>
             <a:r>
-              <a:rPr lang="ko-KR" altLang="en-US" smtClean="0"/>
+              <a:rPr lang="ko-KR" altLang="en-US"/>
               <a:t>마스터 제목 스타일 편집</a:t>
             </a:r>
             <a:endParaRPr lang="en-US" dirty="0"/>
@@ -848,35 +848,35 @@
           <a:p>
             <a:pPr lvl="0"/>
             <a:r>
-              <a:rPr lang="ko-KR" altLang="en-US" smtClean="0"/>
+              <a:rPr lang="ko-KR" altLang="en-US"/>
               <a:t>마스터 텍스트 스타일을 편집합니다</a:t>
             </a:r>
           </a:p>
           <a:p>
             <a:pPr lvl="1"/>
             <a:r>
-              <a:rPr lang="ko-KR" altLang="en-US" smtClean="0"/>
+              <a:rPr lang="ko-KR" altLang="en-US"/>
               <a:t>둘째 수준</a:t>
             </a:r>
           </a:p>
           <a:p>
             <a:pPr lvl="2"/>
             <a:r>
-              <a:rPr lang="ko-KR" altLang="en-US" smtClean="0"/>
+              <a:rPr lang="ko-KR" altLang="en-US"/>
               <a:t>셋째 수준</a:t>
             </a:r>
           </a:p>
           <a:p>
             <a:pPr lvl="3"/>
             <a:r>
-              <a:rPr lang="ko-KR" altLang="en-US" smtClean="0"/>
+              <a:rPr lang="ko-KR" altLang="en-US"/>
               <a:t>넷째 수준</a:t>
             </a:r>
           </a:p>
           <a:p>
             <a:pPr lvl="4"/>
             <a:r>
-              <a:rPr lang="ko-KR" altLang="en-US" smtClean="0"/>
+              <a:rPr lang="ko-KR" altLang="en-US"/>
               <a:t>다섯째 수준</a:t>
             </a:r>
             <a:endParaRPr lang="en-US" dirty="0"/>
@@ -900,7 +900,7 @@
           <a:p>
             <a:fld id="{F85BE87A-2ACC-446B-A540-08FEBBC45E8C}" type="datetimeFigureOut">
               <a:rPr lang="ko-KR" altLang="en-US" smtClean="0"/>
-              <a:t>2016-05-16</a:t>
+              <a:t>2017-03-04</a:t>
             </a:fld>
             <a:endParaRPr lang="ko-KR" altLang="en-US"/>
           </a:p>
@@ -1008,7 +1008,7 @@
           </a:lstStyle>
           <a:p>
             <a:r>
-              <a:rPr lang="ko-KR" altLang="en-US" smtClean="0"/>
+              <a:rPr lang="ko-KR" altLang="en-US"/>
               <a:t>마스터 제목 스타일 편집</a:t>
             </a:r>
             <a:endParaRPr lang="en-US" dirty="0"/>
@@ -1131,7 +1131,7 @@
           <a:p>
             <a:pPr lvl="0"/>
             <a:r>
-              <a:rPr lang="ko-KR" altLang="en-US" smtClean="0"/>
+              <a:rPr lang="ko-KR" altLang="en-US"/>
               <a:t>마스터 텍스트 스타일을 편집합니다</a:t>
             </a:r>
           </a:p>
@@ -1154,7 +1154,7 @@
           <a:p>
             <a:fld id="{F85BE87A-2ACC-446B-A540-08FEBBC45E8C}" type="datetimeFigureOut">
               <a:rPr lang="ko-KR" altLang="en-US" smtClean="0"/>
-              <a:t>2016-05-16</a:t>
+              <a:t>2017-03-04</a:t>
             </a:fld>
             <a:endParaRPr lang="ko-KR" altLang="en-US"/>
           </a:p>
@@ -1286,7 +1286,7 @@
           <a:lstStyle/>
           <a:p>
             <a:r>
-              <a:rPr lang="ko-KR" altLang="en-US" smtClean="0"/>
+              <a:rPr lang="ko-KR" altLang="en-US"/>
               <a:t>마스터 제목 스타일 편집</a:t>
             </a:r>
             <a:endParaRPr lang="en-US" dirty="0"/>
@@ -1343,35 +1343,35 @@
           <a:p>
             <a:pPr lvl="0"/>
             <a:r>
-              <a:rPr lang="ko-KR" altLang="en-US" smtClean="0"/>
+              <a:rPr lang="ko-KR" altLang="en-US"/>
               <a:t>마스터 텍스트 스타일을 편집합니다</a:t>
             </a:r>
           </a:p>
           <a:p>
             <a:pPr lvl="1"/>
             <a:r>
-              <a:rPr lang="ko-KR" altLang="en-US" smtClean="0"/>
+              <a:rPr lang="ko-KR" altLang="en-US"/>
               <a:t>둘째 수준</a:t>
             </a:r>
           </a:p>
           <a:p>
             <a:pPr lvl="2"/>
             <a:r>
-              <a:rPr lang="ko-KR" altLang="en-US" smtClean="0"/>
+              <a:rPr lang="ko-KR" altLang="en-US"/>
               <a:t>셋째 수준</a:t>
             </a:r>
           </a:p>
           <a:p>
             <a:pPr lvl="3"/>
             <a:r>
-              <a:rPr lang="ko-KR" altLang="en-US" smtClean="0"/>
+              <a:rPr lang="ko-KR" altLang="en-US"/>
               <a:t>넷째 수준</a:t>
             </a:r>
           </a:p>
           <a:p>
             <a:pPr lvl="4"/>
             <a:r>
-              <a:rPr lang="ko-KR" altLang="en-US" smtClean="0"/>
+              <a:rPr lang="ko-KR" altLang="en-US"/>
               <a:t>다섯째 수준</a:t>
             </a:r>
             <a:endParaRPr lang="en-US" dirty="0"/>
@@ -1428,35 +1428,35 @@
           <a:p>
             <a:pPr lvl="0"/>
             <a:r>
-              <a:rPr lang="ko-KR" altLang="en-US" smtClean="0"/>
+              <a:rPr lang="ko-KR" altLang="en-US"/>
               <a:t>마스터 텍스트 스타일을 편집합니다</a:t>
             </a:r>
           </a:p>
           <a:p>
             <a:pPr lvl="1"/>
             <a:r>
-              <a:rPr lang="ko-KR" altLang="en-US" smtClean="0"/>
+              <a:rPr lang="ko-KR" altLang="en-US"/>
               <a:t>둘째 수준</a:t>
             </a:r>
           </a:p>
           <a:p>
             <a:pPr lvl="2"/>
             <a:r>
-              <a:rPr lang="ko-KR" altLang="en-US" smtClean="0"/>
+              <a:rPr lang="ko-KR" altLang="en-US"/>
               <a:t>셋째 수준</a:t>
             </a:r>
           </a:p>
           <a:p>
             <a:pPr lvl="3"/>
             <a:r>
-              <a:rPr lang="ko-KR" altLang="en-US" smtClean="0"/>
+              <a:rPr lang="ko-KR" altLang="en-US"/>
               <a:t>넷째 수준</a:t>
             </a:r>
           </a:p>
           <a:p>
             <a:pPr lvl="4"/>
             <a:r>
-              <a:rPr lang="ko-KR" altLang="en-US" smtClean="0"/>
+              <a:rPr lang="ko-KR" altLang="en-US"/>
               <a:t>다섯째 수준</a:t>
             </a:r>
             <a:endParaRPr lang="en-US" dirty="0"/>
@@ -1480,7 +1480,7 @@
           <a:p>
             <a:fld id="{F85BE87A-2ACC-446B-A540-08FEBBC45E8C}" type="datetimeFigureOut">
               <a:rPr lang="ko-KR" altLang="en-US" smtClean="0"/>
-              <a:t>2016-05-16</a:t>
+              <a:t>2017-03-04</a:t>
             </a:fld>
             <a:endParaRPr lang="ko-KR" altLang="en-US"/>
           </a:p>
@@ -1574,7 +1574,7 @@
           <a:lstStyle/>
           <a:p>
             <a:r>
-              <a:rPr lang="ko-KR" altLang="en-US" smtClean="0"/>
+              <a:rPr lang="ko-KR" altLang="en-US"/>
               <a:t>마스터 제목 스타일 편집</a:t>
             </a:r>
             <a:endParaRPr lang="en-US" dirty="0"/>
@@ -1649,7 +1649,7 @@
           <a:p>
             <a:pPr lvl="0"/>
             <a:r>
-              <a:rPr lang="ko-KR" altLang="en-US" smtClean="0"/>
+              <a:rPr lang="ko-KR" altLang="en-US"/>
               <a:t>마스터 텍스트 스타일을 편집합니다</a:t>
             </a:r>
           </a:p>
@@ -1705,35 +1705,35 @@
           <a:p>
             <a:pPr lvl="0"/>
             <a:r>
-              <a:rPr lang="ko-KR" altLang="en-US" smtClean="0"/>
+              <a:rPr lang="ko-KR" altLang="en-US"/>
               <a:t>마스터 텍스트 스타일을 편집합니다</a:t>
             </a:r>
           </a:p>
           <a:p>
             <a:pPr lvl="1"/>
             <a:r>
-              <a:rPr lang="ko-KR" altLang="en-US" smtClean="0"/>
+              <a:rPr lang="ko-KR" altLang="en-US"/>
               <a:t>둘째 수준</a:t>
             </a:r>
           </a:p>
           <a:p>
             <a:pPr lvl="2"/>
             <a:r>
-              <a:rPr lang="ko-KR" altLang="en-US" smtClean="0"/>
+              <a:rPr lang="ko-KR" altLang="en-US"/>
               <a:t>셋째 수준</a:t>
             </a:r>
           </a:p>
           <a:p>
             <a:pPr lvl="3"/>
             <a:r>
-              <a:rPr lang="ko-KR" altLang="en-US" smtClean="0"/>
+              <a:rPr lang="ko-KR" altLang="en-US"/>
               <a:t>넷째 수준</a:t>
             </a:r>
           </a:p>
           <a:p>
             <a:pPr lvl="4"/>
             <a:r>
-              <a:rPr lang="ko-KR" altLang="en-US" smtClean="0"/>
+              <a:rPr lang="ko-KR" altLang="en-US"/>
               <a:t>다섯째 수준</a:t>
             </a:r>
             <a:endParaRPr lang="en-US" dirty="0"/>
@@ -1792,7 +1792,7 @@
               <a:buNone/>
             </a:pPr>
             <a:r>
-              <a:rPr lang="ko-KR" altLang="en-US" smtClean="0"/>
+              <a:rPr lang="ko-KR" altLang="en-US"/>
               <a:t>마스터 텍스트 스타일을 편집합니다</a:t>
             </a:r>
           </a:p>
@@ -1848,35 +1848,35 @@
           <a:p>
             <a:pPr lvl="0"/>
             <a:r>
-              <a:rPr lang="ko-KR" altLang="en-US" smtClean="0"/>
+              <a:rPr lang="ko-KR" altLang="en-US"/>
               <a:t>마스터 텍스트 스타일을 편집합니다</a:t>
             </a:r>
           </a:p>
           <a:p>
             <a:pPr lvl="1"/>
             <a:r>
-              <a:rPr lang="ko-KR" altLang="en-US" smtClean="0"/>
+              <a:rPr lang="ko-KR" altLang="en-US"/>
               <a:t>둘째 수준</a:t>
             </a:r>
           </a:p>
           <a:p>
             <a:pPr lvl="2"/>
             <a:r>
-              <a:rPr lang="ko-KR" altLang="en-US" smtClean="0"/>
+              <a:rPr lang="ko-KR" altLang="en-US"/>
               <a:t>셋째 수준</a:t>
             </a:r>
           </a:p>
           <a:p>
             <a:pPr lvl="3"/>
             <a:r>
-              <a:rPr lang="ko-KR" altLang="en-US" smtClean="0"/>
+              <a:rPr lang="ko-KR" altLang="en-US"/>
               <a:t>넷째 수준</a:t>
             </a:r>
           </a:p>
           <a:p>
             <a:pPr lvl="4"/>
             <a:r>
-              <a:rPr lang="ko-KR" altLang="en-US" smtClean="0"/>
+              <a:rPr lang="ko-KR" altLang="en-US"/>
               <a:t>다섯째 수준</a:t>
             </a:r>
             <a:endParaRPr lang="en-US" dirty="0"/>
@@ -1900,7 +1900,7 @@
           <a:p>
             <a:fld id="{F85BE87A-2ACC-446B-A540-08FEBBC45E8C}" type="datetimeFigureOut">
               <a:rPr lang="ko-KR" altLang="en-US" smtClean="0"/>
-              <a:t>2016-05-16</a:t>
+              <a:t>2017-03-04</a:t>
             </a:fld>
             <a:endParaRPr lang="ko-KR" altLang="en-US"/>
           </a:p>
@@ -1994,7 +1994,7 @@
           <a:lstStyle/>
           <a:p>
             <a:r>
-              <a:rPr lang="ko-KR" altLang="en-US" smtClean="0"/>
+              <a:rPr lang="ko-KR" altLang="en-US"/>
               <a:t>마스터 제목 스타일 편집</a:t>
             </a:r>
             <a:endParaRPr lang="en-US" dirty="0"/>
@@ -2018,7 +2018,7 @@
           <a:p>
             <a:fld id="{F85BE87A-2ACC-446B-A540-08FEBBC45E8C}" type="datetimeFigureOut">
               <a:rPr lang="ko-KR" altLang="en-US" smtClean="0"/>
-              <a:t>2016-05-16</a:t>
+              <a:t>2017-03-04</a:t>
             </a:fld>
             <a:endParaRPr lang="ko-KR" altLang="en-US"/>
           </a:p>
@@ -2113,7 +2113,7 @@
           <a:p>
             <a:fld id="{F85BE87A-2ACC-446B-A540-08FEBBC45E8C}" type="datetimeFigureOut">
               <a:rPr lang="ko-KR" altLang="en-US" smtClean="0"/>
-              <a:t>2016-05-16</a:t>
+              <a:t>2017-03-04</a:t>
             </a:fld>
             <a:endParaRPr lang="ko-KR" altLang="en-US"/>
           </a:p>
@@ -2218,7 +2218,7 @@
           </a:lstStyle>
           <a:p>
             <a:r>
-              <a:rPr lang="ko-KR" altLang="en-US" smtClean="0"/>
+              <a:rPr lang="ko-KR" altLang="en-US"/>
               <a:t>마스터 제목 스타일 편집</a:t>
             </a:r>
             <a:endParaRPr lang="en-US" dirty="0"/>
@@ -2275,35 +2275,35 @@
           <a:p>
             <a:pPr lvl="0"/>
             <a:r>
-              <a:rPr lang="ko-KR" altLang="en-US" smtClean="0"/>
+              <a:rPr lang="ko-KR" altLang="en-US"/>
               <a:t>마스터 텍스트 스타일을 편집합니다</a:t>
             </a:r>
           </a:p>
           <a:p>
             <a:pPr lvl="1"/>
             <a:r>
-              <a:rPr lang="ko-KR" altLang="en-US" smtClean="0"/>
+              <a:rPr lang="ko-KR" altLang="en-US"/>
               <a:t>둘째 수준</a:t>
             </a:r>
           </a:p>
           <a:p>
             <a:pPr lvl="2"/>
             <a:r>
-              <a:rPr lang="ko-KR" altLang="en-US" smtClean="0"/>
+              <a:rPr lang="ko-KR" altLang="en-US"/>
               <a:t>셋째 수준</a:t>
             </a:r>
           </a:p>
           <a:p>
             <a:pPr lvl="3"/>
             <a:r>
-              <a:rPr lang="ko-KR" altLang="en-US" smtClean="0"/>
+              <a:rPr lang="ko-KR" altLang="en-US"/>
               <a:t>넷째 수준</a:t>
             </a:r>
           </a:p>
           <a:p>
             <a:pPr lvl="4"/>
             <a:r>
-              <a:rPr lang="ko-KR" altLang="en-US" smtClean="0"/>
+              <a:rPr lang="ko-KR" altLang="en-US"/>
               <a:t>다섯째 수준</a:t>
             </a:r>
             <a:endParaRPr lang="en-US" dirty="0"/>
@@ -2377,7 +2377,7 @@
           <a:p>
             <a:pPr lvl="0"/>
             <a:r>
-              <a:rPr lang="ko-KR" altLang="en-US" smtClean="0"/>
+              <a:rPr lang="ko-KR" altLang="en-US"/>
               <a:t>마스터 텍스트 스타일을 편집합니다</a:t>
             </a:r>
           </a:p>
@@ -2400,7 +2400,7 @@
           <a:p>
             <a:fld id="{F85BE87A-2ACC-446B-A540-08FEBBC45E8C}" type="datetimeFigureOut">
               <a:rPr lang="ko-KR" altLang="en-US" smtClean="0"/>
-              <a:t>2016-05-16</a:t>
+              <a:t>2017-03-04</a:t>
             </a:fld>
             <a:endParaRPr lang="ko-KR" altLang="en-US"/>
           </a:p>
@@ -2547,7 +2547,7 @@
           </a:lstStyle>
           <a:p>
             <a:r>
-              <a:rPr lang="ko-KR" altLang="en-US" smtClean="0"/>
+              <a:rPr lang="ko-KR" altLang="en-US"/>
               <a:t>마스터 제목 스타일 편집</a:t>
             </a:r>
             <a:endParaRPr lang="en-US" dirty="0"/>
@@ -2622,7 +2622,7 @@
           </a:lstStyle>
           <a:p>
             <a:r>
-              <a:rPr lang="ko-KR" altLang="en-US" smtClean="0"/>
+              <a:rPr lang="ko-KR" altLang="en-US"/>
               <a:t>그림을 추가하려면 아이콘을 클릭하십시오</a:t>
             </a:r>
             <a:endParaRPr lang="en-US" dirty="0"/>
@@ -2702,7 +2702,7 @@
           <a:p>
             <a:pPr lvl="0"/>
             <a:r>
-              <a:rPr lang="ko-KR" altLang="en-US" smtClean="0"/>
+              <a:rPr lang="ko-KR" altLang="en-US"/>
               <a:t>마스터 텍스트 스타일을 편집합니다</a:t>
             </a:r>
           </a:p>
@@ -2725,7 +2725,7 @@
           <a:p>
             <a:fld id="{F85BE87A-2ACC-446B-A540-08FEBBC45E8C}" type="datetimeFigureOut">
               <a:rPr lang="ko-KR" altLang="en-US" smtClean="0"/>
-              <a:t>2016-05-16</a:t>
+              <a:t>2017-03-04</a:t>
             </a:fld>
             <a:endParaRPr lang="ko-KR" altLang="en-US"/>
           </a:p>
@@ -2874,7 +2874,7 @@
           <a:lstStyle/>
           <a:p>
             <a:r>
-              <a:rPr lang="ko-KR" altLang="en-US" smtClean="0"/>
+              <a:rPr lang="ko-KR" altLang="en-US"/>
               <a:t>마스터 제목 스타일 편집</a:t>
             </a:r>
             <a:endParaRPr lang="en-US" dirty="0"/>
@@ -2908,35 +2908,35 @@
           <a:p>
             <a:pPr lvl="0"/>
             <a:r>
-              <a:rPr lang="ko-KR" altLang="en-US" smtClean="0"/>
+              <a:rPr lang="ko-KR" altLang="en-US"/>
               <a:t>마스터 텍스트 스타일을 편집합니다</a:t>
             </a:r>
           </a:p>
           <a:p>
             <a:pPr lvl="1"/>
             <a:r>
-              <a:rPr lang="ko-KR" altLang="en-US" smtClean="0"/>
+              <a:rPr lang="ko-KR" altLang="en-US"/>
               <a:t>둘째 수준</a:t>
             </a:r>
           </a:p>
           <a:p>
             <a:pPr lvl="2"/>
             <a:r>
-              <a:rPr lang="ko-KR" altLang="en-US" smtClean="0"/>
+              <a:rPr lang="ko-KR" altLang="en-US"/>
               <a:t>셋째 수준</a:t>
             </a:r>
           </a:p>
           <a:p>
             <a:pPr lvl="3"/>
             <a:r>
-              <a:rPr lang="ko-KR" altLang="en-US" smtClean="0"/>
+              <a:rPr lang="ko-KR" altLang="en-US"/>
               <a:t>넷째 수준</a:t>
             </a:r>
           </a:p>
           <a:p>
             <a:pPr lvl="4"/>
             <a:r>
-              <a:rPr lang="ko-KR" altLang="en-US" smtClean="0"/>
+              <a:rPr lang="ko-KR" altLang="en-US"/>
               <a:t>다섯째 수준</a:t>
             </a:r>
             <a:endParaRPr lang="en-US" dirty="0"/>
@@ -2979,7 +2979,7 @@
           <a:p>
             <a:fld id="{F85BE87A-2ACC-446B-A540-08FEBBC45E8C}" type="datetimeFigureOut">
               <a:rPr lang="ko-KR" altLang="en-US" smtClean="0"/>
-              <a:t>2016-05-16</a:t>
+              <a:t>2017-03-04</a:t>
             </a:fld>
             <a:endParaRPr lang="ko-KR" altLang="en-US"/>
           </a:p>
@@ -3483,15 +3483,15 @@
           <a:lstStyle/>
           <a:p>
             <a:r>
-              <a:rPr lang="en-US" altLang="ko-KR" dirty="0" smtClean="0"/>
+              <a:rPr lang="en-US" altLang="ko-KR" dirty="0"/>
               <a:t>Bubble Sort, Quick</a:t>
             </a:r>
             <a:r>
-              <a:rPr lang="en-US" altLang="ko-KR" b="1" dirty="0" smtClean="0"/>
+              <a:rPr lang="en-US" altLang="ko-KR" b="1" dirty="0"/>
               <a:t> </a:t>
             </a:r>
             <a:r>
-              <a:rPr lang="en-US" altLang="ko-KR" dirty="0" smtClean="0"/>
+              <a:rPr lang="en-US" altLang="ko-KR" dirty="0"/>
               <a:t>Sort</a:t>
             </a:r>
             <a:endParaRPr lang="ko-KR" altLang="en-US" dirty="0"/>
@@ -3520,18 +3520,17 @@
           <a:p>
             <a:pPr algn="r"/>
             <a:r>
-              <a:rPr lang="ko-KR" altLang="en-US" dirty="0" smtClean="0"/>
+              <a:rPr lang="ko-KR" altLang="en-US" dirty="0"/>
               <a:t>발표자 </a:t>
             </a:r>
             <a:r>
-              <a:rPr lang="en-US" altLang="ko-KR" dirty="0" smtClean="0"/>
+              <a:rPr lang="en-US" altLang="ko-KR" dirty="0"/>
               <a:t>: </a:t>
             </a:r>
             <a:r>
-              <a:rPr lang="ko-KR" altLang="en-US" dirty="0" smtClean="0"/>
+              <a:rPr lang="ko-KR" altLang="en-US" dirty="0"/>
               <a:t>박정환</a:t>
             </a:r>
-            <a:endParaRPr lang="ko-KR" altLang="en-US" dirty="0"/>
           </a:p>
         </p:txBody>
       </p:sp>
@@ -3629,13 +3628,6 @@
   <p:clrMapOvr>
     <a:masterClrMapping/>
   </p:clrMapOvr>
-  <p:timing>
-    <p:tnLst>
-      <p:par>
-        <p:cTn id="1" dur="indefinite" restart="never" nodeType="tmRoot"/>
-      </p:par>
-    </p:tnLst>
-  </p:timing>
 </p:sld>
 </file>
 
@@ -3716,31 +3708,31 @@
           <a:lstStyle/>
           <a:p>
             <a:r>
-              <a:rPr lang="ko-KR" altLang="en-US" dirty="0" err="1" smtClean="0"/>
+              <a:rPr lang="ko-KR" altLang="en-US" dirty="0" err="1"/>
               <a:t>퀵</a:t>
             </a:r>
             <a:r>
-              <a:rPr lang="ko-KR" altLang="en-US" dirty="0" smtClean="0"/>
+              <a:rPr lang="ko-KR" altLang="en-US" dirty="0"/>
               <a:t> 정렬은 </a:t>
             </a:r>
             <a:r>
-              <a:rPr lang="en-US" altLang="ko-KR" dirty="0" smtClean="0"/>
+              <a:rPr lang="en-US" altLang="ko-KR" dirty="0"/>
               <a:t>‘</a:t>
             </a:r>
             <a:r>
-              <a:rPr lang="ko-KR" altLang="en-US" dirty="0" smtClean="0"/>
+              <a:rPr lang="ko-KR" altLang="en-US" dirty="0"/>
               <a:t>분할 정복</a:t>
             </a:r>
             <a:r>
-              <a:rPr lang="en-US" altLang="ko-KR" dirty="0" smtClean="0"/>
+              <a:rPr lang="en-US" altLang="ko-KR" dirty="0"/>
               <a:t>”</a:t>
             </a:r>
             <a:r>
-              <a:rPr lang="ko-KR" altLang="en-US" dirty="0" smtClean="0"/>
+              <a:rPr lang="ko-KR" altLang="en-US" dirty="0"/>
               <a:t>에 근거하여 만들어진 정렬 방법입니다</a:t>
             </a:r>
             <a:r>
-              <a:rPr lang="en-US" altLang="ko-KR" dirty="0" smtClean="0"/>
+              <a:rPr lang="en-US" altLang="ko-KR" dirty="0"/>
               <a:t>.</a:t>
             </a:r>
           </a:p>
@@ -3759,13 +3751,6 @@
   <p:clrMapOvr>
     <a:masterClrMapping/>
   </p:clrMapOvr>
-  <p:timing>
-    <p:tnLst>
-      <p:par>
-        <p:cTn id="1" dur="indefinite" restart="never" nodeType="tmRoot"/>
-      </p:par>
-    </p:tnLst>
-  </p:timing>
 </p:sld>
 </file>
 
@@ -3802,27 +3787,23 @@
           <a:lstStyle/>
           <a:p>
             <a:r>
-              <a:rPr lang="ko-KR" altLang="en-US" dirty="0" err="1" smtClean="0"/>
+              <a:rPr lang="ko-KR" altLang="en-US" dirty="0" err="1"/>
               <a:t>퀵</a:t>
             </a:r>
             <a:r>
-              <a:rPr lang="ko-KR" altLang="en-US" dirty="0" smtClean="0"/>
+              <a:rPr lang="ko-KR" altLang="en-US" dirty="0"/>
               <a:t> 정렬</a:t>
             </a:r>
             <a:r>
-              <a:rPr lang="en-US" altLang="ko-KR" dirty="0" smtClean="0"/>
-              <a:t>(</a:t>
-            </a:r>
-            <a:r>
               <a:rPr lang="en-US" altLang="ko-KR" dirty="0"/>
-              <a:t>Quick</a:t>
+              <a:t>(Quick</a:t>
             </a:r>
             <a:r>
               <a:rPr lang="en-US" altLang="ko-KR" b="1" dirty="0"/>
               <a:t> </a:t>
             </a:r>
             <a:r>
-              <a:rPr lang="en-US" altLang="ko-KR" dirty="0" smtClean="0"/>
+              <a:rPr lang="en-US" altLang="ko-KR" dirty="0"/>
               <a:t>Sort)</a:t>
             </a:r>
             <a:endParaRPr lang="ko-KR" altLang="en-US" dirty="0"/>
@@ -3845,44 +3826,44 @@
           <a:lstStyle/>
           <a:p>
             <a:r>
-              <a:rPr lang="ko-KR" altLang="en-US" dirty="0" err="1" smtClean="0"/>
+              <a:rPr lang="ko-KR" altLang="en-US" dirty="0" err="1"/>
               <a:t>퀵</a:t>
             </a:r>
             <a:r>
-              <a:rPr lang="ko-KR" altLang="en-US" dirty="0" smtClean="0"/>
+              <a:rPr lang="ko-KR" altLang="en-US" dirty="0"/>
               <a:t> 정렬은</a:t>
             </a:r>
             <a:r>
-              <a:rPr lang="en-US" altLang="ko-KR" dirty="0" smtClean="0"/>
+              <a:rPr lang="en-US" altLang="ko-KR" dirty="0"/>
               <a:t> </a:t>
             </a:r>
             <a:r>
-              <a:rPr lang="ko-KR" altLang="en-US" dirty="0" smtClean="0"/>
+              <a:rPr lang="ko-KR" altLang="en-US" dirty="0"/>
               <a:t>병합 정렬과 마찬가지로 </a:t>
             </a:r>
             <a:r>
-              <a:rPr lang="en-US" altLang="ko-KR" dirty="0" smtClean="0"/>
+              <a:rPr lang="en-US" altLang="ko-KR" dirty="0"/>
               <a:t>‘</a:t>
             </a:r>
             <a:r>
-              <a:rPr lang="ko-KR" altLang="en-US" dirty="0" smtClean="0"/>
+              <a:rPr lang="ko-KR" altLang="en-US" dirty="0"/>
               <a:t>분할 정복</a:t>
             </a:r>
             <a:r>
-              <a:rPr lang="en-US" altLang="ko-KR" dirty="0" smtClean="0"/>
+              <a:rPr lang="en-US" altLang="ko-KR" dirty="0"/>
               <a:t>’</a:t>
             </a:r>
             <a:r>
-              <a:rPr lang="ko-KR" altLang="en-US" dirty="0" smtClean="0"/>
+              <a:rPr lang="ko-KR" altLang="en-US" dirty="0"/>
               <a:t>에 근거하여 만들어진 정렬 방법입니다</a:t>
             </a:r>
             <a:r>
-              <a:rPr lang="en-US" altLang="ko-KR" dirty="0" smtClean="0"/>
+              <a:rPr lang="en-US" altLang="ko-KR" dirty="0"/>
               <a:t>.</a:t>
             </a:r>
           </a:p>
           <a:p>
-            <a:endParaRPr lang="en-US" altLang="ko-KR" dirty="0" smtClean="0"/>
+            <a:endParaRPr lang="en-US" altLang="ko-KR" dirty="0"/>
           </a:p>
         </p:txBody>
       </p:sp>
@@ -3923,7 +3904,7 @@
           <a:p>
             <a:pPr algn="ctr"/>
             <a:r>
-              <a:rPr lang="en-US" altLang="ko-KR" dirty="0" smtClean="0"/>
+              <a:rPr lang="en-US" altLang="ko-KR" dirty="0"/>
               <a:t>4</a:t>
             </a:r>
             <a:endParaRPr lang="ko-KR" altLang="en-US" dirty="0"/>
@@ -3967,7 +3948,7 @@
           <a:p>
             <a:pPr algn="ctr"/>
             <a:r>
-              <a:rPr lang="en-US" altLang="ko-KR" dirty="0" smtClean="0"/>
+              <a:rPr lang="en-US" altLang="ko-KR" dirty="0"/>
               <a:t>2</a:t>
             </a:r>
             <a:endParaRPr lang="ko-KR" altLang="en-US" dirty="0"/>
@@ -4011,7 +3992,7 @@
           <a:p>
             <a:pPr algn="ctr"/>
             <a:r>
-              <a:rPr lang="en-US" altLang="ko-KR" dirty="0" smtClean="0"/>
+              <a:rPr lang="en-US" altLang="ko-KR" dirty="0"/>
               <a:t>3</a:t>
             </a:r>
             <a:endParaRPr lang="ko-KR" altLang="en-US" dirty="0"/>
@@ -4055,7 +4036,7 @@
           <a:p>
             <a:pPr algn="ctr"/>
             <a:r>
-              <a:rPr lang="en-US" altLang="ko-KR" dirty="0" smtClean="0"/>
+              <a:rPr lang="en-US" altLang="ko-KR" dirty="0"/>
               <a:t>1</a:t>
             </a:r>
             <a:endParaRPr lang="ko-KR" altLang="en-US" dirty="0"/>
@@ -4143,7 +4124,7 @@
           <a:p>
             <a:pPr algn="ctr"/>
             <a:r>
-              <a:rPr lang="en-US" altLang="ko-KR" dirty="0" smtClean="0"/>
+              <a:rPr lang="en-US" altLang="ko-KR" dirty="0"/>
               <a:t>7</a:t>
             </a:r>
             <a:endParaRPr lang="ko-KR" altLang="en-US" dirty="0"/>
@@ -4160,13 +4141,6 @@
   <p:clrMapOvr>
     <a:masterClrMapping/>
   </p:clrMapOvr>
-  <p:timing>
-    <p:tnLst>
-      <p:par>
-        <p:cTn id="1" dur="indefinite" restart="never" nodeType="tmRoot"/>
-      </p:par>
-    </p:tnLst>
-  </p:timing>
 </p:sld>
 </file>
 
@@ -4203,15 +4177,15 @@
           <a:lstStyle/>
           <a:p>
             <a:r>
-              <a:rPr lang="ko-KR" altLang="en-US" dirty="0" err="1" smtClean="0"/>
+              <a:rPr lang="ko-KR" altLang="en-US" dirty="0" err="1"/>
               <a:t>퀵</a:t>
             </a:r>
             <a:r>
-              <a:rPr lang="ko-KR" altLang="en-US" dirty="0" smtClean="0"/>
+              <a:rPr lang="ko-KR" altLang="en-US" dirty="0"/>
               <a:t> 정렬</a:t>
             </a:r>
             <a:r>
-              <a:rPr lang="en-US" altLang="ko-KR" dirty="0" smtClean="0"/>
+              <a:rPr lang="en-US" altLang="ko-KR" dirty="0"/>
               <a:t>(Quick Sort)</a:t>
             </a:r>
             <a:endParaRPr lang="ko-KR" altLang="en-US" dirty="0"/>
@@ -4255,7 +4229,7 @@
           <a:p>
             <a:pPr algn="ctr"/>
             <a:r>
-              <a:rPr lang="en-US" altLang="ko-KR" dirty="0" smtClean="0"/>
+              <a:rPr lang="en-US" altLang="ko-KR" dirty="0"/>
               <a:t>4</a:t>
             </a:r>
             <a:endParaRPr lang="ko-KR" altLang="en-US" dirty="0"/>
@@ -4299,7 +4273,7 @@
           <a:p>
             <a:pPr algn="ctr"/>
             <a:r>
-              <a:rPr lang="en-US" altLang="ko-KR" dirty="0" smtClean="0"/>
+              <a:rPr lang="en-US" altLang="ko-KR" dirty="0"/>
               <a:t>2</a:t>
             </a:r>
             <a:endParaRPr lang="ko-KR" altLang="en-US" dirty="0"/>
@@ -4343,7 +4317,7 @@
           <a:p>
             <a:pPr algn="ctr"/>
             <a:r>
-              <a:rPr lang="en-US" altLang="ko-KR" dirty="0" smtClean="0"/>
+              <a:rPr lang="en-US" altLang="ko-KR" dirty="0"/>
               <a:t>3</a:t>
             </a:r>
             <a:endParaRPr lang="ko-KR" altLang="en-US" dirty="0"/>
@@ -4387,7 +4361,7 @@
           <a:p>
             <a:pPr algn="ctr"/>
             <a:r>
-              <a:rPr lang="en-US" altLang="ko-KR" dirty="0" smtClean="0"/>
+              <a:rPr lang="en-US" altLang="ko-KR" dirty="0"/>
               <a:t>1</a:t>
             </a:r>
             <a:endParaRPr lang="ko-KR" altLang="en-US" dirty="0"/>
@@ -4475,7 +4449,7 @@
           <a:p>
             <a:pPr algn="ctr"/>
             <a:r>
-              <a:rPr lang="en-US" altLang="ko-KR" dirty="0" smtClean="0"/>
+              <a:rPr lang="en-US" altLang="ko-KR" dirty="0"/>
               <a:t>7</a:t>
             </a:r>
             <a:endParaRPr lang="ko-KR" altLang="en-US" dirty="0"/>
@@ -4505,23 +4479,23 @@
           <a:lstStyle/>
           <a:p>
             <a:r>
-              <a:rPr lang="en-US" altLang="ko-KR" dirty="0" smtClean="0"/>
+              <a:rPr lang="en-US" altLang="ko-KR" dirty="0"/>
               <a:t>1.</a:t>
             </a:r>
             <a:r>
-              <a:rPr lang="ko-KR" altLang="en-US" dirty="0" smtClean="0"/>
+              <a:rPr lang="ko-KR" altLang="en-US" dirty="0"/>
               <a:t>일단 기준</a:t>
             </a:r>
             <a:r>
-              <a:rPr lang="en-US" altLang="ko-KR" dirty="0" smtClean="0"/>
+              <a:rPr lang="en-US" altLang="ko-KR" dirty="0"/>
               <a:t>(pivot)</a:t>
             </a:r>
             <a:r>
-              <a:rPr lang="ko-KR" altLang="en-US" dirty="0" smtClean="0"/>
+              <a:rPr lang="ko-KR" altLang="en-US" dirty="0"/>
               <a:t>을 하나 잡습니다</a:t>
             </a:r>
             <a:r>
-              <a:rPr lang="en-US" altLang="ko-KR" dirty="0" smtClean="0"/>
+              <a:rPr lang="en-US" altLang="ko-KR" dirty="0"/>
               <a:t>. </a:t>
             </a:r>
             <a:endParaRPr lang="ko-KR" altLang="en-US" dirty="0"/>
@@ -4568,7 +4542,7 @@
           <a:p>
             <a:pPr algn="ctr"/>
             <a:r>
-              <a:rPr lang="en-US" altLang="ko-KR" dirty="0" smtClean="0"/>
+              <a:rPr lang="en-US" altLang="ko-KR" dirty="0"/>
               <a:t>4</a:t>
             </a:r>
             <a:endParaRPr lang="ko-KR" altLang="en-US" dirty="0"/>
@@ -4829,63 +4803,63 @@
           <a:lstStyle/>
           <a:p>
             <a:r>
-              <a:rPr lang="ko-KR" altLang="en-US" dirty="0" smtClean="0"/>
+              <a:rPr lang="ko-KR" altLang="en-US" dirty="0"/>
               <a:t>오름차순으로 정렬한다 </a:t>
             </a:r>
             <a:r>
-              <a:rPr lang="ko-KR" altLang="en-US" dirty="0" err="1" smtClean="0"/>
+              <a:rPr lang="ko-KR" altLang="en-US" dirty="0" err="1"/>
               <a:t>했을때</a:t>
             </a:r>
             <a:r>
-              <a:rPr lang="en-US" altLang="ko-KR" dirty="0" smtClean="0"/>
+              <a:rPr lang="en-US" altLang="ko-KR" dirty="0"/>
               <a:t>…</a:t>
             </a:r>
           </a:p>
           <a:p>
             <a:r>
-              <a:rPr lang="en-US" altLang="ko-KR" dirty="0" smtClean="0"/>
+              <a:rPr lang="en-US" altLang="ko-KR" dirty="0"/>
               <a:t>2.</a:t>
             </a:r>
             <a:r>
-              <a:rPr lang="ko-KR" altLang="en-US" dirty="0" smtClean="0"/>
+              <a:rPr lang="ko-KR" altLang="en-US" dirty="0"/>
               <a:t>일단 </a:t>
             </a:r>
             <a:r>
-              <a:rPr lang="en-US" altLang="ko-KR" dirty="0" smtClean="0"/>
+              <a:rPr lang="en-US" altLang="ko-KR" dirty="0"/>
               <a:t>pivot</a:t>
             </a:r>
             <a:r>
-              <a:rPr lang="ko-KR" altLang="en-US" dirty="0" smtClean="0"/>
+              <a:rPr lang="ko-KR" altLang="en-US" dirty="0"/>
               <a:t>을 기준으로 낮을 값은 왼쪽</a:t>
             </a:r>
             <a:r>
-              <a:rPr lang="en-US" altLang="ko-KR" dirty="0" smtClean="0"/>
+              <a:rPr lang="en-US" altLang="ko-KR" dirty="0"/>
               <a:t>, </a:t>
             </a:r>
             <a:r>
-              <a:rPr lang="ko-KR" altLang="en-US" dirty="0" smtClean="0"/>
+              <a:rPr lang="ko-KR" altLang="en-US" dirty="0"/>
               <a:t>큰 값은 오른쪽으로</a:t>
             </a:r>
-            <a:endParaRPr lang="en-US" altLang="ko-KR" dirty="0" smtClean="0"/>
+            <a:endParaRPr lang="en-US" altLang="ko-KR" dirty="0"/>
           </a:p>
           <a:p>
             <a:pPr marL="0" indent="0">
               <a:buNone/>
             </a:pPr>
             <a:r>
-              <a:rPr lang="ko-KR" altLang="en-US" dirty="0" smtClean="0"/>
+              <a:rPr lang="ko-KR" altLang="en-US" dirty="0"/>
               <a:t>      분류 합니다</a:t>
             </a:r>
             <a:r>
-              <a:rPr lang="en-US" altLang="ko-KR" dirty="0" smtClean="0"/>
+              <a:rPr lang="en-US" altLang="ko-KR" dirty="0"/>
               <a:t>. </a:t>
             </a:r>
             <a:r>
-              <a:rPr lang="ko-KR" altLang="en-US" dirty="0" smtClean="0"/>
+              <a:rPr lang="ko-KR" altLang="en-US" dirty="0"/>
               <a:t>이 때 분류된 값들 간의 위치는 상관 없습니다</a:t>
             </a:r>
             <a:r>
-              <a:rPr lang="en-US" altLang="ko-KR" dirty="0" smtClean="0"/>
+              <a:rPr lang="en-US" altLang="ko-KR" dirty="0"/>
               <a:t>.</a:t>
             </a:r>
             <a:endParaRPr lang="ko-KR" altLang="en-US" dirty="0"/>
@@ -4929,7 +4903,7 @@
           <a:p>
             <a:pPr algn="ctr"/>
             <a:r>
-              <a:rPr lang="en-US" altLang="ko-KR" dirty="0" smtClean="0"/>
+              <a:rPr lang="en-US" altLang="ko-KR" dirty="0"/>
               <a:t>2</a:t>
             </a:r>
             <a:endParaRPr lang="ko-KR" altLang="en-US" dirty="0"/>
@@ -4973,7 +4947,7 @@
           <a:p>
             <a:pPr algn="ctr"/>
             <a:r>
-              <a:rPr lang="en-US" altLang="ko-KR" dirty="0" smtClean="0"/>
+              <a:rPr lang="en-US" altLang="ko-KR" dirty="0"/>
               <a:t>3</a:t>
             </a:r>
             <a:endParaRPr lang="ko-KR" altLang="en-US" dirty="0"/>
@@ -5017,7 +4991,7 @@
           <a:p>
             <a:pPr algn="ctr"/>
             <a:r>
-              <a:rPr lang="en-US" altLang="ko-KR" dirty="0" smtClean="0"/>
+              <a:rPr lang="en-US" altLang="ko-KR" dirty="0"/>
               <a:t>1</a:t>
             </a:r>
             <a:endParaRPr lang="ko-KR" altLang="en-US" dirty="0"/>
@@ -5105,7 +5079,7 @@
           <a:p>
             <a:pPr algn="ctr"/>
             <a:r>
-              <a:rPr lang="en-US" altLang="ko-KR" dirty="0" smtClean="0"/>
+              <a:rPr lang="en-US" altLang="ko-KR" dirty="0"/>
               <a:t>7</a:t>
             </a:r>
             <a:endParaRPr lang="ko-KR" altLang="en-US" dirty="0"/>
@@ -5152,7 +5126,7 @@
           <a:p>
             <a:pPr algn="ctr"/>
             <a:r>
-              <a:rPr lang="en-US" altLang="ko-KR" dirty="0" smtClean="0"/>
+              <a:rPr lang="en-US" altLang="ko-KR" dirty="0"/>
               <a:t>4</a:t>
             </a:r>
             <a:endParaRPr lang="ko-KR" altLang="en-US" dirty="0"/>
@@ -5182,41 +5156,41 @@
           <a:lstStyle/>
           <a:p>
             <a:r>
-              <a:rPr lang="en-US" altLang="ko-KR" dirty="0" smtClean="0"/>
+              <a:rPr lang="en-US" altLang="ko-KR" dirty="0"/>
               <a:t>3.</a:t>
             </a:r>
             <a:r>
-              <a:rPr lang="ko-KR" altLang="en-US" dirty="0" smtClean="0"/>
+              <a:rPr lang="ko-KR" altLang="en-US" dirty="0"/>
               <a:t>분류가 끝나면 </a:t>
             </a:r>
             <a:r>
-              <a:rPr lang="en-US" altLang="ko-KR" dirty="0" smtClean="0"/>
+              <a:rPr lang="en-US" altLang="ko-KR" dirty="0"/>
               <a:t>pivot</a:t>
             </a:r>
             <a:r>
-              <a:rPr lang="ko-KR" altLang="en-US" dirty="0" smtClean="0"/>
+              <a:rPr lang="ko-KR" altLang="en-US" dirty="0"/>
               <a:t>을 삼은 </a:t>
             </a:r>
             <a:r>
-              <a:rPr lang="en-US" altLang="ko-KR" dirty="0" smtClean="0"/>
+              <a:rPr lang="en-US" altLang="ko-KR" dirty="0"/>
               <a:t>‘4’</a:t>
             </a:r>
             <a:r>
-              <a:rPr lang="ko-KR" altLang="en-US" dirty="0" smtClean="0"/>
+              <a:rPr lang="ko-KR" altLang="en-US" dirty="0"/>
               <a:t>를 분류 된 두 그룹 사이로 보냅니다</a:t>
             </a:r>
             <a:r>
-              <a:rPr lang="en-US" altLang="ko-KR" dirty="0" smtClean="0"/>
+              <a:rPr lang="en-US" altLang="ko-KR" dirty="0"/>
               <a:t>.</a:t>
             </a:r>
           </a:p>
           <a:p>
             <a:r>
-              <a:rPr lang="ko-KR" altLang="en-US" dirty="0" smtClean="0"/>
+              <a:rPr lang="ko-KR" altLang="en-US" dirty="0"/>
               <a:t>   그럼 그 자리는 </a:t>
             </a:r>
             <a:r>
-              <a:rPr lang="en-US" altLang="ko-KR" dirty="0" smtClean="0">
+              <a:rPr lang="en-US" altLang="ko-KR" dirty="0">
                 <a:solidFill>
                   <a:srgbClr val="FF0000"/>
                 </a:solidFill>
@@ -5224,7 +5198,7 @@
               <a:t>‘4’</a:t>
             </a:r>
             <a:r>
-              <a:rPr lang="ko-KR" altLang="en-US" dirty="0" smtClean="0">
+              <a:rPr lang="ko-KR" altLang="en-US" dirty="0">
                 <a:solidFill>
                   <a:srgbClr val="FF0000"/>
                 </a:solidFill>
@@ -5232,11 +5206,11 @@
               <a:t>가 있어야 할 자리</a:t>
             </a:r>
             <a:r>
-              <a:rPr lang="ko-KR" altLang="en-US" dirty="0" smtClean="0"/>
+              <a:rPr lang="ko-KR" altLang="en-US" dirty="0"/>
               <a:t>입니다</a:t>
             </a:r>
             <a:r>
-              <a:rPr lang="en-US" altLang="ko-KR" dirty="0" smtClean="0"/>
+              <a:rPr lang="en-US" altLang="ko-KR" dirty="0"/>
               <a:t>.</a:t>
             </a:r>
             <a:endParaRPr lang="ko-KR" altLang="en-US" dirty="0"/>
@@ -5680,18 +5654,18 @@
           <a:lstStyle/>
           <a:p>
             <a:r>
-              <a:rPr lang="ko-KR" altLang="en-US" dirty="0" smtClean="0"/>
+              <a:rPr lang="ko-KR" altLang="en-US" dirty="0"/>
               <a:t>이 다음 왼쪽 그룹</a:t>
             </a:r>
             <a:r>
-              <a:rPr lang="en-US" altLang="ko-KR" dirty="0" smtClean="0"/>
+              <a:rPr lang="en-US" altLang="ko-KR" dirty="0"/>
               <a:t>, </a:t>
             </a:r>
             <a:r>
-              <a:rPr lang="ko-KR" altLang="en-US" dirty="0" smtClean="0"/>
+              <a:rPr lang="ko-KR" altLang="en-US" dirty="0"/>
               <a:t>오른쪽 그룹 둘 다 따로따로 다시 한번</a:t>
             </a:r>
-            <a:endParaRPr lang="en-US" altLang="ko-KR" dirty="0" smtClean="0"/>
+            <a:endParaRPr lang="en-US" altLang="ko-KR" dirty="0"/>
           </a:p>
           <a:p>
             <a:pPr marL="0" indent="0">
@@ -5699,25 +5673,20 @@
             </a:pPr>
             <a:r>
               <a:rPr lang="en-US" altLang="ko-KR" dirty="0"/>
+              <a:t>  1~3</a:t>
+            </a:r>
+            <a:r>
+              <a:rPr lang="ko-KR" altLang="en-US" dirty="0"/>
+              <a:t>의 과정을 계속 거쳐줍니다</a:t>
+            </a:r>
+            <a:r>
+              <a:rPr lang="en-US" altLang="ko-KR" dirty="0"/>
+              <a:t>.</a:t>
+            </a:r>
+            <a:r>
+              <a:rPr lang="ko-KR" altLang="en-US" dirty="0"/>
               <a:t> </a:t>
             </a:r>
-            <a:r>
-              <a:rPr lang="en-US" altLang="ko-KR" dirty="0" smtClean="0"/>
-              <a:t> 1~3</a:t>
-            </a:r>
-            <a:r>
-              <a:rPr lang="ko-KR" altLang="en-US" dirty="0" smtClean="0"/>
-              <a:t>의 과정을 계속 거쳐줍니다</a:t>
-            </a:r>
-            <a:r>
-              <a:rPr lang="en-US" altLang="ko-KR" dirty="0" smtClean="0"/>
-              <a:t>.</a:t>
-            </a:r>
-            <a:r>
-              <a:rPr lang="ko-KR" altLang="en-US" dirty="0" smtClean="0"/>
-              <a:t> </a:t>
-            </a:r>
-            <a:endParaRPr lang="ko-KR" altLang="en-US" dirty="0"/>
           </a:p>
         </p:txBody>
       </p:sp>
@@ -5844,7 +5813,7 @@
           <a:p>
             <a:pPr algn="ctr"/>
             <a:r>
-              <a:rPr lang="en-US" altLang="ko-KR" dirty="0" smtClean="0"/>
+              <a:rPr lang="en-US" altLang="ko-KR" dirty="0"/>
               <a:t>2</a:t>
             </a:r>
             <a:endParaRPr lang="ko-KR" altLang="en-US" dirty="0"/>
@@ -5888,7 +5857,7 @@
           <a:p>
             <a:pPr algn="ctr"/>
             <a:r>
-              <a:rPr lang="en-US" altLang="ko-KR" dirty="0" smtClean="0"/>
+              <a:rPr lang="en-US" altLang="ko-KR" dirty="0"/>
               <a:t>3</a:t>
             </a:r>
             <a:endParaRPr lang="ko-KR" altLang="en-US" dirty="0"/>
@@ -5932,7 +5901,7 @@
           <a:p>
             <a:pPr algn="ctr"/>
             <a:r>
-              <a:rPr lang="en-US" altLang="ko-KR" dirty="0" smtClean="0"/>
+              <a:rPr lang="en-US" altLang="ko-KR" dirty="0"/>
               <a:t>1</a:t>
             </a:r>
             <a:endParaRPr lang="ko-KR" altLang="en-US" dirty="0"/>
@@ -6020,7 +5989,7 @@
           <a:p>
             <a:pPr algn="ctr"/>
             <a:r>
-              <a:rPr lang="en-US" altLang="ko-KR" dirty="0" smtClean="0"/>
+              <a:rPr lang="en-US" altLang="ko-KR" dirty="0"/>
               <a:t>7</a:t>
             </a:r>
             <a:endParaRPr lang="ko-KR" altLang="en-US" dirty="0"/>
@@ -6067,7 +6036,7 @@
           <a:p>
             <a:pPr algn="ctr"/>
             <a:r>
-              <a:rPr lang="en-US" altLang="ko-KR" dirty="0" smtClean="0"/>
+              <a:rPr lang="en-US" altLang="ko-KR" dirty="0"/>
               <a:t>4</a:t>
             </a:r>
             <a:endParaRPr lang="ko-KR" altLang="en-US" dirty="0"/>
@@ -6084,13 +6053,6 @@
   <p:clrMapOvr>
     <a:masterClrMapping/>
   </p:clrMapOvr>
-  <p:timing>
-    <p:tnLst>
-      <p:par>
-        <p:cTn id="1" dur="indefinite" restart="never" nodeType="tmRoot"/>
-      </p:par>
-    </p:tnLst>
-  </p:timing>
 </p:sld>
 </file>
 
@@ -6163,11 +6125,11 @@
           <a:lstStyle/>
           <a:p>
             <a:r>
-              <a:rPr lang="ko-KR" altLang="en-US" dirty="0" smtClean="0"/>
+              <a:rPr lang="ko-KR" altLang="en-US" dirty="0"/>
               <a:t>일단 왼쪽 그룹으로 다시 한번 해보겠습니다</a:t>
             </a:r>
             <a:r>
-              <a:rPr lang="en-US" altLang="ko-KR" dirty="0" smtClean="0"/>
+              <a:rPr lang="en-US" altLang="ko-KR" dirty="0"/>
               <a:t>.</a:t>
             </a:r>
             <a:endParaRPr lang="ko-KR" altLang="en-US" dirty="0"/>
@@ -6297,7 +6259,7 @@
           <a:p>
             <a:pPr algn="ctr"/>
             <a:r>
-              <a:rPr lang="en-US" altLang="ko-KR" dirty="0" smtClean="0"/>
+              <a:rPr lang="en-US" altLang="ko-KR" dirty="0"/>
               <a:t>2</a:t>
             </a:r>
             <a:endParaRPr lang="ko-KR" altLang="en-US" dirty="0"/>
@@ -6341,7 +6303,7 @@
           <a:p>
             <a:pPr algn="ctr"/>
             <a:r>
-              <a:rPr lang="en-US" altLang="ko-KR" dirty="0" smtClean="0"/>
+              <a:rPr lang="en-US" altLang="ko-KR" dirty="0"/>
               <a:t>3</a:t>
             </a:r>
             <a:endParaRPr lang="ko-KR" altLang="en-US" dirty="0"/>
@@ -6385,7 +6347,7 @@
           <a:p>
             <a:pPr algn="ctr"/>
             <a:r>
-              <a:rPr lang="en-US" altLang="ko-KR" dirty="0" smtClean="0"/>
+              <a:rPr lang="en-US" altLang="ko-KR" dirty="0"/>
               <a:t>1</a:t>
             </a:r>
             <a:endParaRPr lang="ko-KR" altLang="en-US" dirty="0"/>
@@ -6473,7 +6435,7 @@
           <a:p>
             <a:pPr algn="ctr"/>
             <a:r>
-              <a:rPr lang="en-US" altLang="ko-KR" dirty="0" smtClean="0"/>
+              <a:rPr lang="en-US" altLang="ko-KR" dirty="0"/>
               <a:t>7</a:t>
             </a:r>
             <a:endParaRPr lang="ko-KR" altLang="en-US" dirty="0"/>
@@ -6520,7 +6482,7 @@
           <a:p>
             <a:pPr algn="ctr"/>
             <a:r>
-              <a:rPr lang="en-US" altLang="ko-KR" dirty="0" smtClean="0"/>
+              <a:rPr lang="en-US" altLang="ko-KR" dirty="0"/>
               <a:t>4</a:t>
             </a:r>
             <a:endParaRPr lang="ko-KR" altLang="en-US" dirty="0"/>
@@ -6754,18 +6716,18 @@
           <a:lstStyle/>
           <a:p>
             <a:r>
-              <a:rPr lang="ko-KR" altLang="en-US" dirty="0" smtClean="0"/>
+              <a:rPr lang="ko-KR" altLang="en-US" dirty="0"/>
               <a:t>이 다음 왼쪽 그룹</a:t>
             </a:r>
             <a:r>
-              <a:rPr lang="en-US" altLang="ko-KR" dirty="0" smtClean="0"/>
+              <a:rPr lang="en-US" altLang="ko-KR" dirty="0"/>
               <a:t>, </a:t>
             </a:r>
             <a:r>
-              <a:rPr lang="ko-KR" altLang="en-US" dirty="0" smtClean="0"/>
+              <a:rPr lang="ko-KR" altLang="en-US" dirty="0"/>
               <a:t>오른쪽 그룹 둘 다 따로따로 다시 한번</a:t>
             </a:r>
-            <a:endParaRPr lang="en-US" altLang="ko-KR" dirty="0" smtClean="0"/>
+            <a:endParaRPr lang="en-US" altLang="ko-KR" dirty="0"/>
           </a:p>
           <a:p>
             <a:pPr marL="0" indent="0">
@@ -6773,56 +6735,52 @@
             </a:pPr>
             <a:r>
               <a:rPr lang="en-US" altLang="ko-KR" dirty="0"/>
+              <a:t>  1~3</a:t>
+            </a:r>
+            <a:r>
+              <a:rPr lang="ko-KR" altLang="en-US" dirty="0"/>
+              <a:t>의 과정을 계속 거쳐줍니다</a:t>
+            </a:r>
+            <a:r>
+              <a:rPr lang="en-US" altLang="ko-KR" dirty="0"/>
+              <a:t>.</a:t>
+            </a:r>
+            <a:r>
+              <a:rPr lang="ko-KR" altLang="en-US" dirty="0"/>
               <a:t> </a:t>
             </a:r>
-            <a:r>
-              <a:rPr lang="en-US" altLang="ko-KR" dirty="0" smtClean="0"/>
-              <a:t> 1~3</a:t>
-            </a:r>
-            <a:r>
-              <a:rPr lang="ko-KR" altLang="en-US" dirty="0" smtClean="0"/>
-              <a:t>의 과정을 계속 거쳐줍니다</a:t>
-            </a:r>
-            <a:r>
-              <a:rPr lang="en-US" altLang="ko-KR" dirty="0" smtClean="0"/>
-              <a:t>.</a:t>
-            </a:r>
-            <a:r>
-              <a:rPr lang="ko-KR" altLang="en-US" dirty="0" smtClean="0"/>
-              <a:t> </a:t>
-            </a:r>
-            <a:endParaRPr lang="en-US" altLang="ko-KR" dirty="0" smtClean="0"/>
+            <a:endParaRPr lang="en-US" altLang="ko-KR" dirty="0"/>
           </a:p>
           <a:p>
             <a:pPr marL="0" indent="0">
               <a:buNone/>
             </a:pPr>
             <a:r>
-              <a:rPr lang="en-US" altLang="ko-KR" dirty="0" smtClean="0"/>
+              <a:rPr lang="en-US" altLang="ko-KR" dirty="0"/>
               <a:t>1.</a:t>
             </a:r>
             <a:r>
-              <a:rPr lang="ko-KR" altLang="en-US" dirty="0" smtClean="0"/>
+              <a:rPr lang="ko-KR" altLang="en-US" dirty="0"/>
               <a:t>깔끔하게 하기 위해 편하게 </a:t>
             </a:r>
             <a:r>
-              <a:rPr lang="en-US" altLang="ko-KR" dirty="0" smtClean="0"/>
+              <a:rPr lang="en-US" altLang="ko-KR" dirty="0"/>
               <a:t>‘2’</a:t>
             </a:r>
             <a:r>
-              <a:rPr lang="ko-KR" altLang="en-US" dirty="0" smtClean="0"/>
+              <a:rPr lang="ko-KR" altLang="en-US" dirty="0"/>
               <a:t>를 </a:t>
             </a:r>
             <a:r>
-              <a:rPr lang="en-US" altLang="ko-KR" dirty="0" smtClean="0"/>
+              <a:rPr lang="en-US" altLang="ko-KR" dirty="0"/>
               <a:t>pivot</a:t>
             </a:r>
             <a:r>
-              <a:rPr lang="ko-KR" altLang="en-US" dirty="0" smtClean="0"/>
+              <a:rPr lang="ko-KR" altLang="en-US" dirty="0"/>
               <a:t>으로 잡아주겠습니다</a:t>
             </a:r>
             <a:r>
-              <a:rPr lang="en-US" altLang="ko-KR" dirty="0" smtClean="0"/>
+              <a:rPr lang="en-US" altLang="ko-KR" dirty="0"/>
               <a:t>.</a:t>
             </a:r>
             <a:endParaRPr lang="ko-KR" altLang="en-US" dirty="0"/>
@@ -6909,7 +6867,7 @@
           <a:p>
             <a:pPr algn="ctr"/>
             <a:r>
-              <a:rPr lang="en-US" altLang="ko-KR" dirty="0" smtClean="0"/>
+              <a:rPr lang="en-US" altLang="ko-KR" dirty="0"/>
               <a:t>2</a:t>
             </a:r>
             <a:endParaRPr lang="ko-KR" altLang="en-US" dirty="0"/>
@@ -6953,7 +6911,7 @@
           <a:p>
             <a:pPr algn="ctr"/>
             <a:r>
-              <a:rPr lang="en-US" altLang="ko-KR" dirty="0" smtClean="0"/>
+              <a:rPr lang="en-US" altLang="ko-KR" dirty="0"/>
               <a:t>3</a:t>
             </a:r>
             <a:endParaRPr lang="ko-KR" altLang="en-US" dirty="0"/>
@@ -6997,7 +6955,7 @@
           <a:p>
             <a:pPr algn="ctr"/>
             <a:r>
-              <a:rPr lang="en-US" altLang="ko-KR" dirty="0" smtClean="0"/>
+              <a:rPr lang="en-US" altLang="ko-KR" dirty="0"/>
               <a:t>1</a:t>
             </a:r>
             <a:endParaRPr lang="ko-KR" altLang="en-US" dirty="0"/>
@@ -7044,7 +7002,7 @@
           <a:p>
             <a:pPr algn="ctr"/>
             <a:r>
-              <a:rPr lang="en-US" altLang="ko-KR" dirty="0" smtClean="0"/>
+              <a:rPr lang="en-US" altLang="ko-KR" dirty="0"/>
               <a:t>2</a:t>
             </a:r>
             <a:endParaRPr lang="ko-KR" altLang="en-US" dirty="0"/>
@@ -7293,7 +7251,7 @@
           <a:p>
             <a:pPr algn="ctr"/>
             <a:r>
-              <a:rPr lang="en-US" altLang="ko-KR" dirty="0" smtClean="0"/>
+              <a:rPr lang="en-US" altLang="ko-KR" dirty="0"/>
               <a:t>2</a:t>
             </a:r>
             <a:endParaRPr lang="ko-KR" altLang="en-US" dirty="0"/>
@@ -7354,18 +7312,18 @@
           <a:lstStyle/>
           <a:p>
             <a:r>
-              <a:rPr lang="ko-KR" altLang="en-US" dirty="0" smtClean="0"/>
+              <a:rPr lang="ko-KR" altLang="en-US" dirty="0"/>
               <a:t>이 다음 왼쪽 그룹</a:t>
             </a:r>
             <a:r>
-              <a:rPr lang="en-US" altLang="ko-KR" dirty="0" smtClean="0"/>
+              <a:rPr lang="en-US" altLang="ko-KR" dirty="0"/>
               <a:t>, </a:t>
             </a:r>
             <a:r>
-              <a:rPr lang="ko-KR" altLang="en-US" dirty="0" smtClean="0"/>
+              <a:rPr lang="ko-KR" altLang="en-US" dirty="0"/>
               <a:t>오른쪽 그룹 둘 다 따로따로 다시 한번</a:t>
             </a:r>
-            <a:endParaRPr lang="en-US" altLang="ko-KR" dirty="0" smtClean="0"/>
+            <a:endParaRPr lang="en-US" altLang="ko-KR" dirty="0"/>
           </a:p>
           <a:p>
             <a:pPr marL="0" indent="0">
@@ -7373,37 +7331,33 @@
             </a:pPr>
             <a:r>
               <a:rPr lang="en-US" altLang="ko-KR" dirty="0"/>
+              <a:t>  2. pivot </a:t>
+            </a:r>
+            <a:r>
+              <a:rPr lang="ko-KR" altLang="en-US" dirty="0"/>
+              <a:t>기준으로 </a:t>
+            </a:r>
+            <a:r>
+              <a:rPr lang="ko-KR" altLang="en-US" dirty="0" err="1"/>
+              <a:t>큰값</a:t>
+            </a:r>
+            <a:r>
+              <a:rPr lang="en-US" altLang="ko-KR" dirty="0"/>
+              <a:t>,</a:t>
+            </a:r>
+            <a:r>
+              <a:rPr lang="ko-KR" altLang="en-US" dirty="0"/>
               <a:t> </a:t>
             </a:r>
             <a:r>
-              <a:rPr lang="en-US" altLang="ko-KR" dirty="0" smtClean="0"/>
-              <a:t> 2. pivot </a:t>
-            </a:r>
-            <a:r>
-              <a:rPr lang="ko-KR" altLang="en-US" dirty="0" smtClean="0"/>
-              <a:t>기준으로 </a:t>
-            </a:r>
-            <a:r>
-              <a:rPr lang="ko-KR" altLang="en-US" dirty="0" err="1" smtClean="0"/>
-              <a:t>큰값</a:t>
-            </a:r>
-            <a:r>
-              <a:rPr lang="en-US" altLang="ko-KR" dirty="0" smtClean="0"/>
-              <a:t>,</a:t>
-            </a:r>
-            <a:r>
-              <a:rPr lang="ko-KR" altLang="en-US" dirty="0" smtClean="0"/>
-              <a:t> </a:t>
-            </a:r>
-            <a:r>
-              <a:rPr lang="ko-KR" altLang="en-US" dirty="0" err="1" smtClean="0"/>
+              <a:rPr lang="ko-KR" altLang="en-US" dirty="0" err="1"/>
               <a:t>작은값</a:t>
             </a:r>
             <a:r>
-              <a:rPr lang="ko-KR" altLang="en-US" dirty="0" smtClean="0"/>
+              <a:rPr lang="ko-KR" altLang="en-US" dirty="0"/>
               <a:t> 분류</a:t>
             </a:r>
-            <a:endParaRPr lang="en-US" altLang="ko-KR" dirty="0" smtClean="0"/>
+            <a:endParaRPr lang="en-US" altLang="ko-KR" dirty="0"/>
           </a:p>
           <a:p>
             <a:pPr marL="0" indent="0">
@@ -7411,25 +7365,21 @@
             </a:pPr>
             <a:r>
               <a:rPr lang="en-US" altLang="ko-KR" dirty="0"/>
+              <a:t>  3. pivot</a:t>
+            </a:r>
+            <a:r>
+              <a:rPr lang="ko-KR" altLang="en-US" dirty="0"/>
+              <a:t>을 두 그룹 사이로 이동</a:t>
+            </a:r>
+            <a:r>
+              <a:rPr lang="en-US" altLang="ko-KR" dirty="0"/>
+              <a:t>.</a:t>
+            </a:r>
+            <a:r>
+              <a:rPr lang="ko-KR" altLang="en-US" dirty="0"/>
               <a:t> </a:t>
             </a:r>
-            <a:r>
-              <a:rPr lang="en-US" altLang="ko-KR" dirty="0" smtClean="0"/>
-              <a:t> 3. pivot</a:t>
-            </a:r>
-            <a:r>
-              <a:rPr lang="ko-KR" altLang="en-US" dirty="0" smtClean="0"/>
-              <a:t>을 두 그룹 사이로 이동</a:t>
-            </a:r>
-            <a:r>
-              <a:rPr lang="en-US" altLang="ko-KR" dirty="0" smtClean="0"/>
-              <a:t>.</a:t>
-            </a:r>
-            <a:r>
-              <a:rPr lang="ko-KR" altLang="en-US" dirty="0" smtClean="0"/>
-              <a:t> </a:t>
-            </a:r>
-            <a:endParaRPr lang="en-US" altLang="ko-KR" dirty="0" smtClean="0"/>
+            <a:endParaRPr lang="en-US" altLang="ko-KR" dirty="0"/>
           </a:p>
           <a:p>
             <a:pPr marL="0" indent="0">
@@ -7441,23 +7391,7 @@
                   <a:srgbClr val="FF0000"/>
                 </a:solidFill>
               </a:rPr>
-              <a:t> </a:t>
-            </a:r>
-            <a:r>
-              <a:rPr lang="en-US" altLang="ko-KR" dirty="0" smtClean="0">
-                <a:solidFill>
-                  <a:srgbClr val="FF0000"/>
-                </a:solidFill>
-              </a:rPr>
-              <a:t>     ‘</a:t>
-            </a:r>
-            <a:r>
-              <a:rPr lang="en-US" altLang="ko-KR" dirty="0">
-                <a:solidFill>
-                  <a:srgbClr val="FF0000"/>
-                </a:solidFill>
-              </a:rPr>
-              <a:t>2’</a:t>
+              <a:t>      ‘2’</a:t>
             </a:r>
             <a:r>
               <a:rPr lang="ko-KR" altLang="en-US" dirty="0">
@@ -7468,7 +7402,7 @@
               <a:t>도 자기 자리를 잡았습니다</a:t>
             </a:r>
             <a:r>
-              <a:rPr lang="en-US" altLang="ko-KR" dirty="0" smtClean="0"/>
+              <a:rPr lang="en-US" altLang="ko-KR" dirty="0"/>
               <a:t>.</a:t>
             </a:r>
           </a:p>
@@ -7517,7 +7451,7 @@
           <a:p>
             <a:pPr algn="ctr"/>
             <a:r>
-              <a:rPr lang="en-US" altLang="ko-KR" dirty="0" smtClean="0"/>
+              <a:rPr lang="en-US" altLang="ko-KR" dirty="0"/>
               <a:t>3</a:t>
             </a:r>
             <a:endParaRPr lang="ko-KR" altLang="en-US" dirty="0"/>
@@ -7561,7 +7495,7 @@
           <a:p>
             <a:pPr algn="ctr"/>
             <a:r>
-              <a:rPr lang="en-US" altLang="ko-KR" dirty="0" smtClean="0"/>
+              <a:rPr lang="en-US" altLang="ko-KR" dirty="0"/>
               <a:t>1</a:t>
             </a:r>
             <a:endParaRPr lang="ko-KR" altLang="en-US" dirty="0"/>
@@ -8135,81 +8069,81 @@
           <a:lstStyle/>
           <a:p>
             <a:r>
-              <a:rPr lang="ko-KR" altLang="en-US" dirty="0" smtClean="0"/>
+              <a:rPr lang="ko-KR" altLang="en-US" dirty="0"/>
               <a:t>다시 왼쪽</a:t>
             </a:r>
             <a:r>
-              <a:rPr lang="en-US" altLang="ko-KR" dirty="0" smtClean="0"/>
+              <a:rPr lang="en-US" altLang="ko-KR" dirty="0"/>
               <a:t>, </a:t>
             </a:r>
             <a:r>
-              <a:rPr lang="ko-KR" altLang="en-US" dirty="0" smtClean="0"/>
+              <a:rPr lang="ko-KR" altLang="en-US" dirty="0"/>
               <a:t>오른쪽 그룹 각자 </a:t>
             </a:r>
             <a:r>
-              <a:rPr lang="en-US" altLang="ko-KR" dirty="0" smtClean="0"/>
+              <a:rPr lang="en-US" altLang="ko-KR" dirty="0"/>
               <a:t>1~3</a:t>
             </a:r>
             <a:r>
-              <a:rPr lang="ko-KR" altLang="en-US" dirty="0" smtClean="0"/>
+              <a:rPr lang="ko-KR" altLang="en-US" dirty="0"/>
               <a:t>을 다시 해주지만</a:t>
             </a:r>
-            <a:endParaRPr lang="en-US" altLang="ko-KR" dirty="0" smtClean="0"/>
-          </a:p>
-          <a:p>
-            <a:r>
-              <a:rPr lang="ko-KR" altLang="en-US" dirty="0" smtClean="0"/>
+            <a:endParaRPr lang="en-US" altLang="ko-KR" dirty="0"/>
+          </a:p>
+          <a:p>
+            <a:r>
+              <a:rPr lang="ko-KR" altLang="en-US" dirty="0"/>
               <a:t>하나 밖에 없으므로 그 자리가 그 값들의 자리입니다</a:t>
             </a:r>
             <a:r>
-              <a:rPr lang="en-US" altLang="ko-KR" dirty="0" smtClean="0"/>
+              <a:rPr lang="en-US" altLang="ko-KR" dirty="0"/>
               <a:t>.</a:t>
             </a:r>
           </a:p>
           <a:p>
             <a:r>
-              <a:rPr lang="ko-KR" altLang="en-US" dirty="0" smtClean="0"/>
+              <a:rPr lang="ko-KR" altLang="en-US" dirty="0"/>
               <a:t>그리고 </a:t>
             </a:r>
             <a:r>
-              <a:rPr lang="ko-KR" altLang="en-US" dirty="0" err="1" smtClean="0"/>
+              <a:rPr lang="ko-KR" altLang="en-US" dirty="0" err="1"/>
               <a:t>스택을</a:t>
             </a:r>
             <a:r>
-              <a:rPr lang="ko-KR" altLang="en-US" dirty="0" smtClean="0"/>
+              <a:rPr lang="ko-KR" altLang="en-US" dirty="0"/>
               <a:t> 풀어주면</a:t>
             </a:r>
-            <a:endParaRPr lang="en-US" altLang="ko-KR" dirty="0" smtClean="0"/>
-          </a:p>
-          <a:p>
-            <a:r>
-              <a:rPr lang="en-US" altLang="ko-KR" dirty="0" smtClean="0"/>
+            <a:endParaRPr lang="en-US" altLang="ko-KR" dirty="0"/>
+          </a:p>
+          <a:p>
+            <a:r>
+              <a:rPr lang="en-US" altLang="ko-KR" dirty="0"/>
               <a:t>(</a:t>
             </a:r>
             <a:r>
-              <a:rPr lang="ko-KR" altLang="en-US" dirty="0" smtClean="0"/>
+              <a:rPr lang="ko-KR" altLang="en-US" dirty="0"/>
               <a:t>오른쪽은 </a:t>
             </a:r>
             <a:r>
-              <a:rPr lang="ko-KR" altLang="en-US" dirty="0" err="1" smtClean="0"/>
+              <a:rPr lang="ko-KR" altLang="en-US" dirty="0" err="1"/>
               <a:t>안했지만</a:t>
             </a:r>
             <a:r>
-              <a:rPr lang="ko-KR" altLang="en-US" dirty="0" smtClean="0"/>
+              <a:rPr lang="ko-KR" altLang="en-US" dirty="0"/>
               <a:t> 한 것으로 하겠습니다</a:t>
             </a:r>
             <a:r>
-              <a:rPr lang="en-US" altLang="ko-KR" dirty="0" smtClean="0"/>
+              <a:rPr lang="en-US" altLang="ko-KR" dirty="0"/>
               <a:t>.)</a:t>
             </a:r>
           </a:p>
           <a:p>
             <a:r>
-              <a:rPr lang="ko-KR" altLang="en-US" dirty="0" smtClean="0"/>
+              <a:rPr lang="ko-KR" altLang="en-US" dirty="0"/>
               <a:t>정렬이 끝났습니다</a:t>
             </a:r>
             <a:r>
-              <a:rPr lang="en-US" altLang="ko-KR" dirty="0" smtClean="0"/>
+              <a:rPr lang="en-US" altLang="ko-KR" dirty="0"/>
               <a:t>.</a:t>
             </a:r>
             <a:endParaRPr lang="ko-KR" altLang="en-US" dirty="0"/>
@@ -8270,7 +8204,7 @@
             <a:p>
               <a:pPr algn="ctr"/>
               <a:r>
-                <a:rPr lang="en-US" altLang="ko-KR" dirty="0" smtClean="0"/>
+                <a:rPr lang="en-US" altLang="ko-KR" dirty="0"/>
                 <a:t>3</a:t>
               </a:r>
               <a:endParaRPr lang="ko-KR" altLang="en-US" dirty="0"/>
@@ -8317,7 +8251,7 @@
             <a:p>
               <a:pPr algn="ctr"/>
               <a:r>
-                <a:rPr lang="en-US" altLang="ko-KR" dirty="0" smtClean="0"/>
+                <a:rPr lang="en-US" altLang="ko-KR" dirty="0"/>
                 <a:t>1</a:t>
               </a:r>
               <a:endParaRPr lang="ko-KR" altLang="en-US" dirty="0"/>
@@ -8364,7 +8298,7 @@
             <a:p>
               <a:pPr algn="ctr"/>
               <a:r>
-                <a:rPr lang="en-US" altLang="ko-KR" dirty="0" smtClean="0"/>
+                <a:rPr lang="en-US" altLang="ko-KR" dirty="0"/>
                 <a:t>2</a:t>
               </a:r>
               <a:endParaRPr lang="ko-KR" altLang="en-US" dirty="0"/>
@@ -8473,7 +8407,7 @@
             <a:p>
               <a:pPr algn="ctr"/>
               <a:r>
-                <a:rPr lang="en-US" altLang="ko-KR" dirty="0" smtClean="0"/>
+                <a:rPr lang="en-US" altLang="ko-KR" dirty="0"/>
                 <a:t>7</a:t>
               </a:r>
               <a:endParaRPr lang="ko-KR" altLang="en-US" dirty="0"/>
@@ -8521,7 +8455,7 @@
           <a:p>
             <a:pPr algn="ctr"/>
             <a:r>
-              <a:rPr lang="en-US" altLang="ko-KR" dirty="0" smtClean="0"/>
+              <a:rPr lang="en-US" altLang="ko-KR" dirty="0"/>
               <a:t>4</a:t>
             </a:r>
             <a:endParaRPr lang="ko-KR" altLang="en-US" dirty="0"/>
@@ -8754,33 +8688,29 @@
           <a:lstStyle/>
           <a:p>
             <a:r>
-              <a:rPr lang="ko-KR" altLang="en-US" dirty="0" smtClean="0"/>
-              <a:t>이제는 </a:t>
-            </a:r>
-            <a:r>
-              <a:rPr lang="ko-KR" altLang="en-US" dirty="0" smtClean="0"/>
-              <a:t>프로그래밍 기준으로 설명하겠습니다</a:t>
-            </a:r>
-            <a:r>
-              <a:rPr lang="en-US" altLang="ko-KR" dirty="0" smtClean="0"/>
+              <a:rPr lang="ko-KR" altLang="en-US" dirty="0"/>
+              <a:t>이제는 프로그래밍 기준으로 설명하겠습니다</a:t>
+            </a:r>
+            <a:r>
+              <a:rPr lang="en-US" altLang="ko-KR" dirty="0"/>
               <a:t>.</a:t>
             </a:r>
           </a:p>
           <a:p>
             <a:r>
-              <a:rPr lang="ko-KR" altLang="en-US" dirty="0" smtClean="0"/>
+              <a:rPr lang="ko-KR" altLang="en-US" dirty="0"/>
               <a:t>일단 </a:t>
             </a:r>
             <a:r>
-              <a:rPr lang="en-US" altLang="ko-KR" dirty="0" smtClean="0"/>
+              <a:rPr lang="en-US" altLang="ko-KR" dirty="0"/>
               <a:t>pivot</a:t>
             </a:r>
             <a:r>
-              <a:rPr lang="ko-KR" altLang="en-US" dirty="0" smtClean="0"/>
+              <a:rPr lang="ko-KR" altLang="en-US" dirty="0"/>
               <a:t>을 잡습니다</a:t>
             </a:r>
             <a:r>
-              <a:rPr lang="en-US" altLang="ko-KR" dirty="0" smtClean="0"/>
+              <a:rPr lang="en-US" altLang="ko-KR" dirty="0"/>
               <a:t>.</a:t>
             </a:r>
             <a:endParaRPr lang="ko-KR" altLang="en-US" dirty="0"/>
@@ -8827,7 +8757,7 @@
           <a:p>
             <a:pPr algn="ctr"/>
             <a:r>
-              <a:rPr lang="en-US" altLang="ko-KR" dirty="0" smtClean="0"/>
+              <a:rPr lang="en-US" altLang="ko-KR" dirty="0"/>
               <a:t>5</a:t>
             </a:r>
             <a:endParaRPr lang="ko-KR" altLang="en-US" dirty="0"/>
@@ -8871,7 +8801,7 @@
           <a:p>
             <a:pPr algn="ctr"/>
             <a:r>
-              <a:rPr lang="en-US" altLang="ko-KR" dirty="0" smtClean="0"/>
+              <a:rPr lang="en-US" altLang="ko-KR" dirty="0"/>
               <a:t>1</a:t>
             </a:r>
             <a:endParaRPr lang="ko-KR" altLang="en-US" dirty="0"/>
@@ -8915,7 +8845,7 @@
           <a:p>
             <a:pPr algn="ctr"/>
             <a:r>
-              <a:rPr lang="en-US" altLang="ko-KR" dirty="0" smtClean="0"/>
+              <a:rPr lang="en-US" altLang="ko-KR" dirty="0"/>
               <a:t>3</a:t>
             </a:r>
             <a:endParaRPr lang="ko-KR" altLang="en-US" dirty="0"/>
@@ -8959,7 +8889,7 @@
           <a:p>
             <a:pPr algn="ctr"/>
             <a:r>
-              <a:rPr lang="en-US" altLang="ko-KR" dirty="0" smtClean="0"/>
+              <a:rPr lang="en-US" altLang="ko-KR" dirty="0"/>
               <a:t>7</a:t>
             </a:r>
             <a:endParaRPr lang="ko-KR" altLang="en-US" dirty="0"/>
@@ -9047,7 +8977,7 @@
           <a:p>
             <a:pPr algn="ctr"/>
             <a:r>
-              <a:rPr lang="en-US" altLang="ko-KR" dirty="0" smtClean="0"/>
+              <a:rPr lang="en-US" altLang="ko-KR" dirty="0"/>
               <a:t>2</a:t>
             </a:r>
             <a:endParaRPr lang="ko-KR" altLang="en-US" dirty="0"/>
@@ -9320,74 +9250,61 @@
           </a:lstStyle>
           <a:p>
             <a:r>
-              <a:rPr lang="ko-KR" altLang="en-US" dirty="0" smtClean="0"/>
+              <a:rPr lang="ko-KR" altLang="en-US" dirty="0"/>
               <a:t>일단 </a:t>
             </a:r>
             <a:r>
-              <a:rPr lang="en-US" altLang="ko-KR" dirty="0" smtClean="0"/>
+              <a:rPr lang="en-US" altLang="ko-KR" dirty="0"/>
               <a:t>pivot</a:t>
             </a:r>
             <a:r>
-              <a:rPr lang="ko-KR" altLang="en-US" dirty="0" smtClean="0"/>
+              <a:rPr lang="ko-KR" altLang="en-US" dirty="0"/>
               <a:t>을 잡습니다</a:t>
             </a:r>
             <a:r>
-              <a:rPr lang="en-US" altLang="ko-KR" dirty="0" smtClean="0"/>
+              <a:rPr lang="en-US" altLang="ko-KR" dirty="0"/>
               <a:t>.</a:t>
             </a:r>
           </a:p>
           <a:p>
             <a:r>
               <a:rPr lang="en-US" altLang="ko-KR" dirty="0"/>
-              <a:t>p</a:t>
-            </a:r>
-            <a:r>
-              <a:rPr lang="en-US" altLang="ko-KR" dirty="0" smtClean="0"/>
-              <a:t>ivot : </a:t>
-            </a:r>
-            <a:r>
-              <a:rPr lang="ko-KR" altLang="en-US" dirty="0" smtClean="0"/>
+              <a:t>pivot : </a:t>
+            </a:r>
+            <a:r>
+              <a:rPr lang="ko-KR" altLang="en-US" dirty="0"/>
               <a:t>중심점</a:t>
             </a:r>
             <a:r>
-              <a:rPr lang="en-US" altLang="ko-KR" dirty="0" smtClean="0"/>
+              <a:rPr lang="en-US" altLang="ko-KR" dirty="0"/>
               <a:t>, </a:t>
             </a:r>
             <a:r>
-              <a:rPr lang="ko-KR" altLang="en-US" dirty="0" smtClean="0"/>
+              <a:rPr lang="ko-KR" altLang="en-US" dirty="0"/>
               <a:t>중심축을 의미</a:t>
             </a:r>
-            <a:endParaRPr lang="en-US" altLang="ko-KR" dirty="0" smtClean="0"/>
+            <a:endParaRPr lang="en-US" altLang="ko-KR" dirty="0"/>
           </a:p>
           <a:p>
             <a:r>
               <a:rPr lang="en-US" altLang="ko-KR" dirty="0"/>
-              <a:t>l</a:t>
-            </a:r>
-            <a:r>
-              <a:rPr lang="en-US" altLang="ko-KR" dirty="0" smtClean="0"/>
-              <a:t>eft : </a:t>
-            </a:r>
-            <a:r>
-              <a:rPr lang="ko-KR" altLang="en-US" dirty="0" smtClean="0"/>
+              <a:t>left : </a:t>
+            </a:r>
+            <a:r>
+              <a:rPr lang="ko-KR" altLang="en-US" dirty="0"/>
               <a:t>정렬대상의 가장 왼쪽 지점을 가리키는 이름</a:t>
             </a:r>
-            <a:endParaRPr lang="en-US" altLang="ko-KR" dirty="0" smtClean="0"/>
+            <a:endParaRPr lang="en-US" altLang="ko-KR" dirty="0"/>
           </a:p>
           <a:p>
             <a:r>
               <a:rPr lang="en-US" altLang="ko-KR" dirty="0"/>
-              <a:t>r</a:t>
-            </a:r>
-            <a:r>
-              <a:rPr lang="en-US" altLang="ko-KR" dirty="0" smtClean="0"/>
-              <a:t>ight : </a:t>
-            </a:r>
-            <a:r>
-              <a:rPr lang="ko-KR" altLang="en-US" dirty="0" smtClean="0"/>
+              <a:t>right : </a:t>
+            </a:r>
+            <a:r>
+              <a:rPr lang="ko-KR" altLang="en-US" dirty="0"/>
               <a:t>정렬대상의 가장 오른쪽 지점을 가리키는 이름</a:t>
             </a:r>
-            <a:endParaRPr lang="ko-KR" altLang="en-US" dirty="0"/>
           </a:p>
         </p:txBody>
       </p:sp>
@@ -9429,11 +9346,7 @@
             <a:p>
               <a:r>
                 <a:rPr lang="en-US" altLang="ko-KR" dirty="0"/>
-                <a:t>p</a:t>
-              </a:r>
-              <a:r>
-                <a:rPr lang="en-US" altLang="ko-KR" dirty="0" smtClean="0"/>
-                <a:t>ivot</a:t>
+                <a:t>pivot</a:t>
               </a:r>
             </a:p>
           </p:txBody>
@@ -9517,7 +9430,7 @@
             <a:p>
               <a:pPr algn="ctr"/>
               <a:r>
-                <a:rPr lang="en-US" altLang="ko-KR" dirty="0" smtClean="0"/>
+                <a:rPr lang="en-US" altLang="ko-KR" dirty="0"/>
                 <a:t>low</a:t>
               </a:r>
             </a:p>
@@ -9602,7 +9515,7 @@
             <a:p>
               <a:pPr algn="ctr"/>
               <a:r>
-                <a:rPr lang="en-US" altLang="ko-KR" dirty="0" smtClean="0"/>
+                <a:rPr lang="en-US" altLang="ko-KR" dirty="0"/>
                 <a:t>high</a:t>
               </a:r>
             </a:p>
@@ -9657,10 +9570,10 @@
         </p:nvGrpSpPr>
         <p:grpSpPr>
           <a:xfrm flipV="1">
-            <a:off x="6789959" y="2636912"/>
-            <a:ext cx="662361" cy="729372"/>
-            <a:chOff x="1997469" y="4077072"/>
-            <a:chExt cx="662361" cy="729372"/>
+            <a:off x="6764314" y="2636912"/>
+            <a:ext cx="713657" cy="729372"/>
+            <a:chOff x="1971824" y="4077072"/>
+            <a:chExt cx="713657" cy="729372"/>
           </a:xfrm>
         </p:grpSpPr>
         <p:sp>
@@ -9671,8 +9584,8 @@
           </p:nvSpPr>
           <p:spPr>
             <a:xfrm flipV="1">
-              <a:off x="1997469" y="4437112"/>
-              <a:ext cx="662361" cy="369332"/>
+              <a:off x="1971824" y="4437112"/>
+              <a:ext cx="713657" cy="369332"/>
             </a:xfrm>
             <a:prstGeom prst="rect">
               <a:avLst/>
@@ -9687,8 +9600,8 @@
             <a:p>
               <a:pPr algn="ctr"/>
               <a:r>
-                <a:rPr lang="en-US" altLang="ko-KR" dirty="0" smtClean="0"/>
-                <a:t>high</a:t>
+                <a:rPr lang="en-US" altLang="ko-KR" dirty="0"/>
+                <a:t>right</a:t>
               </a:r>
             </a:p>
           </p:txBody>
@@ -9772,7 +9685,7 @@
             <a:p>
               <a:pPr algn="ctr"/>
               <a:r>
-                <a:rPr lang="en-US" altLang="ko-KR" dirty="0" smtClean="0"/>
+                <a:rPr lang="en-US" altLang="ko-KR" dirty="0"/>
                 <a:t>left</a:t>
               </a:r>
             </a:p>
@@ -9856,7 +9769,7 @@
           <a:p>
             <a:pPr algn="ctr"/>
             <a:r>
-              <a:rPr lang="en-US" altLang="ko-KR" dirty="0" smtClean="0"/>
+              <a:rPr lang="en-US" altLang="ko-KR" dirty="0"/>
               <a:t>4</a:t>
             </a:r>
             <a:endParaRPr lang="ko-KR" altLang="en-US" dirty="0"/>
@@ -9900,7 +9813,7 @@
           <a:p>
             <a:pPr algn="ctr"/>
             <a:r>
-              <a:rPr lang="en-US" altLang="ko-KR" dirty="0" smtClean="0"/>
+              <a:rPr lang="en-US" altLang="ko-KR" dirty="0"/>
               <a:t>6</a:t>
             </a:r>
             <a:endParaRPr lang="ko-KR" altLang="en-US" dirty="0"/>
@@ -9944,7 +9857,7 @@
           <a:p>
             <a:pPr algn="ctr"/>
             <a:r>
-              <a:rPr lang="en-US" altLang="ko-KR" dirty="0" smtClean="0"/>
+              <a:rPr lang="en-US" altLang="ko-KR" dirty="0"/>
               <a:t>8</a:t>
             </a:r>
             <a:endParaRPr lang="ko-KR" altLang="en-US" dirty="0"/>
@@ -9975,7 +9888,7 @@
           <a:p>
             <a:pPr algn="ctr"/>
             <a:r>
-              <a:rPr lang="en-US" altLang="ko-KR" sz="5400" b="1" cap="none" spc="300" dirty="0" smtClean="0">
+              <a:rPr lang="en-US" altLang="ko-KR" sz="5400" b="1" cap="none" spc="300" dirty="0">
                 <a:ln w="11430" cmpd="sng">
                   <a:solidFill>
                     <a:schemeClr val="accent1">
@@ -10015,44 +9928,6 @@
               </a:rPr>
               <a:t>1</a:t>
             </a:r>
-            <a:endParaRPr lang="en-US" altLang="ko-KR" sz="5400" b="1" cap="none" spc="300" dirty="0">
-              <a:ln w="11430" cmpd="sng">
-                <a:solidFill>
-                  <a:schemeClr val="accent1">
-                    <a:tint val="10000"/>
-                  </a:schemeClr>
-                </a:solidFill>
-                <a:prstDash val="solid"/>
-                <a:miter lim="800000"/>
-              </a:ln>
-              <a:gradFill>
-                <a:gsLst>
-                  <a:gs pos="10000">
-                    <a:schemeClr val="accent1">
-                      <a:tint val="83000"/>
-                      <a:shade val="100000"/>
-                      <a:satMod val="200000"/>
-                    </a:schemeClr>
-                  </a:gs>
-                  <a:gs pos="75000">
-                    <a:schemeClr val="accent1">
-                      <a:tint val="100000"/>
-                      <a:shade val="50000"/>
-                      <a:satMod val="150000"/>
-                    </a:schemeClr>
-                  </a:gs>
-                </a:gsLst>
-                <a:lin ang="5400000"/>
-              </a:gradFill>
-              <a:effectLst>
-                <a:glow rad="45500">
-                  <a:schemeClr val="accent1">
-                    <a:satMod val="220000"/>
-                    <a:alpha val="35000"/>
-                  </a:schemeClr>
-                </a:glow>
-              </a:effectLst>
-            </a:endParaRPr>
           </a:p>
         </p:txBody>
       </p:sp>
@@ -10066,13 +9941,6 @@
   <p:clrMapOvr>
     <a:masterClrMapping/>
   </p:clrMapOvr>
-  <p:timing>
-    <p:tnLst>
-      <p:par>
-        <p:cTn id="1" dur="indefinite" restart="never" nodeType="tmRoot"/>
-      </p:par>
-    </p:tnLst>
-  </p:timing>
 </p:sld>
 </file>
 
@@ -10108,7 +9976,10 @@
           <a:bodyPr/>
           <a:lstStyle/>
           <a:p>
-            <a:endParaRPr lang="ko-KR" altLang="en-US" dirty="0"/>
+            <a:r>
+              <a:rPr lang="ko-KR" altLang="en-US" dirty="0"/>
+              <a:t>수정 사항</a:t>
+            </a:r>
           </a:p>
         </p:txBody>
       </p:sp>
@@ -10127,6 +9998,22 @@
           <a:bodyPr/>
           <a:lstStyle/>
           <a:p>
+            <a:r>
+              <a:rPr lang="en-US" altLang="ko-KR" dirty="0"/>
+              <a:t>2017-3-4 ,</a:t>
+            </a:r>
+            <a:r>
+              <a:rPr lang="ko-KR" altLang="en-US" dirty="0" err="1"/>
+              <a:t>퀵</a:t>
+            </a:r>
+            <a:r>
+              <a:rPr lang="ko-KR" altLang="en-US" dirty="0"/>
+              <a:t> 정렬 수정</a:t>
+            </a:r>
+            <a:r>
+              <a:rPr lang="en-US" altLang="ko-KR" dirty="0"/>
+              <a:t>.</a:t>
+            </a:r>
             <a:endParaRPr lang="ko-KR" altLang="en-US" dirty="0"/>
           </a:p>
         </p:txBody>
@@ -10141,13 +10028,6 @@
   <p:clrMapOvr>
     <a:masterClrMapping/>
   </p:clrMapOvr>
-  <p:timing>
-    <p:tnLst>
-      <p:par>
-        <p:cTn id="1" dur="indefinite" restart="never" nodeType="tmRoot"/>
-      </p:par>
-    </p:tnLst>
-  </p:timing>
 </p:sld>
 </file>
 
@@ -10220,37 +10100,37 @@
           <a:lstStyle/>
           <a:p>
             <a:r>
-              <a:rPr lang="en-US" altLang="ko-KR" dirty="0" smtClean="0"/>
+              <a:rPr lang="en-US" altLang="ko-KR" dirty="0"/>
               <a:t>Low : </a:t>
             </a:r>
             <a:r>
-              <a:rPr lang="ko-KR" altLang="en-US" dirty="0" smtClean="0"/>
+              <a:rPr lang="ko-KR" altLang="en-US" dirty="0"/>
               <a:t>피벗을 제외한 가장 왼쪽에 위치한 지점을 </a:t>
             </a:r>
             <a:r>
-              <a:rPr lang="ko-KR" altLang="en-US" dirty="0" err="1" smtClean="0"/>
+              <a:rPr lang="ko-KR" altLang="en-US" dirty="0" err="1"/>
               <a:t>가르킨다</a:t>
             </a:r>
             <a:r>
-              <a:rPr lang="en-US" altLang="ko-KR" dirty="0" smtClean="0"/>
+              <a:rPr lang="en-US" altLang="ko-KR" dirty="0"/>
               <a:t>.</a:t>
             </a:r>
           </a:p>
           <a:p>
             <a:r>
-              <a:rPr lang="en-US" altLang="ko-KR" dirty="0" smtClean="0"/>
+              <a:rPr lang="en-US" altLang="ko-KR" dirty="0"/>
               <a:t>High : </a:t>
             </a:r>
             <a:r>
-              <a:rPr lang="ko-KR" altLang="en-US" dirty="0" smtClean="0"/>
+              <a:rPr lang="ko-KR" altLang="en-US" dirty="0"/>
               <a:t>피벗을 제외한 가장 오른쪽에 위치한 지점을 </a:t>
             </a:r>
             <a:r>
-              <a:rPr lang="ko-KR" altLang="en-US" dirty="0" err="1" smtClean="0"/>
+              <a:rPr lang="ko-KR" altLang="en-US" dirty="0" err="1"/>
               <a:t>가르킨다</a:t>
             </a:r>
             <a:r>
-              <a:rPr lang="en-US" altLang="ko-KR" dirty="0" smtClean="0"/>
+              <a:rPr lang="en-US" altLang="ko-KR" dirty="0"/>
               <a:t>.</a:t>
             </a:r>
             <a:endParaRPr lang="ko-KR" altLang="en-US" dirty="0"/>
@@ -10792,22 +10672,22 @@
           </a:lstStyle>
           <a:p>
             <a:r>
-              <a:rPr lang="en-US" altLang="ko-KR" sz="2000" dirty="0" smtClean="0"/>
+              <a:rPr lang="en-US" altLang="ko-KR" sz="2000" dirty="0"/>
               <a:t>low</a:t>
             </a:r>
             <a:r>
-              <a:rPr lang="ko-KR" altLang="en-US" sz="2000" dirty="0" smtClean="0"/>
+              <a:rPr lang="ko-KR" altLang="en-US" sz="2000" dirty="0"/>
               <a:t>값과 </a:t>
             </a:r>
             <a:r>
-              <a:rPr lang="en-US" altLang="ko-KR" sz="2000" dirty="0" smtClean="0"/>
+              <a:rPr lang="en-US" altLang="ko-KR" sz="2000" dirty="0"/>
               <a:t>pivot</a:t>
             </a:r>
             <a:r>
-              <a:rPr lang="ko-KR" altLang="en-US" sz="2000" dirty="0" smtClean="0"/>
+              <a:rPr lang="ko-KR" altLang="en-US" sz="2000" dirty="0"/>
               <a:t>값을 비교해서</a:t>
             </a:r>
-            <a:endParaRPr lang="en-US" altLang="ko-KR" sz="2000" dirty="0" smtClean="0"/>
+            <a:endParaRPr lang="en-US" altLang="ko-KR" sz="2000" dirty="0"/>
           </a:p>
           <a:p>
             <a:pPr marL="0" indent="0">
@@ -10815,34 +10695,30 @@
             </a:pPr>
             <a:r>
               <a:rPr lang="en-US" altLang="ko-KR" sz="2000" dirty="0"/>
-              <a:t> </a:t>
-            </a:r>
-            <a:r>
-              <a:rPr lang="en-US" altLang="ko-KR" sz="2000" dirty="0" smtClean="0"/>
-              <a:t>  low</a:t>
-            </a:r>
-            <a:r>
-              <a:rPr lang="ko-KR" altLang="en-US" sz="2000" dirty="0" smtClean="0"/>
+              <a:t>   low</a:t>
+            </a:r>
+            <a:r>
+              <a:rPr lang="ko-KR" altLang="en-US" sz="2000" dirty="0"/>
               <a:t>값이 </a:t>
             </a:r>
             <a:r>
-              <a:rPr lang="en-US" altLang="ko-KR" sz="2000" dirty="0" smtClean="0"/>
+              <a:rPr lang="en-US" altLang="ko-KR" sz="2000" dirty="0"/>
               <a:t>pivot</a:t>
             </a:r>
             <a:r>
-              <a:rPr lang="ko-KR" altLang="en-US" sz="2000" dirty="0" smtClean="0"/>
+              <a:rPr lang="ko-KR" altLang="en-US" sz="2000" dirty="0"/>
               <a:t>값보다 </a:t>
             </a:r>
             <a:r>
-              <a:rPr lang="ko-KR" altLang="en-US" sz="2000" dirty="0" err="1" smtClean="0"/>
+              <a:rPr lang="ko-KR" altLang="en-US" sz="2000" dirty="0" err="1"/>
               <a:t>클때까지</a:t>
             </a:r>
             <a:r>
-              <a:rPr lang="ko-KR" altLang="en-US" sz="2000" dirty="0" smtClean="0"/>
+              <a:rPr lang="ko-KR" altLang="en-US" sz="2000" dirty="0"/>
               <a:t> 오른쪽으로 이동시킨다</a:t>
             </a:r>
             <a:r>
-              <a:rPr lang="en-US" altLang="ko-KR" sz="2000" dirty="0" smtClean="0"/>
+              <a:rPr lang="en-US" altLang="ko-KR" sz="2000" dirty="0"/>
               <a:t>.</a:t>
             </a:r>
           </a:p>
@@ -10888,7 +10764,7 @@
           <a:p>
             <a:pPr algn="ctr"/>
             <a:r>
-              <a:rPr lang="en-US" altLang="ko-KR" dirty="0" smtClean="0"/>
+              <a:rPr lang="en-US" altLang="ko-KR" dirty="0"/>
               <a:t>5</a:t>
             </a:r>
             <a:endParaRPr lang="ko-KR" altLang="en-US" dirty="0"/>
@@ -10932,7 +10808,7 @@
           <a:p>
             <a:pPr algn="ctr"/>
             <a:r>
-              <a:rPr lang="en-US" altLang="ko-KR" dirty="0" smtClean="0"/>
+              <a:rPr lang="en-US" altLang="ko-KR" dirty="0"/>
               <a:t>1</a:t>
             </a:r>
             <a:endParaRPr lang="ko-KR" altLang="en-US" dirty="0"/>
@@ -10976,7 +10852,7 @@
           <a:p>
             <a:pPr algn="ctr"/>
             <a:r>
-              <a:rPr lang="en-US" altLang="ko-KR" dirty="0" smtClean="0"/>
+              <a:rPr lang="en-US" altLang="ko-KR" dirty="0"/>
               <a:t>3</a:t>
             </a:r>
             <a:endParaRPr lang="ko-KR" altLang="en-US" dirty="0"/>
@@ -11020,7 +10896,7 @@
           <a:p>
             <a:pPr algn="ctr"/>
             <a:r>
-              <a:rPr lang="en-US" altLang="ko-KR" dirty="0" smtClean="0"/>
+              <a:rPr lang="en-US" altLang="ko-KR" dirty="0"/>
               <a:t>7</a:t>
             </a:r>
             <a:endParaRPr lang="ko-KR" altLang="en-US" dirty="0"/>
@@ -11108,7 +10984,7 @@
           <a:p>
             <a:pPr algn="ctr"/>
             <a:r>
-              <a:rPr lang="en-US" altLang="ko-KR" dirty="0" smtClean="0"/>
+              <a:rPr lang="en-US" altLang="ko-KR" dirty="0"/>
               <a:t>2</a:t>
             </a:r>
             <a:endParaRPr lang="ko-KR" altLang="en-US" dirty="0"/>
@@ -11153,11 +11029,7 @@
             <a:p>
               <a:r>
                 <a:rPr lang="en-US" altLang="ko-KR" dirty="0"/>
-                <a:t>p</a:t>
-              </a:r>
-              <a:r>
-                <a:rPr lang="en-US" altLang="ko-KR" dirty="0" smtClean="0"/>
-                <a:t>ivot</a:t>
+                <a:t>pivot</a:t>
               </a:r>
             </a:p>
           </p:txBody>
@@ -11241,7 +11113,7 @@
             <a:p>
               <a:pPr algn="ctr"/>
               <a:r>
-                <a:rPr lang="en-US" altLang="ko-KR" dirty="0" smtClean="0"/>
+                <a:rPr lang="en-US" altLang="ko-KR" dirty="0"/>
                 <a:t>low</a:t>
               </a:r>
             </a:p>
@@ -11326,7 +11198,7 @@
             <a:p>
               <a:pPr algn="ctr"/>
               <a:r>
-                <a:rPr lang="en-US" altLang="ko-KR" dirty="0" smtClean="0"/>
+                <a:rPr lang="en-US" altLang="ko-KR" dirty="0"/>
                 <a:t>high</a:t>
               </a:r>
             </a:p>
@@ -11381,10 +11253,10 @@
         </p:nvGrpSpPr>
         <p:grpSpPr>
           <a:xfrm flipV="1">
-            <a:off x="6789959" y="2636912"/>
-            <a:ext cx="662361" cy="729372"/>
-            <a:chOff x="1997469" y="4077072"/>
-            <a:chExt cx="662361" cy="729372"/>
+            <a:off x="6764311" y="2636912"/>
+            <a:ext cx="713657" cy="729372"/>
+            <a:chOff x="1971821" y="4077072"/>
+            <a:chExt cx="713657" cy="729372"/>
           </a:xfrm>
         </p:grpSpPr>
         <p:sp>
@@ -11395,8 +11267,8 @@
           </p:nvSpPr>
           <p:spPr>
             <a:xfrm flipV="1">
-              <a:off x="1997469" y="4437112"/>
-              <a:ext cx="662361" cy="369332"/>
+              <a:off x="1971821" y="4437112"/>
+              <a:ext cx="713657" cy="369332"/>
             </a:xfrm>
             <a:prstGeom prst="rect">
               <a:avLst/>
@@ -11411,9 +11283,10 @@
             <a:p>
               <a:pPr algn="ctr"/>
               <a:r>
-                <a:rPr lang="en-US" altLang="ko-KR" dirty="0" smtClean="0"/>
-                <a:t>high</a:t>
+                <a:rPr lang="en-US" altLang="ko-KR" dirty="0"/>
+                <a:t>right</a:t>
               </a:r>
+              <a:endParaRPr lang="en-US" altLang="ko-KR" dirty="0"/>
             </a:p>
           </p:txBody>
         </p:sp>
@@ -11496,7 +11369,7 @@
             <a:p>
               <a:pPr algn="ctr"/>
               <a:r>
-                <a:rPr lang="en-US" altLang="ko-KR" dirty="0" smtClean="0"/>
+                <a:rPr lang="en-US" altLang="ko-KR" dirty="0"/>
                 <a:t>left</a:t>
               </a:r>
             </a:p>
@@ -11580,7 +11453,7 @@
           <a:p>
             <a:pPr algn="ctr"/>
             <a:r>
-              <a:rPr lang="en-US" altLang="ko-KR" dirty="0" smtClean="0"/>
+              <a:rPr lang="en-US" altLang="ko-KR" dirty="0"/>
               <a:t>4</a:t>
             </a:r>
             <a:endParaRPr lang="ko-KR" altLang="en-US" dirty="0"/>
@@ -11624,7 +11497,7 @@
           <a:p>
             <a:pPr algn="ctr"/>
             <a:r>
-              <a:rPr lang="en-US" altLang="ko-KR" dirty="0" smtClean="0"/>
+              <a:rPr lang="en-US" altLang="ko-KR" dirty="0"/>
               <a:t>6</a:t>
             </a:r>
             <a:endParaRPr lang="ko-KR" altLang="en-US" dirty="0"/>
@@ -11668,7 +11541,7 @@
           <a:p>
             <a:pPr algn="ctr"/>
             <a:r>
-              <a:rPr lang="en-US" altLang="ko-KR" dirty="0" smtClean="0"/>
+              <a:rPr lang="en-US" altLang="ko-KR" dirty="0"/>
               <a:t>8</a:t>
             </a:r>
             <a:endParaRPr lang="ko-KR" altLang="en-US" dirty="0"/>
@@ -11699,7 +11572,7 @@
           <a:p>
             <a:pPr algn="ctr"/>
             <a:r>
-              <a:rPr lang="en-US" altLang="ko-KR" sz="5400" b="1" cap="none" spc="300" dirty="0" smtClean="0">
+              <a:rPr lang="en-US" altLang="ko-KR" sz="5400" b="1" cap="none" spc="300" dirty="0">
                 <a:ln w="11430" cmpd="sng">
                   <a:solidFill>
                     <a:schemeClr val="accent1">
@@ -11739,44 +11612,6 @@
               </a:rPr>
               <a:t>2</a:t>
             </a:r>
-            <a:endParaRPr lang="en-US" altLang="ko-KR" sz="5400" b="1" cap="none" spc="300" dirty="0">
-              <a:ln w="11430" cmpd="sng">
-                <a:solidFill>
-                  <a:schemeClr val="accent1">
-                    <a:tint val="10000"/>
-                  </a:schemeClr>
-                </a:solidFill>
-                <a:prstDash val="solid"/>
-                <a:miter lim="800000"/>
-              </a:ln>
-              <a:gradFill>
-                <a:gsLst>
-                  <a:gs pos="10000">
-                    <a:schemeClr val="accent1">
-                      <a:tint val="83000"/>
-                      <a:shade val="100000"/>
-                      <a:satMod val="200000"/>
-                    </a:schemeClr>
-                  </a:gs>
-                  <a:gs pos="75000">
-                    <a:schemeClr val="accent1">
-                      <a:tint val="100000"/>
-                      <a:shade val="50000"/>
-                      <a:satMod val="150000"/>
-                    </a:schemeClr>
-                  </a:gs>
-                </a:gsLst>
-                <a:lin ang="5400000"/>
-              </a:gradFill>
-              <a:effectLst>
-                <a:glow rad="45500">
-                  <a:schemeClr val="accent1">
-                    <a:satMod val="220000"/>
-                    <a:alpha val="35000"/>
-                  </a:schemeClr>
-                </a:glow>
-              </a:effectLst>
-            </a:endParaRPr>
           </a:p>
         </p:txBody>
       </p:sp>
@@ -11972,37 +11807,37 @@
           <a:lstStyle/>
           <a:p>
             <a:r>
-              <a:rPr lang="en-US" altLang="ko-KR" dirty="0" smtClean="0"/>
+              <a:rPr lang="en-US" altLang="ko-KR" dirty="0"/>
               <a:t>Low : </a:t>
             </a:r>
             <a:r>
-              <a:rPr lang="ko-KR" altLang="en-US" dirty="0" smtClean="0"/>
+              <a:rPr lang="ko-KR" altLang="en-US" dirty="0"/>
               <a:t>피벗을 제외한 가장 왼쪽에 위치한 지점을 </a:t>
             </a:r>
             <a:r>
-              <a:rPr lang="ko-KR" altLang="en-US" dirty="0" err="1" smtClean="0"/>
+              <a:rPr lang="ko-KR" altLang="en-US" dirty="0" err="1"/>
               <a:t>가르킨다</a:t>
             </a:r>
             <a:r>
-              <a:rPr lang="en-US" altLang="ko-KR" dirty="0" smtClean="0"/>
+              <a:rPr lang="en-US" altLang="ko-KR" dirty="0"/>
               <a:t>.</a:t>
             </a:r>
           </a:p>
           <a:p>
             <a:r>
-              <a:rPr lang="en-US" altLang="ko-KR" dirty="0" smtClean="0"/>
+              <a:rPr lang="en-US" altLang="ko-KR" dirty="0"/>
               <a:t>High : </a:t>
             </a:r>
             <a:r>
-              <a:rPr lang="ko-KR" altLang="en-US" dirty="0" smtClean="0"/>
+              <a:rPr lang="ko-KR" altLang="en-US" dirty="0"/>
               <a:t>피벗을 제외한 가장 오른쪽에 위치한 지점을 </a:t>
             </a:r>
             <a:r>
-              <a:rPr lang="ko-KR" altLang="en-US" dirty="0" err="1" smtClean="0"/>
+              <a:rPr lang="ko-KR" altLang="en-US" dirty="0" err="1"/>
               <a:t>가르킨다</a:t>
             </a:r>
             <a:r>
-              <a:rPr lang="en-US" altLang="ko-KR" dirty="0" smtClean="0"/>
+              <a:rPr lang="en-US" altLang="ko-KR" dirty="0"/>
               <a:t>.</a:t>
             </a:r>
             <a:endParaRPr lang="ko-KR" altLang="en-US" dirty="0"/>
@@ -12544,22 +12379,22 @@
           </a:lstStyle>
           <a:p>
             <a:r>
-              <a:rPr lang="en-US" altLang="ko-KR" sz="2000" dirty="0" smtClean="0"/>
+              <a:rPr lang="en-US" altLang="ko-KR" sz="2000" dirty="0"/>
               <a:t>high</a:t>
             </a:r>
             <a:r>
-              <a:rPr lang="ko-KR" altLang="en-US" sz="2000" dirty="0" smtClean="0"/>
+              <a:rPr lang="ko-KR" altLang="en-US" sz="2000" dirty="0"/>
               <a:t>값과 </a:t>
             </a:r>
             <a:r>
-              <a:rPr lang="en-US" altLang="ko-KR" sz="2000" dirty="0" smtClean="0"/>
+              <a:rPr lang="en-US" altLang="ko-KR" sz="2000" dirty="0"/>
               <a:t>pivot</a:t>
             </a:r>
             <a:r>
-              <a:rPr lang="ko-KR" altLang="en-US" sz="2000" dirty="0" smtClean="0"/>
+              <a:rPr lang="ko-KR" altLang="en-US" sz="2000" dirty="0"/>
               <a:t>값을 비교해서</a:t>
             </a:r>
-            <a:endParaRPr lang="en-US" altLang="ko-KR" sz="2000" dirty="0" smtClean="0"/>
+            <a:endParaRPr lang="en-US" altLang="ko-KR" sz="2000" dirty="0"/>
           </a:p>
           <a:p>
             <a:pPr marL="0" indent="0">
@@ -12567,26 +12402,22 @@
             </a:pPr>
             <a:r>
               <a:rPr lang="en-US" altLang="ko-KR" sz="2000" dirty="0"/>
-              <a:t> </a:t>
-            </a:r>
-            <a:r>
-              <a:rPr lang="en-US" altLang="ko-KR" sz="2000" dirty="0" smtClean="0"/>
-              <a:t>  high</a:t>
-            </a:r>
-            <a:r>
-              <a:rPr lang="ko-KR" altLang="en-US" sz="2000" dirty="0" smtClean="0"/>
+              <a:t>   high</a:t>
+            </a:r>
+            <a:r>
+              <a:rPr lang="ko-KR" altLang="en-US" sz="2000" dirty="0"/>
               <a:t>값이 </a:t>
             </a:r>
             <a:r>
-              <a:rPr lang="en-US" altLang="ko-KR" sz="2000" dirty="0" smtClean="0"/>
+              <a:rPr lang="en-US" altLang="ko-KR" sz="2000" dirty="0"/>
               <a:t>pivot</a:t>
             </a:r>
             <a:r>
-              <a:rPr lang="ko-KR" altLang="en-US" sz="2000" dirty="0" smtClean="0"/>
+              <a:rPr lang="ko-KR" altLang="en-US" sz="2000" dirty="0"/>
               <a:t>값보다 작을 때까지 오른쪽으로 이동시킨다</a:t>
             </a:r>
             <a:r>
-              <a:rPr lang="en-US" altLang="ko-KR" sz="2000" dirty="0" smtClean="0"/>
+              <a:rPr lang="en-US" altLang="ko-KR" sz="2000" dirty="0"/>
               <a:t>.</a:t>
             </a:r>
           </a:p>
@@ -12632,7 +12463,7 @@
           <a:p>
             <a:pPr algn="ctr"/>
             <a:r>
-              <a:rPr lang="en-US" altLang="ko-KR" dirty="0" smtClean="0"/>
+              <a:rPr lang="en-US" altLang="ko-KR" dirty="0"/>
               <a:t>5</a:t>
             </a:r>
             <a:endParaRPr lang="ko-KR" altLang="en-US" dirty="0"/>
@@ -12676,7 +12507,7 @@
           <a:p>
             <a:pPr algn="ctr"/>
             <a:r>
-              <a:rPr lang="en-US" altLang="ko-KR" dirty="0" smtClean="0"/>
+              <a:rPr lang="en-US" altLang="ko-KR" dirty="0"/>
               <a:t>1</a:t>
             </a:r>
             <a:endParaRPr lang="ko-KR" altLang="en-US" dirty="0"/>
@@ -12720,7 +12551,7 @@
           <a:p>
             <a:pPr algn="ctr"/>
             <a:r>
-              <a:rPr lang="en-US" altLang="ko-KR" dirty="0" smtClean="0"/>
+              <a:rPr lang="en-US" altLang="ko-KR" dirty="0"/>
               <a:t>3</a:t>
             </a:r>
             <a:endParaRPr lang="ko-KR" altLang="en-US" dirty="0"/>
@@ -12764,7 +12595,7 @@
           <a:p>
             <a:pPr algn="ctr"/>
             <a:r>
-              <a:rPr lang="en-US" altLang="ko-KR" dirty="0" smtClean="0"/>
+              <a:rPr lang="en-US" altLang="ko-KR" dirty="0"/>
               <a:t>7</a:t>
             </a:r>
             <a:endParaRPr lang="ko-KR" altLang="en-US" dirty="0"/>
@@ -12852,7 +12683,7 @@
           <a:p>
             <a:pPr algn="ctr"/>
             <a:r>
-              <a:rPr lang="en-US" altLang="ko-KR" dirty="0" smtClean="0"/>
+              <a:rPr lang="en-US" altLang="ko-KR" dirty="0"/>
               <a:t>2</a:t>
             </a:r>
             <a:endParaRPr lang="ko-KR" altLang="en-US" dirty="0"/>
@@ -12897,11 +12728,7 @@
             <a:p>
               <a:r>
                 <a:rPr lang="en-US" altLang="ko-KR" dirty="0"/>
-                <a:t>p</a:t>
-              </a:r>
-              <a:r>
-                <a:rPr lang="en-US" altLang="ko-KR" dirty="0" smtClean="0"/>
-                <a:t>ivot</a:t>
+                <a:t>pivot</a:t>
               </a:r>
             </a:p>
           </p:txBody>
@@ -12985,7 +12812,7 @@
             <a:p>
               <a:pPr algn="ctr"/>
               <a:r>
-                <a:rPr lang="en-US" altLang="ko-KR" dirty="0" smtClean="0"/>
+                <a:rPr lang="en-US" altLang="ko-KR" dirty="0"/>
                 <a:t>low</a:t>
               </a:r>
             </a:p>
@@ -13070,7 +12897,7 @@
             <a:p>
               <a:pPr algn="ctr"/>
               <a:r>
-                <a:rPr lang="en-US" altLang="ko-KR" dirty="0" smtClean="0"/>
+                <a:rPr lang="en-US" altLang="ko-KR" dirty="0"/>
                 <a:t>high</a:t>
               </a:r>
             </a:p>
@@ -13125,10 +12952,10 @@
         </p:nvGrpSpPr>
         <p:grpSpPr>
           <a:xfrm flipV="1">
-            <a:off x="6789959" y="2636912"/>
-            <a:ext cx="662361" cy="729372"/>
-            <a:chOff x="1997469" y="4077072"/>
-            <a:chExt cx="662361" cy="729372"/>
+            <a:off x="6764311" y="2636912"/>
+            <a:ext cx="713657" cy="729372"/>
+            <a:chOff x="1971821" y="4077072"/>
+            <a:chExt cx="713657" cy="729372"/>
           </a:xfrm>
         </p:grpSpPr>
         <p:sp>
@@ -13139,8 +12966,8 @@
           </p:nvSpPr>
           <p:spPr>
             <a:xfrm flipV="1">
-              <a:off x="1997469" y="4437112"/>
-              <a:ext cx="662361" cy="369332"/>
+              <a:off x="1971821" y="4437112"/>
+              <a:ext cx="713657" cy="369332"/>
             </a:xfrm>
             <a:prstGeom prst="rect">
               <a:avLst/>
@@ -13155,9 +12982,10 @@
             <a:p>
               <a:pPr algn="ctr"/>
               <a:r>
-                <a:rPr lang="en-US" altLang="ko-KR" dirty="0" smtClean="0"/>
-                <a:t>high</a:t>
+                <a:rPr lang="en-US" altLang="ko-KR" dirty="0"/>
+                <a:t>right</a:t>
               </a:r>
+              <a:endParaRPr lang="en-US" altLang="ko-KR" dirty="0"/>
             </a:p>
           </p:txBody>
         </p:sp>
@@ -13240,7 +13068,7 @@
             <a:p>
               <a:pPr algn="ctr"/>
               <a:r>
-                <a:rPr lang="en-US" altLang="ko-KR" dirty="0" smtClean="0"/>
+                <a:rPr lang="en-US" altLang="ko-KR" dirty="0"/>
                 <a:t>left</a:t>
               </a:r>
             </a:p>
@@ -13324,7 +13152,7 @@
           <a:p>
             <a:pPr algn="ctr"/>
             <a:r>
-              <a:rPr lang="en-US" altLang="ko-KR" dirty="0" smtClean="0"/>
+              <a:rPr lang="en-US" altLang="ko-KR" dirty="0"/>
               <a:t>4</a:t>
             </a:r>
             <a:endParaRPr lang="ko-KR" altLang="en-US" dirty="0"/>
@@ -13368,7 +13196,7 @@
           <a:p>
             <a:pPr algn="ctr"/>
             <a:r>
-              <a:rPr lang="en-US" altLang="ko-KR" dirty="0" smtClean="0"/>
+              <a:rPr lang="en-US" altLang="ko-KR" dirty="0"/>
               <a:t>6</a:t>
             </a:r>
             <a:endParaRPr lang="ko-KR" altLang="en-US" dirty="0"/>
@@ -13412,7 +13240,7 @@
           <a:p>
             <a:pPr algn="ctr"/>
             <a:r>
-              <a:rPr lang="en-US" altLang="ko-KR" dirty="0" smtClean="0"/>
+              <a:rPr lang="en-US" altLang="ko-KR" dirty="0"/>
               <a:t>8</a:t>
             </a:r>
             <a:endParaRPr lang="ko-KR" altLang="en-US" dirty="0"/>
@@ -13443,7 +13271,7 @@
           <a:p>
             <a:pPr algn="ctr"/>
             <a:r>
-              <a:rPr lang="en-US" altLang="ko-KR" sz="5400" b="1" cap="none" spc="300" dirty="0" smtClean="0">
+              <a:rPr lang="en-US" altLang="ko-KR" sz="5400" b="1" cap="none" spc="300" dirty="0">
                 <a:ln w="11430" cmpd="sng">
                   <a:solidFill>
                     <a:schemeClr val="accent1">
@@ -13483,44 +13311,6 @@
               </a:rPr>
               <a:t>3</a:t>
             </a:r>
-            <a:endParaRPr lang="en-US" altLang="ko-KR" sz="5400" b="1" cap="none" spc="300" dirty="0">
-              <a:ln w="11430" cmpd="sng">
-                <a:solidFill>
-                  <a:schemeClr val="accent1">
-                    <a:tint val="10000"/>
-                  </a:schemeClr>
-                </a:solidFill>
-                <a:prstDash val="solid"/>
-                <a:miter lim="800000"/>
-              </a:ln>
-              <a:gradFill>
-                <a:gsLst>
-                  <a:gs pos="10000">
-                    <a:schemeClr val="accent1">
-                      <a:tint val="83000"/>
-                      <a:shade val="100000"/>
-                      <a:satMod val="200000"/>
-                    </a:schemeClr>
-                  </a:gs>
-                  <a:gs pos="75000">
-                    <a:schemeClr val="accent1">
-                      <a:tint val="100000"/>
-                      <a:shade val="50000"/>
-                      <a:satMod val="150000"/>
-                    </a:schemeClr>
-                  </a:gs>
-                </a:gsLst>
-                <a:lin ang="5400000"/>
-              </a:gradFill>
-              <a:effectLst>
-                <a:glow rad="45500">
-                  <a:schemeClr val="accent1">
-                    <a:satMod val="220000"/>
-                    <a:alpha val="35000"/>
-                  </a:schemeClr>
-                </a:glow>
-              </a:effectLst>
-            </a:endParaRPr>
           </a:p>
         </p:txBody>
       </p:sp>
@@ -13716,31 +13506,31 @@
           <a:lstStyle/>
           <a:p>
             <a:r>
-              <a:rPr lang="en-US" altLang="ko-KR" dirty="0" smtClean="0"/>
+              <a:rPr lang="en-US" altLang="ko-KR" dirty="0"/>
               <a:t>Low</a:t>
             </a:r>
             <a:r>
-              <a:rPr lang="ko-KR" altLang="en-US" dirty="0" smtClean="0"/>
+              <a:rPr lang="ko-KR" altLang="en-US" dirty="0"/>
               <a:t>와 </a:t>
             </a:r>
             <a:r>
-              <a:rPr lang="en-US" altLang="ko-KR" dirty="0" smtClean="0"/>
+              <a:rPr lang="en-US" altLang="ko-KR" dirty="0"/>
               <a:t>high</a:t>
             </a:r>
             <a:r>
-              <a:rPr lang="ko-KR" altLang="en-US" dirty="0" smtClean="0"/>
+              <a:rPr lang="ko-KR" altLang="en-US" dirty="0"/>
               <a:t>의 값을 </a:t>
             </a:r>
             <a:r>
-              <a:rPr lang="en-US" altLang="ko-KR" dirty="0" smtClean="0"/>
+              <a:rPr lang="en-US" altLang="ko-KR" dirty="0"/>
               <a:t>swap </a:t>
             </a:r>
             <a:r>
-              <a:rPr lang="ko-KR" altLang="en-US" dirty="0" smtClean="0"/>
+              <a:rPr lang="ko-KR" altLang="en-US" dirty="0"/>
               <a:t>해준다</a:t>
             </a:r>
             <a:r>
-              <a:rPr lang="en-US" altLang="ko-KR" dirty="0" smtClean="0"/>
+              <a:rPr lang="en-US" altLang="ko-KR" dirty="0"/>
               <a:t>.</a:t>
             </a:r>
             <a:endParaRPr lang="ko-KR" altLang="en-US" dirty="0"/>
@@ -14281,7 +14071,7 @@
             </a:lvl9pPr>
           </a:lstStyle>
           <a:p>
-            <a:endParaRPr lang="en-US" altLang="ko-KR" sz="2000" dirty="0" smtClean="0"/>
+            <a:endParaRPr lang="en-US" altLang="ko-KR" sz="2000" dirty="0"/>
           </a:p>
         </p:txBody>
       </p:sp>
@@ -14325,7 +14115,7 @@
           <a:p>
             <a:pPr algn="ctr"/>
             <a:r>
-              <a:rPr lang="en-US" altLang="ko-KR" dirty="0" smtClean="0"/>
+              <a:rPr lang="en-US" altLang="ko-KR" dirty="0"/>
               <a:t>5</a:t>
             </a:r>
             <a:endParaRPr lang="ko-KR" altLang="en-US" dirty="0"/>
@@ -14369,7 +14159,7 @@
           <a:p>
             <a:pPr algn="ctr"/>
             <a:r>
-              <a:rPr lang="en-US" altLang="ko-KR" dirty="0" smtClean="0"/>
+              <a:rPr lang="en-US" altLang="ko-KR" dirty="0"/>
               <a:t>1</a:t>
             </a:r>
             <a:endParaRPr lang="ko-KR" altLang="en-US" dirty="0"/>
@@ -14413,7 +14203,7 @@
           <a:p>
             <a:pPr algn="ctr"/>
             <a:r>
-              <a:rPr lang="en-US" altLang="ko-KR" dirty="0" smtClean="0"/>
+              <a:rPr lang="en-US" altLang="ko-KR" dirty="0"/>
               <a:t>3</a:t>
             </a:r>
             <a:endParaRPr lang="ko-KR" altLang="en-US" dirty="0"/>
@@ -14457,7 +14247,7 @@
           <a:p>
             <a:pPr algn="ctr"/>
             <a:r>
-              <a:rPr lang="en-US" altLang="ko-KR" dirty="0" smtClean="0"/>
+              <a:rPr lang="en-US" altLang="ko-KR" dirty="0"/>
               <a:t>7</a:t>
             </a:r>
             <a:endParaRPr lang="ko-KR" altLang="en-US" dirty="0"/>
@@ -14545,7 +14335,7 @@
           <a:p>
             <a:pPr algn="ctr"/>
             <a:r>
-              <a:rPr lang="en-US" altLang="ko-KR" dirty="0" smtClean="0"/>
+              <a:rPr lang="en-US" altLang="ko-KR" dirty="0"/>
               <a:t>2</a:t>
             </a:r>
             <a:endParaRPr lang="ko-KR" altLang="en-US" dirty="0"/>
@@ -14590,11 +14380,7 @@
             <a:p>
               <a:r>
                 <a:rPr lang="en-US" altLang="ko-KR" dirty="0"/>
-                <a:t>p</a:t>
-              </a:r>
-              <a:r>
-                <a:rPr lang="en-US" altLang="ko-KR" dirty="0" smtClean="0"/>
-                <a:t>ivot</a:t>
+                <a:t>pivot</a:t>
               </a:r>
             </a:p>
           </p:txBody>
@@ -14678,7 +14464,7 @@
             <a:p>
               <a:pPr algn="ctr"/>
               <a:r>
-                <a:rPr lang="en-US" altLang="ko-KR" dirty="0" smtClean="0"/>
+                <a:rPr lang="en-US" altLang="ko-KR" dirty="0"/>
                 <a:t>low</a:t>
               </a:r>
             </a:p>
@@ -14763,7 +14549,7 @@
             <a:p>
               <a:pPr algn="ctr"/>
               <a:r>
-                <a:rPr lang="en-US" altLang="ko-KR" dirty="0" smtClean="0"/>
+                <a:rPr lang="en-US" altLang="ko-KR" dirty="0"/>
                 <a:t>high</a:t>
               </a:r>
             </a:p>
@@ -14818,10 +14604,10 @@
         </p:nvGrpSpPr>
         <p:grpSpPr>
           <a:xfrm flipV="1">
-            <a:off x="6789959" y="2636912"/>
-            <a:ext cx="662361" cy="729372"/>
-            <a:chOff x="1997469" y="4077072"/>
-            <a:chExt cx="662361" cy="729372"/>
+            <a:off x="6764311" y="2636912"/>
+            <a:ext cx="713657" cy="729372"/>
+            <a:chOff x="1971821" y="4077072"/>
+            <a:chExt cx="713657" cy="729372"/>
           </a:xfrm>
         </p:grpSpPr>
         <p:sp>
@@ -14832,8 +14618,8 @@
           </p:nvSpPr>
           <p:spPr>
             <a:xfrm flipV="1">
-              <a:off x="1997469" y="4437112"/>
-              <a:ext cx="662361" cy="369332"/>
+              <a:off x="1971821" y="4437112"/>
+              <a:ext cx="713657" cy="369332"/>
             </a:xfrm>
             <a:prstGeom prst="rect">
               <a:avLst/>
@@ -14848,9 +14634,10 @@
             <a:p>
               <a:pPr algn="ctr"/>
               <a:r>
-                <a:rPr lang="en-US" altLang="ko-KR" dirty="0" smtClean="0"/>
-                <a:t>high</a:t>
+                <a:rPr lang="en-US" altLang="ko-KR" dirty="0"/>
+                <a:t>right</a:t>
               </a:r>
+              <a:endParaRPr lang="en-US" altLang="ko-KR" dirty="0"/>
             </a:p>
           </p:txBody>
         </p:sp>
@@ -14933,7 +14720,7 @@
             <a:p>
               <a:pPr algn="ctr"/>
               <a:r>
-                <a:rPr lang="en-US" altLang="ko-KR" dirty="0" smtClean="0"/>
+                <a:rPr lang="en-US" altLang="ko-KR" dirty="0"/>
                 <a:t>left</a:t>
               </a:r>
             </a:p>
@@ -15017,7 +14804,7 @@
           <a:p>
             <a:pPr algn="ctr"/>
             <a:r>
-              <a:rPr lang="en-US" altLang="ko-KR" dirty="0" smtClean="0"/>
+              <a:rPr lang="en-US" altLang="ko-KR" dirty="0"/>
               <a:t>4</a:t>
             </a:r>
             <a:endParaRPr lang="ko-KR" altLang="en-US" dirty="0"/>
@@ -15061,7 +14848,7 @@
           <a:p>
             <a:pPr algn="ctr"/>
             <a:r>
-              <a:rPr lang="en-US" altLang="ko-KR" dirty="0" smtClean="0"/>
+              <a:rPr lang="en-US" altLang="ko-KR" dirty="0"/>
               <a:t>6</a:t>
             </a:r>
             <a:endParaRPr lang="ko-KR" altLang="en-US" dirty="0"/>
@@ -15105,7 +14892,7 @@
           <a:p>
             <a:pPr algn="ctr"/>
             <a:r>
-              <a:rPr lang="en-US" altLang="ko-KR" dirty="0" smtClean="0"/>
+              <a:rPr lang="en-US" altLang="ko-KR" dirty="0"/>
               <a:t>8</a:t>
             </a:r>
             <a:endParaRPr lang="ko-KR" altLang="en-US" dirty="0"/>
@@ -15136,7 +14923,7 @@
           <a:p>
             <a:pPr algn="ctr"/>
             <a:r>
-              <a:rPr lang="en-US" altLang="ko-KR" sz="5400" b="1" cap="none" spc="300" dirty="0" smtClean="0">
+              <a:rPr lang="en-US" altLang="ko-KR" sz="5400" b="1" cap="none" spc="300" dirty="0">
                 <a:ln w="11430" cmpd="sng">
                   <a:solidFill>
                     <a:schemeClr val="accent1">
@@ -15176,44 +14963,6 @@
               </a:rPr>
               <a:t>4</a:t>
             </a:r>
-            <a:endParaRPr lang="en-US" altLang="ko-KR" sz="5400" b="1" cap="none" spc="300" dirty="0">
-              <a:ln w="11430" cmpd="sng">
-                <a:solidFill>
-                  <a:schemeClr val="accent1">
-                    <a:tint val="10000"/>
-                  </a:schemeClr>
-                </a:solidFill>
-                <a:prstDash val="solid"/>
-                <a:miter lim="800000"/>
-              </a:ln>
-              <a:gradFill>
-                <a:gsLst>
-                  <a:gs pos="10000">
-                    <a:schemeClr val="accent1">
-                      <a:tint val="83000"/>
-                      <a:shade val="100000"/>
-                      <a:satMod val="200000"/>
-                    </a:schemeClr>
-                  </a:gs>
-                  <a:gs pos="75000">
-                    <a:schemeClr val="accent1">
-                      <a:tint val="100000"/>
-                      <a:shade val="50000"/>
-                      <a:satMod val="150000"/>
-                    </a:schemeClr>
-                  </a:gs>
-                </a:gsLst>
-                <a:lin ang="5400000"/>
-              </a:gradFill>
-              <a:effectLst>
-                <a:glow rad="45500">
-                  <a:schemeClr val="accent1">
-                    <a:satMod val="220000"/>
-                    <a:alpha val="35000"/>
-                  </a:schemeClr>
-                </a:glow>
-              </a:effectLst>
-            </a:endParaRPr>
           </a:p>
         </p:txBody>
       </p:sp>
@@ -15395,27 +15144,19 @@
           <a:lstStyle/>
           <a:p>
             <a:r>
-              <a:rPr lang="ko-KR" altLang="en-US" dirty="0" smtClean="0"/>
-              <a:t>다음 다시 </a:t>
-            </a:r>
-            <a:r>
-              <a:rPr lang="en-US" altLang="ko-KR" dirty="0" smtClean="0"/>
+              <a:rPr lang="ko-KR" altLang="en-US" dirty="0"/>
+              <a:t>다음 다시  우선 </a:t>
+            </a:r>
+            <a:r>
+              <a:rPr lang="en-US" altLang="ko-KR" dirty="0"/>
               <a:t>low</a:t>
             </a:r>
             <a:r>
-              <a:rPr lang="ko-KR" altLang="en-US" dirty="0" smtClean="0"/>
-              <a:t>와 </a:t>
-            </a:r>
-            <a:r>
-              <a:rPr lang="en-US" altLang="ko-KR" dirty="0" smtClean="0"/>
-              <a:t>high </a:t>
-            </a:r>
-            <a:r>
-              <a:rPr lang="ko-KR" altLang="en-US" dirty="0" smtClean="0"/>
-              <a:t>이동 시킵니다</a:t>
-            </a:r>
-            <a:r>
-              <a:rPr lang="en-US" altLang="ko-KR" dirty="0" smtClean="0"/>
+              <a:rPr lang="ko-KR" altLang="en-US" dirty="0"/>
+              <a:t>을 이동 시킵니다</a:t>
+            </a:r>
+            <a:r>
+              <a:rPr lang="en-US" altLang="ko-KR" dirty="0"/>
               <a:t>.</a:t>
             </a:r>
           </a:p>
@@ -15733,7 +15474,7 @@
           <a:p>
             <a:pPr algn="ctr"/>
             <a:r>
-              <a:rPr lang="en-US" altLang="ko-KR" dirty="0" smtClean="0"/>
+              <a:rPr lang="en-US" altLang="ko-KR" dirty="0"/>
               <a:t>5</a:t>
             </a:r>
             <a:endParaRPr lang="ko-KR" altLang="en-US" dirty="0"/>
@@ -15777,7 +15518,7 @@
           <a:p>
             <a:pPr algn="ctr"/>
             <a:r>
-              <a:rPr lang="en-US" altLang="ko-KR" dirty="0" smtClean="0"/>
+              <a:rPr lang="en-US" altLang="ko-KR" dirty="0"/>
               <a:t>1</a:t>
             </a:r>
             <a:endParaRPr lang="ko-KR" altLang="en-US" dirty="0"/>
@@ -15821,7 +15562,7 @@
           <a:p>
             <a:pPr algn="ctr"/>
             <a:r>
-              <a:rPr lang="en-US" altLang="ko-KR" dirty="0" smtClean="0"/>
+              <a:rPr lang="en-US" altLang="ko-KR" dirty="0"/>
               <a:t>3</a:t>
             </a:r>
             <a:endParaRPr lang="ko-KR" altLang="en-US" dirty="0"/>
@@ -15865,7 +15606,7 @@
           <a:p>
             <a:pPr algn="ctr"/>
             <a:r>
-              <a:rPr lang="en-US" altLang="ko-KR" dirty="0" smtClean="0"/>
+              <a:rPr lang="en-US" altLang="ko-KR" dirty="0"/>
               <a:t>7</a:t>
             </a:r>
             <a:endParaRPr lang="ko-KR" altLang="en-US" dirty="0"/>
@@ -15953,7 +15694,7 @@
           <a:p>
             <a:pPr algn="ctr"/>
             <a:r>
-              <a:rPr lang="en-US" altLang="ko-KR" dirty="0" smtClean="0"/>
+              <a:rPr lang="en-US" altLang="ko-KR" dirty="0"/>
               <a:t>2</a:t>
             </a:r>
             <a:endParaRPr lang="ko-KR" altLang="en-US" dirty="0"/>
@@ -15998,11 +15739,7 @@
             <a:p>
               <a:r>
                 <a:rPr lang="en-US" altLang="ko-KR" dirty="0"/>
-                <a:t>p</a:t>
-              </a:r>
-              <a:r>
-                <a:rPr lang="en-US" altLang="ko-KR" dirty="0" smtClean="0"/>
-                <a:t>ivot</a:t>
+                <a:t>pivot</a:t>
               </a:r>
             </a:p>
           </p:txBody>
@@ -16086,7 +15823,7 @@
             <a:p>
               <a:pPr algn="ctr"/>
               <a:r>
-                <a:rPr lang="en-US" altLang="ko-KR" dirty="0" smtClean="0"/>
+                <a:rPr lang="en-US" altLang="ko-KR" dirty="0"/>
                 <a:t>low</a:t>
               </a:r>
             </a:p>
@@ -16171,7 +15908,7 @@
             <a:p>
               <a:pPr algn="ctr"/>
               <a:r>
-                <a:rPr lang="en-US" altLang="ko-KR" dirty="0" smtClean="0"/>
+                <a:rPr lang="en-US" altLang="ko-KR" dirty="0"/>
                 <a:t>high</a:t>
               </a:r>
             </a:p>
@@ -16226,10 +15963,10 @@
         </p:nvGrpSpPr>
         <p:grpSpPr>
           <a:xfrm flipV="1">
-            <a:off x="6789959" y="2636912"/>
-            <a:ext cx="662361" cy="729372"/>
-            <a:chOff x="1997469" y="4077072"/>
-            <a:chExt cx="662361" cy="729372"/>
+            <a:off x="6764311" y="2636912"/>
+            <a:ext cx="713657" cy="729372"/>
+            <a:chOff x="1971821" y="4077072"/>
+            <a:chExt cx="713657" cy="729372"/>
           </a:xfrm>
         </p:grpSpPr>
         <p:sp>
@@ -16240,8 +15977,8 @@
           </p:nvSpPr>
           <p:spPr>
             <a:xfrm flipV="1">
-              <a:off x="1997469" y="4437112"/>
-              <a:ext cx="662361" cy="369332"/>
+              <a:off x="1971821" y="4437112"/>
+              <a:ext cx="713657" cy="369332"/>
             </a:xfrm>
             <a:prstGeom prst="rect">
               <a:avLst/>
@@ -16256,9 +15993,10 @@
             <a:p>
               <a:pPr algn="ctr"/>
               <a:r>
-                <a:rPr lang="en-US" altLang="ko-KR" dirty="0" smtClean="0"/>
-                <a:t>high</a:t>
+                <a:rPr lang="en-US" altLang="ko-KR" dirty="0"/>
+                <a:t>right</a:t>
               </a:r>
+              <a:endParaRPr lang="en-US" altLang="ko-KR" dirty="0"/>
             </a:p>
           </p:txBody>
         </p:sp>
@@ -16341,7 +16079,7 @@
             <a:p>
               <a:pPr algn="ctr"/>
               <a:r>
-                <a:rPr lang="en-US" altLang="ko-KR" dirty="0" smtClean="0"/>
+                <a:rPr lang="en-US" altLang="ko-KR" dirty="0"/>
                 <a:t>left</a:t>
               </a:r>
             </a:p>
@@ -16425,7 +16163,7 @@
           <a:p>
             <a:pPr algn="ctr"/>
             <a:r>
-              <a:rPr lang="en-US" altLang="ko-KR" dirty="0" smtClean="0"/>
+              <a:rPr lang="en-US" altLang="ko-KR" dirty="0"/>
               <a:t>4</a:t>
             </a:r>
             <a:endParaRPr lang="ko-KR" altLang="en-US" dirty="0"/>
@@ -16469,7 +16207,7 @@
           <a:p>
             <a:pPr algn="ctr"/>
             <a:r>
-              <a:rPr lang="en-US" altLang="ko-KR" dirty="0" smtClean="0"/>
+              <a:rPr lang="en-US" altLang="ko-KR" dirty="0"/>
               <a:t>6</a:t>
             </a:r>
             <a:endParaRPr lang="ko-KR" altLang="en-US" dirty="0"/>
@@ -16513,7 +16251,7 @@
           <a:p>
             <a:pPr algn="ctr"/>
             <a:r>
-              <a:rPr lang="en-US" altLang="ko-KR" dirty="0" smtClean="0"/>
+              <a:rPr lang="en-US" altLang="ko-KR" dirty="0"/>
               <a:t>8</a:t>
             </a:r>
             <a:endParaRPr lang="ko-KR" altLang="en-US" dirty="0"/>
@@ -16530,7 +16268,7 @@
         </p:nvSpPr>
         <p:spPr>
           <a:xfrm>
-            <a:off x="946404" y="5141169"/>
+            <a:off x="946404" y="2211095"/>
             <a:ext cx="7153988" cy="1240159"/>
           </a:xfrm>
           <a:prstGeom prst="rect">
@@ -16786,72 +16524,37 @@
           </a:lstStyle>
           <a:p>
             <a:r>
-              <a:rPr lang="ko-KR" altLang="en-US" dirty="0" smtClean="0"/>
+              <a:rPr lang="ko-KR" altLang="en-US" dirty="0"/>
               <a:t>이동한 </a:t>
             </a:r>
             <a:r>
-              <a:rPr lang="en-US" altLang="ko-KR" dirty="0" smtClean="0"/>
+              <a:rPr lang="en-US" altLang="ko-KR" dirty="0"/>
               <a:t>low</a:t>
             </a:r>
             <a:r>
-              <a:rPr lang="ko-KR" altLang="en-US" dirty="0" smtClean="0"/>
+              <a:rPr lang="ko-KR" altLang="en-US" dirty="0"/>
               <a:t>가 </a:t>
             </a:r>
             <a:r>
-              <a:rPr lang="en-US" altLang="ko-KR" dirty="0" smtClean="0"/>
+              <a:rPr lang="en-US" altLang="ko-KR" dirty="0"/>
               <a:t>pivot </a:t>
             </a:r>
             <a:r>
-              <a:rPr lang="ko-KR" altLang="en-US" dirty="0" smtClean="0"/>
+              <a:rPr lang="ko-KR" altLang="en-US" dirty="0"/>
               <a:t>보다 크므로 </a:t>
             </a:r>
             <a:r>
-              <a:rPr lang="en-US" altLang="ko-KR" dirty="0" smtClean="0"/>
+              <a:rPr lang="en-US" altLang="ko-KR" dirty="0"/>
               <a:t>9</a:t>
             </a:r>
             <a:r>
-              <a:rPr lang="ko-KR" altLang="en-US" dirty="0" smtClean="0"/>
+              <a:rPr lang="ko-KR" altLang="en-US" dirty="0"/>
               <a:t>에서 멈춥니다</a:t>
             </a:r>
             <a:r>
-              <a:rPr lang="en-US" altLang="ko-KR" dirty="0" smtClean="0"/>
+              <a:rPr lang="en-US" altLang="ko-KR" dirty="0"/>
               <a:t>.</a:t>
             </a:r>
-          </a:p>
-          <a:p>
-            <a:r>
-              <a:rPr lang="ko-KR" altLang="en-US" dirty="0" smtClean="0"/>
-              <a:t>이동한 </a:t>
-            </a:r>
-            <a:r>
-              <a:rPr lang="en-US" altLang="ko-KR" dirty="0" smtClean="0"/>
-              <a:t>high</a:t>
-            </a:r>
-            <a:r>
-              <a:rPr lang="ko-KR" altLang="en-US" dirty="0" smtClean="0"/>
-              <a:t>가 </a:t>
-            </a:r>
-            <a:r>
-              <a:rPr lang="en-US" altLang="ko-KR" dirty="0" smtClean="0"/>
-              <a:t>pivot </a:t>
-            </a:r>
-            <a:r>
-              <a:rPr lang="ko-KR" altLang="en-US" dirty="0" smtClean="0"/>
-              <a:t>보다 작으므로 </a:t>
-            </a:r>
-            <a:r>
-              <a:rPr lang="en-US" altLang="ko-KR" dirty="0" smtClean="0"/>
-              <a:t>2</a:t>
-            </a:r>
-            <a:r>
-              <a:rPr lang="ko-KR" altLang="en-US" dirty="0" smtClean="0"/>
-              <a:t>에서 멈춥니다</a:t>
-            </a:r>
-            <a:r>
-              <a:rPr lang="en-US" altLang="ko-KR" dirty="0" smtClean="0"/>
-              <a:t>.</a:t>
-            </a:r>
-            <a:endParaRPr lang="ko-KR" altLang="en-US" dirty="0"/>
           </a:p>
         </p:txBody>
       </p:sp>
@@ -16879,7 +16582,7 @@
           <a:p>
             <a:pPr algn="ctr"/>
             <a:r>
-              <a:rPr lang="en-US" altLang="ko-KR" sz="4800" b="1" cap="none" spc="300" dirty="0" smtClean="0">
+              <a:rPr lang="en-US" altLang="ko-KR" sz="4800" b="1" cap="none" spc="300" dirty="0">
                 <a:ln w="11430" cmpd="sng">
                   <a:solidFill>
                     <a:schemeClr val="accent1">
@@ -16957,6 +16660,594 @@
                 </a:glow>
               </a:effectLst>
             </a:endParaRPr>
+          </a:p>
+        </p:txBody>
+      </p:sp>
+      <p:sp>
+        <p:nvSpPr>
+          <p:cNvPr id="55" name="내용 개체 틀 2"/>
+          <p:cNvSpPr txBox="1">
+            <a:spLocks/>
+          </p:cNvSpPr>
+          <p:nvPr/>
+        </p:nvSpPr>
+        <p:spPr>
+          <a:xfrm>
+            <a:off x="971600" y="5501209"/>
+            <a:ext cx="7153988" cy="1240159"/>
+          </a:xfrm>
+          <a:prstGeom prst="rect">
+            <a:avLst/>
+          </a:prstGeom>
+        </p:spPr>
+        <p:txBody>
+          <a:bodyPr vert="horz" lIns="91440" tIns="45720" rIns="91440" bIns="45720" rtlCol="0">
+            <a:normAutofit/>
+          </a:bodyPr>
+          <a:lstStyle>
+            <a:lvl1pPr marL="182880" indent="-182880" algn="l" defTabSz="914400" rtl="0" eaLnBrk="1" latinLnBrk="1" hangingPunct="1">
+              <a:lnSpc>
+                <a:spcPct val="95000"/>
+              </a:lnSpc>
+              <a:spcBef>
+                <a:spcPts val="1400"/>
+              </a:spcBef>
+              <a:spcAft>
+                <a:spcPts val="200"/>
+              </a:spcAft>
+              <a:buClr>
+                <a:schemeClr val="accent1"/>
+              </a:buClr>
+              <a:buSzPct val="80000"/>
+              <a:buFont typeface="Arial" pitchFamily="34" charset="0"/>
+              <a:buChar char="•"/>
+              <a:defRPr sz="1800" kern="1200" spc="10" baseline="0">
+                <a:solidFill>
+                  <a:schemeClr val="tx1"/>
+                </a:solidFill>
+                <a:latin typeface="+mn-lt"/>
+                <a:ea typeface="+mn-ea"/>
+                <a:cs typeface="+mn-cs"/>
+              </a:defRPr>
+            </a:lvl1pPr>
+            <a:lvl2pPr marL="457200" indent="-182880" algn="l" defTabSz="914400" rtl="0" eaLnBrk="1" latinLnBrk="1" hangingPunct="1">
+              <a:lnSpc>
+                <a:spcPct val="90000"/>
+              </a:lnSpc>
+              <a:spcBef>
+                <a:spcPts val="300"/>
+              </a:spcBef>
+              <a:spcAft>
+                <a:spcPts val="300"/>
+              </a:spcAft>
+              <a:buClr>
+                <a:schemeClr val="accent1"/>
+              </a:buClr>
+              <a:buFont typeface="Wingdings 2" pitchFamily="18" charset="2"/>
+              <a:buChar char=""/>
+              <a:defRPr sz="1600" kern="1200">
+                <a:solidFill>
+                  <a:schemeClr val="tx1">
+                    <a:lumMod val="85000"/>
+                    <a:lumOff val="15000"/>
+                  </a:schemeClr>
+                </a:solidFill>
+                <a:latin typeface="+mn-lt"/>
+                <a:ea typeface="+mn-ea"/>
+                <a:cs typeface="+mn-cs"/>
+              </a:defRPr>
+            </a:lvl2pPr>
+            <a:lvl3pPr marL="731520" indent="-182880" algn="l" defTabSz="914400" rtl="0" eaLnBrk="1" latinLnBrk="1" hangingPunct="1">
+              <a:lnSpc>
+                <a:spcPct val="90000"/>
+              </a:lnSpc>
+              <a:spcBef>
+                <a:spcPts val="300"/>
+              </a:spcBef>
+              <a:spcAft>
+                <a:spcPts val="300"/>
+              </a:spcAft>
+              <a:buClr>
+                <a:schemeClr val="accent1"/>
+              </a:buClr>
+              <a:buFont typeface="Wingdings 2" pitchFamily="18" charset="2"/>
+              <a:buChar char=""/>
+              <a:defRPr sz="1400" kern="1200">
+                <a:solidFill>
+                  <a:schemeClr val="tx1">
+                    <a:lumMod val="85000"/>
+                    <a:lumOff val="15000"/>
+                  </a:schemeClr>
+                </a:solidFill>
+                <a:latin typeface="+mn-lt"/>
+                <a:ea typeface="+mn-ea"/>
+                <a:cs typeface="+mn-cs"/>
+              </a:defRPr>
+            </a:lvl3pPr>
+            <a:lvl4pPr marL="1005840" indent="-182880" algn="l" defTabSz="914400" rtl="0" eaLnBrk="1" latinLnBrk="1" hangingPunct="1">
+              <a:lnSpc>
+                <a:spcPct val="90000"/>
+              </a:lnSpc>
+              <a:spcBef>
+                <a:spcPts val="300"/>
+              </a:spcBef>
+              <a:spcAft>
+                <a:spcPts val="300"/>
+              </a:spcAft>
+              <a:buClr>
+                <a:schemeClr val="accent1"/>
+              </a:buClr>
+              <a:buFont typeface="Wingdings 2" pitchFamily="18" charset="2"/>
+              <a:buChar char=""/>
+              <a:defRPr sz="1400" kern="1200">
+                <a:solidFill>
+                  <a:schemeClr val="tx1">
+                    <a:lumMod val="85000"/>
+                    <a:lumOff val="15000"/>
+                  </a:schemeClr>
+                </a:solidFill>
+                <a:latin typeface="+mn-lt"/>
+                <a:ea typeface="+mn-ea"/>
+                <a:cs typeface="+mn-cs"/>
+              </a:defRPr>
+            </a:lvl4pPr>
+            <a:lvl5pPr marL="1280160" indent="-182880" algn="l" defTabSz="914400" rtl="0" eaLnBrk="1" latinLnBrk="1" hangingPunct="1">
+              <a:lnSpc>
+                <a:spcPct val="90000"/>
+              </a:lnSpc>
+              <a:spcBef>
+                <a:spcPts val="300"/>
+              </a:spcBef>
+              <a:spcAft>
+                <a:spcPts val="300"/>
+              </a:spcAft>
+              <a:buClr>
+                <a:schemeClr val="accent1"/>
+              </a:buClr>
+              <a:buFont typeface="Wingdings 2" pitchFamily="18" charset="2"/>
+              <a:buChar char=""/>
+              <a:defRPr sz="1400" kern="1200">
+                <a:solidFill>
+                  <a:schemeClr val="tx1">
+                    <a:lumMod val="85000"/>
+                    <a:lumOff val="15000"/>
+                  </a:schemeClr>
+                </a:solidFill>
+                <a:latin typeface="+mn-lt"/>
+                <a:ea typeface="+mn-ea"/>
+                <a:cs typeface="+mn-cs"/>
+              </a:defRPr>
+            </a:lvl5pPr>
+            <a:lvl6pPr marL="1600000" indent="-228600" algn="l" defTabSz="914400" rtl="0" eaLnBrk="1" latinLnBrk="1" hangingPunct="1">
+              <a:lnSpc>
+                <a:spcPct val="90000"/>
+              </a:lnSpc>
+              <a:spcBef>
+                <a:spcPts val="300"/>
+              </a:spcBef>
+              <a:spcAft>
+                <a:spcPts val="300"/>
+              </a:spcAft>
+              <a:buClr>
+                <a:schemeClr val="accent1"/>
+              </a:buClr>
+              <a:buFont typeface="Wingdings 2" pitchFamily="18" charset="2"/>
+              <a:buChar char=""/>
+              <a:defRPr sz="1400" kern="1200">
+                <a:solidFill>
+                  <a:schemeClr val="tx1">
+                    <a:lumMod val="85000"/>
+                    <a:lumOff val="15000"/>
+                  </a:schemeClr>
+                </a:solidFill>
+                <a:latin typeface="+mn-lt"/>
+                <a:ea typeface="+mn-ea"/>
+                <a:cs typeface="+mn-cs"/>
+              </a:defRPr>
+            </a:lvl6pPr>
+            <a:lvl7pPr marL="1900000" indent="-228600" algn="l" defTabSz="914400" rtl="0" eaLnBrk="1" latinLnBrk="1" hangingPunct="1">
+              <a:lnSpc>
+                <a:spcPct val="90000"/>
+              </a:lnSpc>
+              <a:spcBef>
+                <a:spcPts val="300"/>
+              </a:spcBef>
+              <a:spcAft>
+                <a:spcPts val="300"/>
+              </a:spcAft>
+              <a:buClr>
+                <a:schemeClr val="accent1"/>
+              </a:buClr>
+              <a:buFont typeface="Wingdings 2" pitchFamily="18" charset="2"/>
+              <a:buChar char=""/>
+              <a:defRPr sz="1400" kern="1200">
+                <a:solidFill>
+                  <a:schemeClr val="tx1">
+                    <a:lumMod val="85000"/>
+                    <a:lumOff val="15000"/>
+                  </a:schemeClr>
+                </a:solidFill>
+                <a:latin typeface="+mn-lt"/>
+                <a:ea typeface="+mn-ea"/>
+                <a:cs typeface="+mn-cs"/>
+              </a:defRPr>
+            </a:lvl7pPr>
+            <a:lvl8pPr marL="2200000" indent="-228600" algn="l" defTabSz="914400" rtl="0" eaLnBrk="1" latinLnBrk="1" hangingPunct="1">
+              <a:lnSpc>
+                <a:spcPct val="90000"/>
+              </a:lnSpc>
+              <a:spcBef>
+                <a:spcPts val="300"/>
+              </a:spcBef>
+              <a:spcAft>
+                <a:spcPts val="300"/>
+              </a:spcAft>
+              <a:buClr>
+                <a:schemeClr val="accent1"/>
+              </a:buClr>
+              <a:buFont typeface="Wingdings 2" pitchFamily="18" charset="2"/>
+              <a:buChar char=""/>
+              <a:defRPr sz="1400" kern="1200">
+                <a:solidFill>
+                  <a:schemeClr val="tx1">
+                    <a:lumMod val="85000"/>
+                    <a:lumOff val="15000"/>
+                  </a:schemeClr>
+                </a:solidFill>
+                <a:latin typeface="+mn-lt"/>
+                <a:ea typeface="+mn-ea"/>
+                <a:cs typeface="+mn-cs"/>
+              </a:defRPr>
+            </a:lvl8pPr>
+            <a:lvl9pPr marL="2500000" indent="-228600" algn="l" defTabSz="914400" rtl="0" eaLnBrk="1" latinLnBrk="1" hangingPunct="1">
+              <a:lnSpc>
+                <a:spcPct val="90000"/>
+              </a:lnSpc>
+              <a:spcBef>
+                <a:spcPts val="300"/>
+              </a:spcBef>
+              <a:spcAft>
+                <a:spcPts val="300"/>
+              </a:spcAft>
+              <a:buClr>
+                <a:schemeClr val="accent1"/>
+              </a:buClr>
+              <a:buFont typeface="Wingdings 2" pitchFamily="18" charset="2"/>
+              <a:buChar char=""/>
+              <a:defRPr sz="1400" kern="1200">
+                <a:solidFill>
+                  <a:schemeClr val="tx1">
+                    <a:lumMod val="85000"/>
+                    <a:lumOff val="15000"/>
+                  </a:schemeClr>
+                </a:solidFill>
+                <a:latin typeface="+mn-lt"/>
+                <a:ea typeface="+mn-ea"/>
+                <a:cs typeface="+mn-cs"/>
+              </a:defRPr>
+            </a:lvl9pPr>
+          </a:lstStyle>
+          <a:p>
+            <a:r>
+              <a:rPr lang="ko-KR" altLang="en-US" dirty="0"/>
+              <a:t>이동한 </a:t>
+            </a:r>
+            <a:r>
+              <a:rPr lang="en-US" altLang="ko-KR" dirty="0"/>
+              <a:t>high</a:t>
+            </a:r>
+            <a:r>
+              <a:rPr lang="ko-KR" altLang="en-US" dirty="0"/>
+              <a:t>가 </a:t>
+            </a:r>
+            <a:r>
+              <a:rPr lang="en-US" altLang="ko-KR" dirty="0"/>
+              <a:t>pivot </a:t>
+            </a:r>
+            <a:r>
+              <a:rPr lang="ko-KR" altLang="en-US" dirty="0"/>
+              <a:t>보다 작으므로 </a:t>
+            </a:r>
+            <a:r>
+              <a:rPr lang="en-US" altLang="ko-KR" dirty="0"/>
+              <a:t>2</a:t>
+            </a:r>
+            <a:r>
+              <a:rPr lang="ko-KR" altLang="en-US" dirty="0"/>
+              <a:t>에서 멈춥니다</a:t>
+            </a:r>
+            <a:r>
+              <a:rPr lang="en-US" altLang="ko-KR" dirty="0"/>
+              <a:t>.</a:t>
+            </a:r>
+            <a:endParaRPr lang="ko-KR" altLang="en-US" dirty="0"/>
+          </a:p>
+        </p:txBody>
+      </p:sp>
+      <p:sp>
+        <p:nvSpPr>
+          <p:cNvPr id="56" name="내용 개체 틀 2"/>
+          <p:cNvSpPr txBox="1">
+            <a:spLocks/>
+          </p:cNvSpPr>
+          <p:nvPr/>
+        </p:nvSpPr>
+        <p:spPr>
+          <a:xfrm>
+            <a:off x="971600" y="5167347"/>
+            <a:ext cx="7153988" cy="1240159"/>
+          </a:xfrm>
+          <a:prstGeom prst="rect">
+            <a:avLst/>
+          </a:prstGeom>
+        </p:spPr>
+        <p:txBody>
+          <a:bodyPr vert="horz" lIns="91440" tIns="45720" rIns="91440" bIns="45720" rtlCol="0">
+            <a:normAutofit/>
+          </a:bodyPr>
+          <a:lstStyle>
+            <a:lvl1pPr marL="182880" indent="-182880" algn="l" defTabSz="914400" rtl="0" eaLnBrk="1" latinLnBrk="1" hangingPunct="1">
+              <a:lnSpc>
+                <a:spcPct val="95000"/>
+              </a:lnSpc>
+              <a:spcBef>
+                <a:spcPts val="1400"/>
+              </a:spcBef>
+              <a:spcAft>
+                <a:spcPts val="200"/>
+              </a:spcAft>
+              <a:buClr>
+                <a:schemeClr val="accent1"/>
+              </a:buClr>
+              <a:buSzPct val="80000"/>
+              <a:buFont typeface="Arial" pitchFamily="34" charset="0"/>
+              <a:buChar char="•"/>
+              <a:defRPr sz="1800" kern="1200" spc="10" baseline="0">
+                <a:solidFill>
+                  <a:schemeClr val="tx1"/>
+                </a:solidFill>
+                <a:latin typeface="+mn-lt"/>
+                <a:ea typeface="+mn-ea"/>
+                <a:cs typeface="+mn-cs"/>
+              </a:defRPr>
+            </a:lvl1pPr>
+            <a:lvl2pPr marL="457200" indent="-182880" algn="l" defTabSz="914400" rtl="0" eaLnBrk="1" latinLnBrk="1" hangingPunct="1">
+              <a:lnSpc>
+                <a:spcPct val="90000"/>
+              </a:lnSpc>
+              <a:spcBef>
+                <a:spcPts val="300"/>
+              </a:spcBef>
+              <a:spcAft>
+                <a:spcPts val="300"/>
+              </a:spcAft>
+              <a:buClr>
+                <a:schemeClr val="accent1"/>
+              </a:buClr>
+              <a:buFont typeface="Wingdings 2" pitchFamily="18" charset="2"/>
+              <a:buChar char=""/>
+              <a:defRPr sz="1600" kern="1200">
+                <a:solidFill>
+                  <a:schemeClr val="tx1">
+                    <a:lumMod val="85000"/>
+                    <a:lumOff val="15000"/>
+                  </a:schemeClr>
+                </a:solidFill>
+                <a:latin typeface="+mn-lt"/>
+                <a:ea typeface="+mn-ea"/>
+                <a:cs typeface="+mn-cs"/>
+              </a:defRPr>
+            </a:lvl2pPr>
+            <a:lvl3pPr marL="731520" indent="-182880" algn="l" defTabSz="914400" rtl="0" eaLnBrk="1" latinLnBrk="1" hangingPunct="1">
+              <a:lnSpc>
+                <a:spcPct val="90000"/>
+              </a:lnSpc>
+              <a:spcBef>
+                <a:spcPts val="300"/>
+              </a:spcBef>
+              <a:spcAft>
+                <a:spcPts val="300"/>
+              </a:spcAft>
+              <a:buClr>
+                <a:schemeClr val="accent1"/>
+              </a:buClr>
+              <a:buFont typeface="Wingdings 2" pitchFamily="18" charset="2"/>
+              <a:buChar char=""/>
+              <a:defRPr sz="1400" kern="1200">
+                <a:solidFill>
+                  <a:schemeClr val="tx1">
+                    <a:lumMod val="85000"/>
+                    <a:lumOff val="15000"/>
+                  </a:schemeClr>
+                </a:solidFill>
+                <a:latin typeface="+mn-lt"/>
+                <a:ea typeface="+mn-ea"/>
+                <a:cs typeface="+mn-cs"/>
+              </a:defRPr>
+            </a:lvl3pPr>
+            <a:lvl4pPr marL="1005840" indent="-182880" algn="l" defTabSz="914400" rtl="0" eaLnBrk="1" latinLnBrk="1" hangingPunct="1">
+              <a:lnSpc>
+                <a:spcPct val="90000"/>
+              </a:lnSpc>
+              <a:spcBef>
+                <a:spcPts val="300"/>
+              </a:spcBef>
+              <a:spcAft>
+                <a:spcPts val="300"/>
+              </a:spcAft>
+              <a:buClr>
+                <a:schemeClr val="accent1"/>
+              </a:buClr>
+              <a:buFont typeface="Wingdings 2" pitchFamily="18" charset="2"/>
+              <a:buChar char=""/>
+              <a:defRPr sz="1400" kern="1200">
+                <a:solidFill>
+                  <a:schemeClr val="tx1">
+                    <a:lumMod val="85000"/>
+                    <a:lumOff val="15000"/>
+                  </a:schemeClr>
+                </a:solidFill>
+                <a:latin typeface="+mn-lt"/>
+                <a:ea typeface="+mn-ea"/>
+                <a:cs typeface="+mn-cs"/>
+              </a:defRPr>
+            </a:lvl4pPr>
+            <a:lvl5pPr marL="1280160" indent="-182880" algn="l" defTabSz="914400" rtl="0" eaLnBrk="1" latinLnBrk="1" hangingPunct="1">
+              <a:lnSpc>
+                <a:spcPct val="90000"/>
+              </a:lnSpc>
+              <a:spcBef>
+                <a:spcPts val="300"/>
+              </a:spcBef>
+              <a:spcAft>
+                <a:spcPts val="300"/>
+              </a:spcAft>
+              <a:buClr>
+                <a:schemeClr val="accent1"/>
+              </a:buClr>
+              <a:buFont typeface="Wingdings 2" pitchFamily="18" charset="2"/>
+              <a:buChar char=""/>
+              <a:defRPr sz="1400" kern="1200">
+                <a:solidFill>
+                  <a:schemeClr val="tx1">
+                    <a:lumMod val="85000"/>
+                    <a:lumOff val="15000"/>
+                  </a:schemeClr>
+                </a:solidFill>
+                <a:latin typeface="+mn-lt"/>
+                <a:ea typeface="+mn-ea"/>
+                <a:cs typeface="+mn-cs"/>
+              </a:defRPr>
+            </a:lvl5pPr>
+            <a:lvl6pPr marL="1600000" indent="-228600" algn="l" defTabSz="914400" rtl="0" eaLnBrk="1" latinLnBrk="1" hangingPunct="1">
+              <a:lnSpc>
+                <a:spcPct val="90000"/>
+              </a:lnSpc>
+              <a:spcBef>
+                <a:spcPts val="300"/>
+              </a:spcBef>
+              <a:spcAft>
+                <a:spcPts val="300"/>
+              </a:spcAft>
+              <a:buClr>
+                <a:schemeClr val="accent1"/>
+              </a:buClr>
+              <a:buFont typeface="Wingdings 2" pitchFamily="18" charset="2"/>
+              <a:buChar char=""/>
+              <a:defRPr sz="1400" kern="1200">
+                <a:solidFill>
+                  <a:schemeClr val="tx1">
+                    <a:lumMod val="85000"/>
+                    <a:lumOff val="15000"/>
+                  </a:schemeClr>
+                </a:solidFill>
+                <a:latin typeface="+mn-lt"/>
+                <a:ea typeface="+mn-ea"/>
+                <a:cs typeface="+mn-cs"/>
+              </a:defRPr>
+            </a:lvl6pPr>
+            <a:lvl7pPr marL="1900000" indent="-228600" algn="l" defTabSz="914400" rtl="0" eaLnBrk="1" latinLnBrk="1" hangingPunct="1">
+              <a:lnSpc>
+                <a:spcPct val="90000"/>
+              </a:lnSpc>
+              <a:spcBef>
+                <a:spcPts val="300"/>
+              </a:spcBef>
+              <a:spcAft>
+                <a:spcPts val="300"/>
+              </a:spcAft>
+              <a:buClr>
+                <a:schemeClr val="accent1"/>
+              </a:buClr>
+              <a:buFont typeface="Wingdings 2" pitchFamily="18" charset="2"/>
+              <a:buChar char=""/>
+              <a:defRPr sz="1400" kern="1200">
+                <a:solidFill>
+                  <a:schemeClr val="tx1">
+                    <a:lumMod val="85000"/>
+                    <a:lumOff val="15000"/>
+                  </a:schemeClr>
+                </a:solidFill>
+                <a:latin typeface="+mn-lt"/>
+                <a:ea typeface="+mn-ea"/>
+                <a:cs typeface="+mn-cs"/>
+              </a:defRPr>
+            </a:lvl7pPr>
+            <a:lvl8pPr marL="2200000" indent="-228600" algn="l" defTabSz="914400" rtl="0" eaLnBrk="1" latinLnBrk="1" hangingPunct="1">
+              <a:lnSpc>
+                <a:spcPct val="90000"/>
+              </a:lnSpc>
+              <a:spcBef>
+                <a:spcPts val="300"/>
+              </a:spcBef>
+              <a:spcAft>
+                <a:spcPts val="300"/>
+              </a:spcAft>
+              <a:buClr>
+                <a:schemeClr val="accent1"/>
+              </a:buClr>
+              <a:buFont typeface="Wingdings 2" pitchFamily="18" charset="2"/>
+              <a:buChar char=""/>
+              <a:defRPr sz="1400" kern="1200">
+                <a:solidFill>
+                  <a:schemeClr val="tx1">
+                    <a:lumMod val="85000"/>
+                    <a:lumOff val="15000"/>
+                  </a:schemeClr>
+                </a:solidFill>
+                <a:latin typeface="+mn-lt"/>
+                <a:ea typeface="+mn-ea"/>
+                <a:cs typeface="+mn-cs"/>
+              </a:defRPr>
+            </a:lvl8pPr>
+            <a:lvl9pPr marL="2500000" indent="-228600" algn="l" defTabSz="914400" rtl="0" eaLnBrk="1" latinLnBrk="1" hangingPunct="1">
+              <a:lnSpc>
+                <a:spcPct val="90000"/>
+              </a:lnSpc>
+              <a:spcBef>
+                <a:spcPts val="300"/>
+              </a:spcBef>
+              <a:spcAft>
+                <a:spcPts val="300"/>
+              </a:spcAft>
+              <a:buClr>
+                <a:schemeClr val="accent1"/>
+              </a:buClr>
+              <a:buFont typeface="Wingdings 2" pitchFamily="18" charset="2"/>
+              <a:buChar char=""/>
+              <a:defRPr sz="1400" kern="1200">
+                <a:solidFill>
+                  <a:schemeClr val="tx1">
+                    <a:lumMod val="85000"/>
+                    <a:lumOff val="15000"/>
+                  </a:schemeClr>
+                </a:solidFill>
+                <a:latin typeface="+mn-lt"/>
+                <a:ea typeface="+mn-ea"/>
+                <a:cs typeface="+mn-cs"/>
+              </a:defRPr>
+            </a:lvl9pPr>
+          </a:lstStyle>
+          <a:p>
+            <a:r>
+              <a:rPr lang="ko-KR" altLang="en-US" dirty="0"/>
+              <a:t>다음 </a:t>
+            </a:r>
+            <a:r>
+              <a:rPr lang="en-US" altLang="ko-KR" dirty="0"/>
+              <a:t>High</a:t>
+            </a:r>
+            <a:r>
+              <a:rPr lang="ko-KR" altLang="en-US" dirty="0"/>
+              <a:t>을 이동 시킵니다</a:t>
+            </a:r>
+            <a:r>
+              <a:rPr lang="en-US" altLang="ko-KR" dirty="0"/>
+              <a:t>.</a:t>
+            </a:r>
+          </a:p>
+          <a:p>
+            <a:endParaRPr lang="ko-KR" altLang="en-US" dirty="0"/>
           </a:p>
         </p:txBody>
       </p:sp>
@@ -17012,15 +17303,104 @@
                                   </p:childTnLst>
                                 </p:cTn>
                               </p:par>
+                            </p:childTnLst>
+                          </p:cTn>
+                        </p:par>
+                        <p:par>
+                          <p:cTn id="7" fill="hold">
+                            <p:stCondLst>
+                              <p:cond delay="2000"/>
+                            </p:stCondLst>
+                            <p:childTnLst>
                               <p:par>
-                                <p:cTn id="7" presetID="35" presetClass="path" presetSubtype="0" accel="50000" decel="50000" fill="hold" nodeType="withEffect">
+                                <p:cTn id="8" presetID="10" presetClass="entr" presetSubtype="0" fill="hold" grpId="0" nodeType="afterEffect">
+                                  <p:stCondLst>
+                                    <p:cond delay="0"/>
+                                  </p:stCondLst>
+                                  <p:childTnLst>
+                                    <p:set>
+                                      <p:cBhvr>
+                                        <p:cTn id="9" dur="1" fill="hold">
+                                          <p:stCondLst>
+                                            <p:cond delay="0"/>
+                                          </p:stCondLst>
+                                        </p:cTn>
+                                        <p:tgtEl>
+                                          <p:spTgt spid="53"/>
+                                        </p:tgtEl>
+                                        <p:attrNameLst>
+                                          <p:attrName>style.visibility</p:attrName>
+                                        </p:attrNameLst>
+                                      </p:cBhvr>
+                                      <p:to>
+                                        <p:strVal val="visible"/>
+                                      </p:to>
+                                    </p:set>
+                                    <p:animEffect transition="in" filter="fade">
+                                      <p:cBhvr>
+                                        <p:cTn id="10" dur="500"/>
+                                        <p:tgtEl>
+                                          <p:spTgt spid="53"/>
+                                        </p:tgtEl>
+                                      </p:cBhvr>
+                                    </p:animEffect>
+                                  </p:childTnLst>
+                                </p:cTn>
+                              </p:par>
+                            </p:childTnLst>
+                          </p:cTn>
+                        </p:par>
+                      </p:childTnLst>
+                    </p:cTn>
+                  </p:par>
+                  <p:par>
+                    <p:cTn id="11" fill="hold">
+                      <p:stCondLst>
+                        <p:cond delay="indefinite"/>
+                      </p:stCondLst>
+                      <p:childTnLst>
+                        <p:par>
+                          <p:cTn id="12" fill="hold">
+                            <p:stCondLst>
+                              <p:cond delay="0"/>
+                            </p:stCondLst>
+                            <p:childTnLst>
+                              <p:par>
+                                <p:cTn id="13" presetID="1" presetClass="entr" presetSubtype="0" fill="hold" grpId="0" nodeType="clickEffect">
+                                  <p:stCondLst>
+                                    <p:cond delay="0"/>
+                                  </p:stCondLst>
+                                  <p:childTnLst>
+                                    <p:set>
+                                      <p:cBhvr>
+                                        <p:cTn id="14" dur="1" fill="hold">
+                                          <p:stCondLst>
+                                            <p:cond delay="0"/>
+                                          </p:stCondLst>
+                                        </p:cTn>
+                                        <p:tgtEl>
+                                          <p:spTgt spid="56"/>
+                                        </p:tgtEl>
+                                        <p:attrNameLst>
+                                          <p:attrName>style.visibility</p:attrName>
+                                        </p:attrNameLst>
+                                      </p:cBhvr>
+                                      <p:to>
+                                        <p:strVal val="visible"/>
+                                      </p:to>
+                                    </p:set>
+                                  </p:childTnLst>
+                                </p:cTn>
+                              </p:par>
+                              <p:par>
+                                <p:cTn id="15" presetID="35" presetClass="path" presetSubtype="0" accel="50000" decel="50000" fill="hold" nodeType="withEffect">
                                   <p:stCondLst>
                                     <p:cond delay="0"/>
                                   </p:stCondLst>
                                   <p:childTnLst>
                                     <p:animMotion origin="layout" path="M -3.05556E-6 4.07407E-6 L -0.07552 4.07407E-6 " pathEditMode="relative" rAng="0" ptsTypes="AA">
                                       <p:cBhvr>
-                                        <p:cTn id="8" dur="2000" fill="hold"/>
+                                        <p:cTn id="16" dur="2000" fill="hold"/>
                                         <p:tgtEl>
                                           <p:spTgt spid="41"/>
                                         </p:tgtEl>
@@ -17038,26 +17418,26 @@
                           </p:cTn>
                         </p:par>
                         <p:par>
-                          <p:cTn id="9" fill="hold">
+                          <p:cTn id="17" fill="hold">
                             <p:stCondLst>
                               <p:cond delay="2000"/>
                             </p:stCondLst>
                             <p:childTnLst>
                               <p:par>
-                                <p:cTn id="10" presetID="10" presetClass="entr" presetSubtype="0" fill="hold" grpId="0" nodeType="afterEffect">
+                                <p:cTn id="18" presetID="10" presetClass="entr" presetSubtype="0" fill="hold" grpId="0" nodeType="afterEffect">
                                   <p:stCondLst>
                                     <p:cond delay="0"/>
                                   </p:stCondLst>
                                   <p:childTnLst>
                                     <p:set>
                                       <p:cBhvr>
-                                        <p:cTn id="11" dur="1" fill="hold">
+                                        <p:cTn id="19" dur="1" fill="hold">
                                           <p:stCondLst>
                                             <p:cond delay="0"/>
                                           </p:stCondLst>
                                         </p:cTn>
                                         <p:tgtEl>
-                                          <p:spTgt spid="53"/>
+                                          <p:spTgt spid="55"/>
                                         </p:tgtEl>
                                         <p:attrNameLst>
                                           <p:attrName>style.visibility</p:attrName>
@@ -17069,9 +17449,9 @@
                                     </p:set>
                                     <p:animEffect transition="in" filter="fade">
                                       <p:cBhvr>
-                                        <p:cTn id="12" dur="500"/>
+                                        <p:cTn id="20" dur="500"/>
                                         <p:tgtEl>
-                                          <p:spTgt spid="53"/>
+                                          <p:spTgt spid="55"/>
                                         </p:tgtEl>
                                       </p:cBhvr>
                                     </p:animEffect>
@@ -17107,6 +17487,8 @@
     </p:tnLst>
     <p:bldLst>
       <p:bldP spid="53" grpId="0"/>
+      <p:bldP spid="55" grpId="0"/>
+      <p:bldP spid="56" grpId="0"/>
     </p:bldLst>
   </p:timing>
 </p:sld>
@@ -17181,26 +17563,25 @@
           <a:lstStyle/>
           <a:p>
             <a:r>
-              <a:rPr lang="en-US" altLang="ko-KR" dirty="0" smtClean="0"/>
+              <a:rPr lang="en-US" altLang="ko-KR" dirty="0"/>
               <a:t>9</a:t>
             </a:r>
             <a:r>
-              <a:rPr lang="ko-KR" altLang="en-US" dirty="0" smtClean="0"/>
+              <a:rPr lang="ko-KR" altLang="en-US" dirty="0"/>
               <a:t>와 </a:t>
             </a:r>
             <a:r>
-              <a:rPr lang="en-US" altLang="ko-KR" dirty="0" smtClean="0"/>
+              <a:rPr lang="en-US" altLang="ko-KR" dirty="0"/>
               <a:t>2</a:t>
             </a:r>
             <a:r>
-              <a:rPr lang="ko-KR" altLang="en-US" dirty="0" smtClean="0"/>
+              <a:rPr lang="ko-KR" altLang="en-US" dirty="0"/>
               <a:t>의 자리를 </a:t>
             </a:r>
             <a:r>
-              <a:rPr lang="en-US" altLang="ko-KR" dirty="0" smtClean="0"/>
+              <a:rPr lang="en-US" altLang="ko-KR" dirty="0"/>
               <a:t>swap</a:t>
             </a:r>
-            <a:endParaRPr lang="en-US" altLang="ko-KR" dirty="0" smtClean="0"/>
           </a:p>
           <a:p>
             <a:endParaRPr lang="ko-KR" altLang="en-US" dirty="0"/>
@@ -17516,7 +17897,7 @@
           <a:p>
             <a:pPr algn="ctr"/>
             <a:r>
-              <a:rPr lang="en-US" altLang="ko-KR" dirty="0" smtClean="0"/>
+              <a:rPr lang="en-US" altLang="ko-KR" dirty="0"/>
               <a:t>5</a:t>
             </a:r>
             <a:endParaRPr lang="ko-KR" altLang="en-US" dirty="0"/>
@@ -17560,7 +17941,7 @@
           <a:p>
             <a:pPr algn="ctr"/>
             <a:r>
-              <a:rPr lang="en-US" altLang="ko-KR" dirty="0" smtClean="0"/>
+              <a:rPr lang="en-US" altLang="ko-KR" dirty="0"/>
               <a:t>1</a:t>
             </a:r>
             <a:endParaRPr lang="ko-KR" altLang="en-US" dirty="0"/>
@@ -17604,7 +17985,7 @@
           <a:p>
             <a:pPr algn="ctr"/>
             <a:r>
-              <a:rPr lang="en-US" altLang="ko-KR" dirty="0" smtClean="0"/>
+              <a:rPr lang="en-US" altLang="ko-KR" dirty="0"/>
               <a:t>3</a:t>
             </a:r>
             <a:endParaRPr lang="ko-KR" altLang="en-US" dirty="0"/>
@@ -17648,7 +18029,7 @@
           <a:p>
             <a:pPr algn="ctr"/>
             <a:r>
-              <a:rPr lang="en-US" altLang="ko-KR" dirty="0" smtClean="0"/>
+              <a:rPr lang="en-US" altLang="ko-KR" dirty="0"/>
               <a:t>7</a:t>
             </a:r>
             <a:endParaRPr lang="ko-KR" altLang="en-US" dirty="0"/>
@@ -17736,7 +18117,7 @@
           <a:p>
             <a:pPr algn="ctr"/>
             <a:r>
-              <a:rPr lang="en-US" altLang="ko-KR" dirty="0" smtClean="0"/>
+              <a:rPr lang="en-US" altLang="ko-KR" dirty="0"/>
               <a:t>2</a:t>
             </a:r>
             <a:endParaRPr lang="ko-KR" altLang="en-US" dirty="0"/>
@@ -17781,11 +18162,7 @@
             <a:p>
               <a:r>
                 <a:rPr lang="en-US" altLang="ko-KR" dirty="0"/>
-                <a:t>p</a:t>
-              </a:r>
-              <a:r>
-                <a:rPr lang="en-US" altLang="ko-KR" dirty="0" smtClean="0"/>
-                <a:t>ivot</a:t>
+                <a:t>pivot</a:t>
               </a:r>
             </a:p>
           </p:txBody>
@@ -17869,7 +18246,7 @@
             <a:p>
               <a:pPr algn="ctr"/>
               <a:r>
-                <a:rPr lang="en-US" altLang="ko-KR" dirty="0" smtClean="0"/>
+                <a:rPr lang="en-US" altLang="ko-KR" dirty="0"/>
                 <a:t>low</a:t>
               </a:r>
             </a:p>
@@ -17954,7 +18331,7 @@
             <a:p>
               <a:pPr algn="ctr"/>
               <a:r>
-                <a:rPr lang="en-US" altLang="ko-KR" dirty="0" smtClean="0"/>
+                <a:rPr lang="en-US" altLang="ko-KR" dirty="0"/>
                 <a:t>high</a:t>
               </a:r>
             </a:p>
@@ -18009,10 +18386,10 @@
         </p:nvGrpSpPr>
         <p:grpSpPr>
           <a:xfrm flipV="1">
-            <a:off x="6789959" y="2636912"/>
-            <a:ext cx="662361" cy="729372"/>
-            <a:chOff x="1997469" y="4077072"/>
-            <a:chExt cx="662361" cy="729372"/>
+            <a:off x="6764311" y="2636912"/>
+            <a:ext cx="713657" cy="729372"/>
+            <a:chOff x="1971821" y="4077072"/>
+            <a:chExt cx="713657" cy="729372"/>
           </a:xfrm>
         </p:grpSpPr>
         <p:sp>
@@ -18023,8 +18400,8 @@
           </p:nvSpPr>
           <p:spPr>
             <a:xfrm flipV="1">
-              <a:off x="1997469" y="4437112"/>
-              <a:ext cx="662361" cy="369332"/>
+              <a:off x="1971821" y="4437112"/>
+              <a:ext cx="713657" cy="369332"/>
             </a:xfrm>
             <a:prstGeom prst="rect">
               <a:avLst/>
@@ -18039,9 +18416,10 @@
             <a:p>
               <a:pPr algn="ctr"/>
               <a:r>
-                <a:rPr lang="en-US" altLang="ko-KR" dirty="0" smtClean="0"/>
-                <a:t>high</a:t>
+                <a:rPr lang="en-US" altLang="ko-KR" dirty="0"/>
+                <a:t>right</a:t>
               </a:r>
+              <a:endParaRPr lang="en-US" altLang="ko-KR" dirty="0"/>
             </a:p>
           </p:txBody>
         </p:sp>
@@ -18124,7 +18502,7 @@
             <a:p>
               <a:pPr algn="ctr"/>
               <a:r>
-                <a:rPr lang="en-US" altLang="ko-KR" dirty="0" smtClean="0"/>
+                <a:rPr lang="en-US" altLang="ko-KR" dirty="0"/>
                 <a:t>left</a:t>
               </a:r>
             </a:p>
@@ -18208,7 +18586,7 @@
           <a:p>
             <a:pPr algn="ctr"/>
             <a:r>
-              <a:rPr lang="en-US" altLang="ko-KR" dirty="0" smtClean="0"/>
+              <a:rPr lang="en-US" altLang="ko-KR" dirty="0"/>
               <a:t>4</a:t>
             </a:r>
             <a:endParaRPr lang="ko-KR" altLang="en-US" dirty="0"/>
@@ -18252,7 +18630,7 @@
           <a:p>
             <a:pPr algn="ctr"/>
             <a:r>
-              <a:rPr lang="en-US" altLang="ko-KR" dirty="0" smtClean="0"/>
+              <a:rPr lang="en-US" altLang="ko-KR" dirty="0"/>
               <a:t>6</a:t>
             </a:r>
             <a:endParaRPr lang="ko-KR" altLang="en-US" dirty="0"/>
@@ -18296,293 +18674,8 @@
           <a:p>
             <a:pPr algn="ctr"/>
             <a:r>
-              <a:rPr lang="en-US" altLang="ko-KR" dirty="0" smtClean="0"/>
+              <a:rPr lang="en-US" altLang="ko-KR" dirty="0"/>
               <a:t>8</a:t>
-            </a:r>
-            <a:endParaRPr lang="ko-KR" altLang="en-US" dirty="0"/>
-          </a:p>
-        </p:txBody>
-      </p:sp>
-      <p:sp>
-        <p:nvSpPr>
-          <p:cNvPr id="53" name="내용 개체 틀 2"/>
-          <p:cNvSpPr txBox="1">
-            <a:spLocks/>
-          </p:cNvSpPr>
-          <p:nvPr/>
-        </p:nvSpPr>
-        <p:spPr>
-          <a:xfrm>
-            <a:off x="946404" y="5141169"/>
-            <a:ext cx="7153988" cy="1240159"/>
-          </a:xfrm>
-          <a:prstGeom prst="rect">
-            <a:avLst/>
-          </a:prstGeom>
-        </p:spPr>
-        <p:txBody>
-          <a:bodyPr vert="horz" lIns="91440" tIns="45720" rIns="91440" bIns="45720" rtlCol="0">
-            <a:normAutofit/>
-          </a:bodyPr>
-          <a:lstStyle>
-            <a:lvl1pPr marL="182880" indent="-182880" algn="l" defTabSz="914400" rtl="0" eaLnBrk="1" latinLnBrk="1" hangingPunct="1">
-              <a:lnSpc>
-                <a:spcPct val="95000"/>
-              </a:lnSpc>
-              <a:spcBef>
-                <a:spcPts val="1400"/>
-              </a:spcBef>
-              <a:spcAft>
-                <a:spcPts val="200"/>
-              </a:spcAft>
-              <a:buClr>
-                <a:schemeClr val="accent1"/>
-              </a:buClr>
-              <a:buSzPct val="80000"/>
-              <a:buFont typeface="Arial" pitchFamily="34" charset="0"/>
-              <a:buChar char="•"/>
-              <a:defRPr sz="1800" kern="1200" spc="10" baseline="0">
-                <a:solidFill>
-                  <a:schemeClr val="tx1"/>
-                </a:solidFill>
-                <a:latin typeface="+mn-lt"/>
-                <a:ea typeface="+mn-ea"/>
-                <a:cs typeface="+mn-cs"/>
-              </a:defRPr>
-            </a:lvl1pPr>
-            <a:lvl2pPr marL="457200" indent="-182880" algn="l" defTabSz="914400" rtl="0" eaLnBrk="1" latinLnBrk="1" hangingPunct="1">
-              <a:lnSpc>
-                <a:spcPct val="90000"/>
-              </a:lnSpc>
-              <a:spcBef>
-                <a:spcPts val="300"/>
-              </a:spcBef>
-              <a:spcAft>
-                <a:spcPts val="300"/>
-              </a:spcAft>
-              <a:buClr>
-                <a:schemeClr val="accent1"/>
-              </a:buClr>
-              <a:buFont typeface="Wingdings 2" pitchFamily="18" charset="2"/>
-              <a:buChar char=""/>
-              <a:defRPr sz="1600" kern="1200">
-                <a:solidFill>
-                  <a:schemeClr val="tx1">
-                    <a:lumMod val="85000"/>
-                    <a:lumOff val="15000"/>
-                  </a:schemeClr>
-                </a:solidFill>
-                <a:latin typeface="+mn-lt"/>
-                <a:ea typeface="+mn-ea"/>
-                <a:cs typeface="+mn-cs"/>
-              </a:defRPr>
-            </a:lvl2pPr>
-            <a:lvl3pPr marL="731520" indent="-182880" algn="l" defTabSz="914400" rtl="0" eaLnBrk="1" latinLnBrk="1" hangingPunct="1">
-              <a:lnSpc>
-                <a:spcPct val="90000"/>
-              </a:lnSpc>
-              <a:spcBef>
-                <a:spcPts val="300"/>
-              </a:spcBef>
-              <a:spcAft>
-                <a:spcPts val="300"/>
-              </a:spcAft>
-              <a:buClr>
-                <a:schemeClr val="accent1"/>
-              </a:buClr>
-              <a:buFont typeface="Wingdings 2" pitchFamily="18" charset="2"/>
-              <a:buChar char=""/>
-              <a:defRPr sz="1400" kern="1200">
-                <a:solidFill>
-                  <a:schemeClr val="tx1">
-                    <a:lumMod val="85000"/>
-                    <a:lumOff val="15000"/>
-                  </a:schemeClr>
-                </a:solidFill>
-                <a:latin typeface="+mn-lt"/>
-                <a:ea typeface="+mn-ea"/>
-                <a:cs typeface="+mn-cs"/>
-              </a:defRPr>
-            </a:lvl3pPr>
-            <a:lvl4pPr marL="1005840" indent="-182880" algn="l" defTabSz="914400" rtl="0" eaLnBrk="1" latinLnBrk="1" hangingPunct="1">
-              <a:lnSpc>
-                <a:spcPct val="90000"/>
-              </a:lnSpc>
-              <a:spcBef>
-                <a:spcPts val="300"/>
-              </a:spcBef>
-              <a:spcAft>
-                <a:spcPts val="300"/>
-              </a:spcAft>
-              <a:buClr>
-                <a:schemeClr val="accent1"/>
-              </a:buClr>
-              <a:buFont typeface="Wingdings 2" pitchFamily="18" charset="2"/>
-              <a:buChar char=""/>
-              <a:defRPr sz="1400" kern="1200">
-                <a:solidFill>
-                  <a:schemeClr val="tx1">
-                    <a:lumMod val="85000"/>
-                    <a:lumOff val="15000"/>
-                  </a:schemeClr>
-                </a:solidFill>
-                <a:latin typeface="+mn-lt"/>
-                <a:ea typeface="+mn-ea"/>
-                <a:cs typeface="+mn-cs"/>
-              </a:defRPr>
-            </a:lvl4pPr>
-            <a:lvl5pPr marL="1280160" indent="-182880" algn="l" defTabSz="914400" rtl="0" eaLnBrk="1" latinLnBrk="1" hangingPunct="1">
-              <a:lnSpc>
-                <a:spcPct val="90000"/>
-              </a:lnSpc>
-              <a:spcBef>
-                <a:spcPts val="300"/>
-              </a:spcBef>
-              <a:spcAft>
-                <a:spcPts val="300"/>
-              </a:spcAft>
-              <a:buClr>
-                <a:schemeClr val="accent1"/>
-              </a:buClr>
-              <a:buFont typeface="Wingdings 2" pitchFamily="18" charset="2"/>
-              <a:buChar char=""/>
-              <a:defRPr sz="1400" kern="1200">
-                <a:solidFill>
-                  <a:schemeClr val="tx1">
-                    <a:lumMod val="85000"/>
-                    <a:lumOff val="15000"/>
-                  </a:schemeClr>
-                </a:solidFill>
-                <a:latin typeface="+mn-lt"/>
-                <a:ea typeface="+mn-ea"/>
-                <a:cs typeface="+mn-cs"/>
-              </a:defRPr>
-            </a:lvl5pPr>
-            <a:lvl6pPr marL="1600000" indent="-228600" algn="l" defTabSz="914400" rtl="0" eaLnBrk="1" latinLnBrk="1" hangingPunct="1">
-              <a:lnSpc>
-                <a:spcPct val="90000"/>
-              </a:lnSpc>
-              <a:spcBef>
-                <a:spcPts val="300"/>
-              </a:spcBef>
-              <a:spcAft>
-                <a:spcPts val="300"/>
-              </a:spcAft>
-              <a:buClr>
-                <a:schemeClr val="accent1"/>
-              </a:buClr>
-              <a:buFont typeface="Wingdings 2" pitchFamily="18" charset="2"/>
-              <a:buChar char=""/>
-              <a:defRPr sz="1400" kern="1200">
-                <a:solidFill>
-                  <a:schemeClr val="tx1">
-                    <a:lumMod val="85000"/>
-                    <a:lumOff val="15000"/>
-                  </a:schemeClr>
-                </a:solidFill>
-                <a:latin typeface="+mn-lt"/>
-                <a:ea typeface="+mn-ea"/>
-                <a:cs typeface="+mn-cs"/>
-              </a:defRPr>
-            </a:lvl6pPr>
-            <a:lvl7pPr marL="1900000" indent="-228600" algn="l" defTabSz="914400" rtl="0" eaLnBrk="1" latinLnBrk="1" hangingPunct="1">
-              <a:lnSpc>
-                <a:spcPct val="90000"/>
-              </a:lnSpc>
-              <a:spcBef>
-                <a:spcPts val="300"/>
-              </a:spcBef>
-              <a:spcAft>
-                <a:spcPts val="300"/>
-              </a:spcAft>
-              <a:buClr>
-                <a:schemeClr val="accent1"/>
-              </a:buClr>
-              <a:buFont typeface="Wingdings 2" pitchFamily="18" charset="2"/>
-              <a:buChar char=""/>
-              <a:defRPr sz="1400" kern="1200">
-                <a:solidFill>
-                  <a:schemeClr val="tx1">
-                    <a:lumMod val="85000"/>
-                    <a:lumOff val="15000"/>
-                  </a:schemeClr>
-                </a:solidFill>
-                <a:latin typeface="+mn-lt"/>
-                <a:ea typeface="+mn-ea"/>
-                <a:cs typeface="+mn-cs"/>
-              </a:defRPr>
-            </a:lvl7pPr>
-            <a:lvl8pPr marL="2200000" indent="-228600" algn="l" defTabSz="914400" rtl="0" eaLnBrk="1" latinLnBrk="1" hangingPunct="1">
-              <a:lnSpc>
-                <a:spcPct val="90000"/>
-              </a:lnSpc>
-              <a:spcBef>
-                <a:spcPts val="300"/>
-              </a:spcBef>
-              <a:spcAft>
-                <a:spcPts val="300"/>
-              </a:spcAft>
-              <a:buClr>
-                <a:schemeClr val="accent1"/>
-              </a:buClr>
-              <a:buFont typeface="Wingdings 2" pitchFamily="18" charset="2"/>
-              <a:buChar char=""/>
-              <a:defRPr sz="1400" kern="1200">
-                <a:solidFill>
-                  <a:schemeClr val="tx1">
-                    <a:lumMod val="85000"/>
-                    <a:lumOff val="15000"/>
-                  </a:schemeClr>
-                </a:solidFill>
-                <a:latin typeface="+mn-lt"/>
-                <a:ea typeface="+mn-ea"/>
-                <a:cs typeface="+mn-cs"/>
-              </a:defRPr>
-            </a:lvl8pPr>
-            <a:lvl9pPr marL="2500000" indent="-228600" algn="l" defTabSz="914400" rtl="0" eaLnBrk="1" latinLnBrk="1" hangingPunct="1">
-              <a:lnSpc>
-                <a:spcPct val="90000"/>
-              </a:lnSpc>
-              <a:spcBef>
-                <a:spcPts val="300"/>
-              </a:spcBef>
-              <a:spcAft>
-                <a:spcPts val="300"/>
-              </a:spcAft>
-              <a:buClr>
-                <a:schemeClr val="accent1"/>
-              </a:buClr>
-              <a:buFont typeface="Wingdings 2" pitchFamily="18" charset="2"/>
-              <a:buChar char=""/>
-              <a:defRPr sz="1400" kern="1200">
-                <a:solidFill>
-                  <a:schemeClr val="tx1">
-                    <a:lumMod val="85000"/>
-                    <a:lumOff val="15000"/>
-                  </a:schemeClr>
-                </a:solidFill>
-                <a:latin typeface="+mn-lt"/>
-                <a:ea typeface="+mn-ea"/>
-                <a:cs typeface="+mn-cs"/>
-              </a:defRPr>
-            </a:lvl9pPr>
-          </a:lstStyle>
-          <a:p>
-            <a:r>
-              <a:rPr lang="ko-KR" altLang="en-US" dirty="0" smtClean="0"/>
-              <a:t>다음 다시 </a:t>
-            </a:r>
-            <a:r>
-              <a:rPr lang="en-US" altLang="ko-KR" dirty="0" smtClean="0"/>
-              <a:t>low, high</a:t>
-            </a:r>
-            <a:r>
-              <a:rPr lang="ko-KR" altLang="en-US" dirty="0" smtClean="0"/>
-              <a:t>를 이동시킵니다</a:t>
-            </a:r>
-            <a:r>
-              <a:rPr lang="en-US" altLang="ko-KR" dirty="0" smtClean="0"/>
-              <a:t>.</a:t>
             </a:r>
             <a:endParaRPr lang="ko-KR" altLang="en-US" dirty="0"/>
           </a:p>
@@ -18612,7 +18705,7 @@
           <a:p>
             <a:pPr algn="ctr"/>
             <a:r>
-              <a:rPr lang="en-US" altLang="ko-KR" sz="5400" b="1" cap="none" spc="300" dirty="0" smtClean="0">
+              <a:rPr lang="en-US" altLang="ko-KR" sz="5400" b="1" cap="none" spc="300" dirty="0">
                 <a:ln w="11430" cmpd="sng">
                   <a:solidFill>
                     <a:schemeClr val="accent1">
@@ -18652,44 +18745,6 @@
               </a:rPr>
               <a:t>4</a:t>
             </a:r>
-            <a:endParaRPr lang="en-US" altLang="ko-KR" sz="5400" b="1" cap="none" spc="300" dirty="0">
-              <a:ln w="11430" cmpd="sng">
-                <a:solidFill>
-                  <a:schemeClr val="accent1">
-                    <a:tint val="10000"/>
-                  </a:schemeClr>
-                </a:solidFill>
-                <a:prstDash val="solid"/>
-                <a:miter lim="800000"/>
-              </a:ln>
-              <a:gradFill>
-                <a:gsLst>
-                  <a:gs pos="10000">
-                    <a:schemeClr val="accent1">
-                      <a:tint val="83000"/>
-                      <a:shade val="100000"/>
-                      <a:satMod val="200000"/>
-                    </a:schemeClr>
-                  </a:gs>
-                  <a:gs pos="75000">
-                    <a:schemeClr val="accent1">
-                      <a:tint val="100000"/>
-                      <a:shade val="50000"/>
-                      <a:satMod val="150000"/>
-                    </a:schemeClr>
-                  </a:gs>
-                </a:gsLst>
-                <a:lin ang="5400000"/>
-              </a:gradFill>
-              <a:effectLst>
-                <a:glow rad="45500">
-                  <a:schemeClr val="accent1">
-                    <a:satMod val="220000"/>
-                    <a:alpha val="35000"/>
-                  </a:schemeClr>
-                </a:glow>
-              </a:effectLst>
-            </a:endParaRPr>
           </a:p>
         </p:txBody>
       </p:sp>
@@ -18876,11 +18931,11 @@
             </a:r>
             <a:r>
               <a:rPr lang="en-US" altLang="ko-KR" dirty="0"/>
-              <a:t>low, high</a:t>
+              <a:t>low </a:t>
             </a:r>
             <a:r>
               <a:rPr lang="ko-KR" altLang="en-US" dirty="0"/>
-              <a:t>를 이동시킵니다</a:t>
+              <a:t>부터 이동시킵니다</a:t>
             </a:r>
             <a:r>
               <a:rPr lang="en-US" altLang="ko-KR" dirty="0"/>
@@ -19202,7 +19257,7 @@
           <a:p>
             <a:pPr algn="ctr"/>
             <a:r>
-              <a:rPr lang="en-US" altLang="ko-KR" dirty="0" smtClean="0"/>
+              <a:rPr lang="en-US" altLang="ko-KR" dirty="0"/>
               <a:t>5</a:t>
             </a:r>
             <a:endParaRPr lang="ko-KR" altLang="en-US" dirty="0"/>
@@ -19246,7 +19301,7 @@
           <a:p>
             <a:pPr algn="ctr"/>
             <a:r>
-              <a:rPr lang="en-US" altLang="ko-KR" dirty="0" smtClean="0"/>
+              <a:rPr lang="en-US" altLang="ko-KR" dirty="0"/>
               <a:t>1</a:t>
             </a:r>
             <a:endParaRPr lang="ko-KR" altLang="en-US" dirty="0"/>
@@ -19290,7 +19345,7 @@
           <a:p>
             <a:pPr algn="ctr"/>
             <a:r>
-              <a:rPr lang="en-US" altLang="ko-KR" dirty="0" smtClean="0"/>
+              <a:rPr lang="en-US" altLang="ko-KR" dirty="0"/>
               <a:t>3</a:t>
             </a:r>
             <a:endParaRPr lang="ko-KR" altLang="en-US" dirty="0"/>
@@ -19334,7 +19389,7 @@
           <a:p>
             <a:pPr algn="ctr"/>
             <a:r>
-              <a:rPr lang="en-US" altLang="ko-KR" dirty="0" smtClean="0"/>
+              <a:rPr lang="en-US" altLang="ko-KR" dirty="0"/>
               <a:t>7</a:t>
             </a:r>
             <a:endParaRPr lang="ko-KR" altLang="en-US" dirty="0"/>
@@ -19422,7 +19477,7 @@
           <a:p>
             <a:pPr algn="ctr"/>
             <a:r>
-              <a:rPr lang="en-US" altLang="ko-KR" dirty="0" smtClean="0"/>
+              <a:rPr lang="en-US" altLang="ko-KR" dirty="0"/>
               <a:t>2</a:t>
             </a:r>
             <a:endParaRPr lang="ko-KR" altLang="en-US" dirty="0"/>
@@ -19467,11 +19522,7 @@
             <a:p>
               <a:r>
                 <a:rPr lang="en-US" altLang="ko-KR" dirty="0"/>
-                <a:t>p</a:t>
-              </a:r>
-              <a:r>
-                <a:rPr lang="en-US" altLang="ko-KR" dirty="0" smtClean="0"/>
-                <a:t>ivot</a:t>
+                <a:t>pivot</a:t>
               </a:r>
             </a:p>
           </p:txBody>
@@ -19555,7 +19606,7 @@
             <a:p>
               <a:pPr algn="ctr"/>
               <a:r>
-                <a:rPr lang="en-US" altLang="ko-KR" dirty="0" smtClean="0"/>
+                <a:rPr lang="en-US" altLang="ko-KR" dirty="0"/>
                 <a:t>low</a:t>
               </a:r>
             </a:p>
@@ -19640,7 +19691,7 @@
             <a:p>
               <a:pPr algn="ctr"/>
               <a:r>
-                <a:rPr lang="en-US" altLang="ko-KR" dirty="0" smtClean="0"/>
+                <a:rPr lang="en-US" altLang="ko-KR" dirty="0"/>
                 <a:t>high</a:t>
               </a:r>
             </a:p>
@@ -19695,10 +19746,10 @@
         </p:nvGrpSpPr>
         <p:grpSpPr>
           <a:xfrm flipV="1">
-            <a:off x="6789959" y="2636912"/>
-            <a:ext cx="662361" cy="729372"/>
-            <a:chOff x="1997469" y="4077072"/>
-            <a:chExt cx="662361" cy="729372"/>
+            <a:off x="6764311" y="2636912"/>
+            <a:ext cx="713657" cy="729372"/>
+            <a:chOff x="1971821" y="4077072"/>
+            <a:chExt cx="713657" cy="729372"/>
           </a:xfrm>
         </p:grpSpPr>
         <p:sp>
@@ -19709,8 +19760,8 @@
           </p:nvSpPr>
           <p:spPr>
             <a:xfrm flipV="1">
-              <a:off x="1997469" y="4437112"/>
-              <a:ext cx="662361" cy="369332"/>
+              <a:off x="1971821" y="4437112"/>
+              <a:ext cx="713657" cy="369332"/>
             </a:xfrm>
             <a:prstGeom prst="rect">
               <a:avLst/>
@@ -19725,9 +19776,10 @@
             <a:p>
               <a:pPr algn="ctr"/>
               <a:r>
-                <a:rPr lang="en-US" altLang="ko-KR" dirty="0" smtClean="0"/>
-                <a:t>high</a:t>
+                <a:rPr lang="en-US" altLang="ko-KR" dirty="0"/>
+                <a:t>right</a:t>
               </a:r>
+              <a:endParaRPr lang="en-US" altLang="ko-KR" dirty="0"/>
             </a:p>
           </p:txBody>
         </p:sp>
@@ -19810,7 +19862,7 @@
             <a:p>
               <a:pPr algn="ctr"/>
               <a:r>
-                <a:rPr lang="en-US" altLang="ko-KR" dirty="0" smtClean="0"/>
+                <a:rPr lang="en-US" altLang="ko-KR" dirty="0"/>
                 <a:t>left</a:t>
               </a:r>
             </a:p>
@@ -19894,7 +19946,7 @@
           <a:p>
             <a:pPr algn="ctr"/>
             <a:r>
-              <a:rPr lang="en-US" altLang="ko-KR" dirty="0" smtClean="0"/>
+              <a:rPr lang="en-US" altLang="ko-KR" dirty="0"/>
               <a:t>4</a:t>
             </a:r>
             <a:endParaRPr lang="ko-KR" altLang="en-US" dirty="0"/>
@@ -19938,7 +19990,7 @@
           <a:p>
             <a:pPr algn="ctr"/>
             <a:r>
-              <a:rPr lang="en-US" altLang="ko-KR" dirty="0" smtClean="0"/>
+              <a:rPr lang="en-US" altLang="ko-KR" dirty="0"/>
               <a:t>6</a:t>
             </a:r>
             <a:endParaRPr lang="ko-KR" altLang="en-US" dirty="0"/>
@@ -19982,7 +20034,7 @@
           <a:p>
             <a:pPr algn="ctr"/>
             <a:r>
-              <a:rPr lang="en-US" altLang="ko-KR" dirty="0" smtClean="0"/>
+              <a:rPr lang="en-US" altLang="ko-KR" dirty="0"/>
               <a:t>8</a:t>
             </a:r>
             <a:endParaRPr lang="ko-KR" altLang="en-US" dirty="0"/>
@@ -19991,7 +20043,112 @@
       </p:sp>
       <p:sp>
         <p:nvSpPr>
-          <p:cNvPr id="53" name="내용 개체 틀 2"/>
+          <p:cNvPr id="30" name="직사각형 29"/>
+          <p:cNvSpPr/>
+          <p:nvPr/>
+        </p:nvSpPr>
+        <p:spPr>
+          <a:xfrm>
+            <a:off x="31804" y="3284835"/>
+            <a:ext cx="1104790" cy="769441"/>
+          </a:xfrm>
+          <a:prstGeom prst="rect">
+            <a:avLst/>
+          </a:prstGeom>
+          <a:noFill/>
+        </p:spPr>
+        <p:txBody>
+          <a:bodyPr wrap="none" lIns="91440" tIns="45720" rIns="91440" bIns="45720">
+            <a:spAutoFit/>
+          </a:bodyPr>
+          <a:lstStyle/>
+          <a:p>
+            <a:pPr algn="ctr"/>
+            <a:r>
+              <a:rPr lang="en-US" altLang="ko-KR" sz="4400" b="1" cap="none" spc="300" dirty="0">
+                <a:ln w="11430" cmpd="sng">
+                  <a:solidFill>
+                    <a:schemeClr val="accent1">
+                      <a:tint val="10000"/>
+                    </a:schemeClr>
+                  </a:solidFill>
+                  <a:prstDash val="solid"/>
+                  <a:miter lim="800000"/>
+                </a:ln>
+                <a:gradFill>
+                  <a:gsLst>
+                    <a:gs pos="10000">
+                      <a:schemeClr val="accent1">
+                        <a:tint val="83000"/>
+                        <a:shade val="100000"/>
+                        <a:satMod val="200000"/>
+                      </a:schemeClr>
+                    </a:gs>
+                    <a:gs pos="75000">
+                      <a:schemeClr val="accent1">
+                        <a:tint val="100000"/>
+                        <a:shade val="50000"/>
+                        <a:satMod val="150000"/>
+                      </a:schemeClr>
+                    </a:gs>
+                  </a:gsLst>
+                  <a:lin ang="5400000"/>
+                </a:gradFill>
+                <a:effectLst>
+                  <a:glow rad="45500">
+                    <a:schemeClr val="accent1">
+                      <a:satMod val="220000"/>
+                      <a:alpha val="35000"/>
+                    </a:schemeClr>
+                  </a:glow>
+                </a:effectLst>
+              </a:rPr>
+              <a:t>2,3</a:t>
+            </a:r>
+            <a:endParaRPr lang="en-US" altLang="ko-KR" sz="5400" b="1" cap="none" spc="300" dirty="0">
+              <a:ln w="11430" cmpd="sng">
+                <a:solidFill>
+                  <a:schemeClr val="accent1">
+                    <a:tint val="10000"/>
+                  </a:schemeClr>
+                </a:solidFill>
+                <a:prstDash val="solid"/>
+                <a:miter lim="800000"/>
+              </a:ln>
+              <a:gradFill>
+                <a:gsLst>
+                  <a:gs pos="10000">
+                    <a:schemeClr val="accent1">
+                      <a:tint val="83000"/>
+                      <a:shade val="100000"/>
+                      <a:satMod val="200000"/>
+                    </a:schemeClr>
+                  </a:gs>
+                  <a:gs pos="75000">
+                    <a:schemeClr val="accent1">
+                      <a:tint val="100000"/>
+                      <a:shade val="50000"/>
+                      <a:satMod val="150000"/>
+                    </a:schemeClr>
+                  </a:gs>
+                </a:gsLst>
+                <a:lin ang="5400000"/>
+              </a:gradFill>
+              <a:effectLst>
+                <a:glow rad="45500">
+                  <a:schemeClr val="accent1">
+                    <a:satMod val="220000"/>
+                    <a:alpha val="35000"/>
+                  </a:schemeClr>
+                </a:glow>
+              </a:effectLst>
+            </a:endParaRPr>
+          </a:p>
+        </p:txBody>
+      </p:sp>
+      <p:sp>
+        <p:nvSpPr>
+          <p:cNvPr id="54" name="내용 개체 틀 2"/>
           <p:cNvSpPr txBox="1">
             <a:spLocks/>
           </p:cNvSpPr>
@@ -19999,8 +20156,8 @@
         </p:nvSpPr>
         <p:spPr>
           <a:xfrm>
-            <a:off x="946404" y="5141169"/>
-            <a:ext cx="7153988" cy="1240159"/>
+            <a:off x="946404" y="2204864"/>
+            <a:ext cx="7153988" cy="792088"/>
           </a:xfrm>
           <a:prstGeom prst="rect">
             <a:avLst/>
@@ -20255,15 +20412,919 @@
           </a:lstStyle>
           <a:p>
             <a:r>
-              <a:rPr lang="en-US" altLang="ko-KR" dirty="0" smtClean="0"/>
-              <a:t>Low high</a:t>
-            </a:r>
-            <a:r>
-              <a:rPr lang="ko-KR" altLang="en-US" dirty="0" smtClean="0"/>
+              <a:rPr lang="ko-KR" altLang="en-US" dirty="0"/>
+              <a:t>이동한 </a:t>
+            </a:r>
+            <a:r>
+              <a:rPr lang="en-US" altLang="ko-KR" dirty="0"/>
+              <a:t>low</a:t>
+            </a:r>
+            <a:r>
+              <a:rPr lang="ko-KR" altLang="en-US" dirty="0"/>
               <a:t>가 </a:t>
             </a:r>
             <a:r>
-              <a:rPr lang="ko-KR" altLang="en-US" dirty="0" smtClean="0">
+              <a:rPr lang="en-US" altLang="ko-KR" dirty="0"/>
+              <a:t>pivot </a:t>
+            </a:r>
+            <a:r>
+              <a:rPr lang="ko-KR" altLang="en-US" dirty="0"/>
+              <a:t>보다 값이 크므로 </a:t>
+            </a:r>
+            <a:r>
+              <a:rPr lang="en-US" altLang="ko-KR" dirty="0"/>
+              <a:t>9</a:t>
+            </a:r>
+            <a:r>
+              <a:rPr lang="ko-KR" altLang="en-US" dirty="0"/>
+              <a:t>에서 멈춥니다</a:t>
+            </a:r>
+            <a:r>
+              <a:rPr lang="en-US" altLang="ko-KR" dirty="0"/>
+              <a:t>.</a:t>
+            </a:r>
+            <a:endParaRPr lang="ko-KR" altLang="en-US" dirty="0"/>
+          </a:p>
+          <a:p>
+            <a:endParaRPr lang="en-US" altLang="ko-KR" dirty="0"/>
+          </a:p>
+        </p:txBody>
+      </p:sp>
+      <p:sp>
+        <p:nvSpPr>
+          <p:cNvPr id="55" name="내용 개체 틀 2"/>
+          <p:cNvSpPr txBox="1">
+            <a:spLocks/>
+          </p:cNvSpPr>
+          <p:nvPr/>
+        </p:nvSpPr>
+        <p:spPr>
+          <a:xfrm>
+            <a:off x="946404" y="5285186"/>
+            <a:ext cx="7153988" cy="362604"/>
+          </a:xfrm>
+          <a:prstGeom prst="rect">
+            <a:avLst/>
+          </a:prstGeom>
+        </p:spPr>
+        <p:txBody>
+          <a:bodyPr vert="horz" lIns="91440" tIns="45720" rIns="91440" bIns="45720" rtlCol="0">
+            <a:normAutofit lnSpcReduction="10000"/>
+          </a:bodyPr>
+          <a:lstStyle>
+            <a:lvl1pPr marL="182880" indent="-182880" algn="l" defTabSz="914400" rtl="0" eaLnBrk="1" latinLnBrk="1" hangingPunct="1">
+              <a:lnSpc>
+                <a:spcPct val="95000"/>
+              </a:lnSpc>
+              <a:spcBef>
+                <a:spcPts val="1400"/>
+              </a:spcBef>
+              <a:spcAft>
+                <a:spcPts val="200"/>
+              </a:spcAft>
+              <a:buClr>
+                <a:schemeClr val="accent1"/>
+              </a:buClr>
+              <a:buSzPct val="80000"/>
+              <a:buFont typeface="Arial" pitchFamily="34" charset="0"/>
+              <a:buChar char="•"/>
+              <a:defRPr sz="1800" kern="1200" spc="10" baseline="0">
+                <a:solidFill>
+                  <a:schemeClr val="tx1"/>
+                </a:solidFill>
+                <a:latin typeface="+mn-lt"/>
+                <a:ea typeface="+mn-ea"/>
+                <a:cs typeface="+mn-cs"/>
+              </a:defRPr>
+            </a:lvl1pPr>
+            <a:lvl2pPr marL="457200" indent="-182880" algn="l" defTabSz="914400" rtl="0" eaLnBrk="1" latinLnBrk="1" hangingPunct="1">
+              <a:lnSpc>
+                <a:spcPct val="90000"/>
+              </a:lnSpc>
+              <a:spcBef>
+                <a:spcPts val="300"/>
+              </a:spcBef>
+              <a:spcAft>
+                <a:spcPts val="300"/>
+              </a:spcAft>
+              <a:buClr>
+                <a:schemeClr val="accent1"/>
+              </a:buClr>
+              <a:buFont typeface="Wingdings 2" pitchFamily="18" charset="2"/>
+              <a:buChar char=""/>
+              <a:defRPr sz="1600" kern="1200">
+                <a:solidFill>
+                  <a:schemeClr val="tx1">
+                    <a:lumMod val="85000"/>
+                    <a:lumOff val="15000"/>
+                  </a:schemeClr>
+                </a:solidFill>
+                <a:latin typeface="+mn-lt"/>
+                <a:ea typeface="+mn-ea"/>
+                <a:cs typeface="+mn-cs"/>
+              </a:defRPr>
+            </a:lvl2pPr>
+            <a:lvl3pPr marL="731520" indent="-182880" algn="l" defTabSz="914400" rtl="0" eaLnBrk="1" latinLnBrk="1" hangingPunct="1">
+              <a:lnSpc>
+                <a:spcPct val="90000"/>
+              </a:lnSpc>
+              <a:spcBef>
+                <a:spcPts val="300"/>
+              </a:spcBef>
+              <a:spcAft>
+                <a:spcPts val="300"/>
+              </a:spcAft>
+              <a:buClr>
+                <a:schemeClr val="accent1"/>
+              </a:buClr>
+              <a:buFont typeface="Wingdings 2" pitchFamily="18" charset="2"/>
+              <a:buChar char=""/>
+              <a:defRPr sz="1400" kern="1200">
+                <a:solidFill>
+                  <a:schemeClr val="tx1">
+                    <a:lumMod val="85000"/>
+                    <a:lumOff val="15000"/>
+                  </a:schemeClr>
+                </a:solidFill>
+                <a:latin typeface="+mn-lt"/>
+                <a:ea typeface="+mn-ea"/>
+                <a:cs typeface="+mn-cs"/>
+              </a:defRPr>
+            </a:lvl3pPr>
+            <a:lvl4pPr marL="1005840" indent="-182880" algn="l" defTabSz="914400" rtl="0" eaLnBrk="1" latinLnBrk="1" hangingPunct="1">
+              <a:lnSpc>
+                <a:spcPct val="90000"/>
+              </a:lnSpc>
+              <a:spcBef>
+                <a:spcPts val="300"/>
+              </a:spcBef>
+              <a:spcAft>
+                <a:spcPts val="300"/>
+              </a:spcAft>
+              <a:buClr>
+                <a:schemeClr val="accent1"/>
+              </a:buClr>
+              <a:buFont typeface="Wingdings 2" pitchFamily="18" charset="2"/>
+              <a:buChar char=""/>
+              <a:defRPr sz="1400" kern="1200">
+                <a:solidFill>
+                  <a:schemeClr val="tx1">
+                    <a:lumMod val="85000"/>
+                    <a:lumOff val="15000"/>
+                  </a:schemeClr>
+                </a:solidFill>
+                <a:latin typeface="+mn-lt"/>
+                <a:ea typeface="+mn-ea"/>
+                <a:cs typeface="+mn-cs"/>
+              </a:defRPr>
+            </a:lvl4pPr>
+            <a:lvl5pPr marL="1280160" indent="-182880" algn="l" defTabSz="914400" rtl="0" eaLnBrk="1" latinLnBrk="1" hangingPunct="1">
+              <a:lnSpc>
+                <a:spcPct val="90000"/>
+              </a:lnSpc>
+              <a:spcBef>
+                <a:spcPts val="300"/>
+              </a:spcBef>
+              <a:spcAft>
+                <a:spcPts val="300"/>
+              </a:spcAft>
+              <a:buClr>
+                <a:schemeClr val="accent1"/>
+              </a:buClr>
+              <a:buFont typeface="Wingdings 2" pitchFamily="18" charset="2"/>
+              <a:buChar char=""/>
+              <a:defRPr sz="1400" kern="1200">
+                <a:solidFill>
+                  <a:schemeClr val="tx1">
+                    <a:lumMod val="85000"/>
+                    <a:lumOff val="15000"/>
+                  </a:schemeClr>
+                </a:solidFill>
+                <a:latin typeface="+mn-lt"/>
+                <a:ea typeface="+mn-ea"/>
+                <a:cs typeface="+mn-cs"/>
+              </a:defRPr>
+            </a:lvl5pPr>
+            <a:lvl6pPr marL="1600000" indent="-228600" algn="l" defTabSz="914400" rtl="0" eaLnBrk="1" latinLnBrk="1" hangingPunct="1">
+              <a:lnSpc>
+                <a:spcPct val="90000"/>
+              </a:lnSpc>
+              <a:spcBef>
+                <a:spcPts val="300"/>
+              </a:spcBef>
+              <a:spcAft>
+                <a:spcPts val="300"/>
+              </a:spcAft>
+              <a:buClr>
+                <a:schemeClr val="accent1"/>
+              </a:buClr>
+              <a:buFont typeface="Wingdings 2" pitchFamily="18" charset="2"/>
+              <a:buChar char=""/>
+              <a:defRPr sz="1400" kern="1200">
+                <a:solidFill>
+                  <a:schemeClr val="tx1">
+                    <a:lumMod val="85000"/>
+                    <a:lumOff val="15000"/>
+                  </a:schemeClr>
+                </a:solidFill>
+                <a:latin typeface="+mn-lt"/>
+                <a:ea typeface="+mn-ea"/>
+                <a:cs typeface="+mn-cs"/>
+              </a:defRPr>
+            </a:lvl6pPr>
+            <a:lvl7pPr marL="1900000" indent="-228600" algn="l" defTabSz="914400" rtl="0" eaLnBrk="1" latinLnBrk="1" hangingPunct="1">
+              <a:lnSpc>
+                <a:spcPct val="90000"/>
+              </a:lnSpc>
+              <a:spcBef>
+                <a:spcPts val="300"/>
+              </a:spcBef>
+              <a:spcAft>
+                <a:spcPts val="300"/>
+              </a:spcAft>
+              <a:buClr>
+                <a:schemeClr val="accent1"/>
+              </a:buClr>
+              <a:buFont typeface="Wingdings 2" pitchFamily="18" charset="2"/>
+              <a:buChar char=""/>
+              <a:defRPr sz="1400" kern="1200">
+                <a:solidFill>
+                  <a:schemeClr val="tx1">
+                    <a:lumMod val="85000"/>
+                    <a:lumOff val="15000"/>
+                  </a:schemeClr>
+                </a:solidFill>
+                <a:latin typeface="+mn-lt"/>
+                <a:ea typeface="+mn-ea"/>
+                <a:cs typeface="+mn-cs"/>
+              </a:defRPr>
+            </a:lvl7pPr>
+            <a:lvl8pPr marL="2200000" indent="-228600" algn="l" defTabSz="914400" rtl="0" eaLnBrk="1" latinLnBrk="1" hangingPunct="1">
+              <a:lnSpc>
+                <a:spcPct val="90000"/>
+              </a:lnSpc>
+              <a:spcBef>
+                <a:spcPts val="300"/>
+              </a:spcBef>
+              <a:spcAft>
+                <a:spcPts val="300"/>
+              </a:spcAft>
+              <a:buClr>
+                <a:schemeClr val="accent1"/>
+              </a:buClr>
+              <a:buFont typeface="Wingdings 2" pitchFamily="18" charset="2"/>
+              <a:buChar char=""/>
+              <a:defRPr sz="1400" kern="1200">
+                <a:solidFill>
+                  <a:schemeClr val="tx1">
+                    <a:lumMod val="85000"/>
+                    <a:lumOff val="15000"/>
+                  </a:schemeClr>
+                </a:solidFill>
+                <a:latin typeface="+mn-lt"/>
+                <a:ea typeface="+mn-ea"/>
+                <a:cs typeface="+mn-cs"/>
+              </a:defRPr>
+            </a:lvl8pPr>
+            <a:lvl9pPr marL="2500000" indent="-228600" algn="l" defTabSz="914400" rtl="0" eaLnBrk="1" latinLnBrk="1" hangingPunct="1">
+              <a:lnSpc>
+                <a:spcPct val="90000"/>
+              </a:lnSpc>
+              <a:spcBef>
+                <a:spcPts val="300"/>
+              </a:spcBef>
+              <a:spcAft>
+                <a:spcPts val="300"/>
+              </a:spcAft>
+              <a:buClr>
+                <a:schemeClr val="accent1"/>
+              </a:buClr>
+              <a:buFont typeface="Wingdings 2" pitchFamily="18" charset="2"/>
+              <a:buChar char=""/>
+              <a:defRPr sz="1400" kern="1200">
+                <a:solidFill>
+                  <a:schemeClr val="tx1">
+                    <a:lumMod val="85000"/>
+                    <a:lumOff val="15000"/>
+                  </a:schemeClr>
+                </a:solidFill>
+                <a:latin typeface="+mn-lt"/>
+                <a:ea typeface="+mn-ea"/>
+                <a:cs typeface="+mn-cs"/>
+              </a:defRPr>
+            </a:lvl9pPr>
+          </a:lstStyle>
+          <a:p>
+            <a:r>
+              <a:rPr lang="ko-KR" altLang="en-US" dirty="0"/>
+              <a:t>다음 </a:t>
+            </a:r>
+            <a:r>
+              <a:rPr lang="en-US" altLang="ko-KR" dirty="0"/>
+              <a:t>high</a:t>
+            </a:r>
+            <a:r>
+              <a:rPr lang="ko-KR" altLang="en-US" dirty="0"/>
+              <a:t>를 이동시킵니다</a:t>
+            </a:r>
+            <a:r>
+              <a:rPr lang="en-US" altLang="ko-KR" dirty="0"/>
+              <a:t>.</a:t>
+            </a:r>
+            <a:endParaRPr lang="ko-KR" altLang="en-US" dirty="0"/>
+          </a:p>
+          <a:p>
+            <a:endParaRPr lang="ko-KR" altLang="en-US" dirty="0"/>
+          </a:p>
+        </p:txBody>
+      </p:sp>
+      <p:sp>
+        <p:nvSpPr>
+          <p:cNvPr id="56" name="내용 개체 틀 2"/>
+          <p:cNvSpPr txBox="1">
+            <a:spLocks/>
+          </p:cNvSpPr>
+          <p:nvPr/>
+        </p:nvSpPr>
+        <p:spPr>
+          <a:xfrm>
+            <a:off x="946404" y="5589240"/>
+            <a:ext cx="7153988" cy="792088"/>
+          </a:xfrm>
+          <a:prstGeom prst="rect">
+            <a:avLst/>
+          </a:prstGeom>
+        </p:spPr>
+        <p:txBody>
+          <a:bodyPr vert="horz" lIns="91440" tIns="45720" rIns="91440" bIns="45720" rtlCol="0">
+            <a:normAutofit/>
+          </a:bodyPr>
+          <a:lstStyle>
+            <a:lvl1pPr marL="182880" indent="-182880" algn="l" defTabSz="914400" rtl="0" eaLnBrk="1" latinLnBrk="1" hangingPunct="1">
+              <a:lnSpc>
+                <a:spcPct val="95000"/>
+              </a:lnSpc>
+              <a:spcBef>
+                <a:spcPts val="1400"/>
+              </a:spcBef>
+              <a:spcAft>
+                <a:spcPts val="200"/>
+              </a:spcAft>
+              <a:buClr>
+                <a:schemeClr val="accent1"/>
+              </a:buClr>
+              <a:buSzPct val="80000"/>
+              <a:buFont typeface="Arial" pitchFamily="34" charset="0"/>
+              <a:buChar char="•"/>
+              <a:defRPr sz="1800" kern="1200" spc="10" baseline="0">
+                <a:solidFill>
+                  <a:schemeClr val="tx1"/>
+                </a:solidFill>
+                <a:latin typeface="+mn-lt"/>
+                <a:ea typeface="+mn-ea"/>
+                <a:cs typeface="+mn-cs"/>
+              </a:defRPr>
+            </a:lvl1pPr>
+            <a:lvl2pPr marL="457200" indent="-182880" algn="l" defTabSz="914400" rtl="0" eaLnBrk="1" latinLnBrk="1" hangingPunct="1">
+              <a:lnSpc>
+                <a:spcPct val="90000"/>
+              </a:lnSpc>
+              <a:spcBef>
+                <a:spcPts val="300"/>
+              </a:spcBef>
+              <a:spcAft>
+                <a:spcPts val="300"/>
+              </a:spcAft>
+              <a:buClr>
+                <a:schemeClr val="accent1"/>
+              </a:buClr>
+              <a:buFont typeface="Wingdings 2" pitchFamily="18" charset="2"/>
+              <a:buChar char=""/>
+              <a:defRPr sz="1600" kern="1200">
+                <a:solidFill>
+                  <a:schemeClr val="tx1">
+                    <a:lumMod val="85000"/>
+                    <a:lumOff val="15000"/>
+                  </a:schemeClr>
+                </a:solidFill>
+                <a:latin typeface="+mn-lt"/>
+                <a:ea typeface="+mn-ea"/>
+                <a:cs typeface="+mn-cs"/>
+              </a:defRPr>
+            </a:lvl2pPr>
+            <a:lvl3pPr marL="731520" indent="-182880" algn="l" defTabSz="914400" rtl="0" eaLnBrk="1" latinLnBrk="1" hangingPunct="1">
+              <a:lnSpc>
+                <a:spcPct val="90000"/>
+              </a:lnSpc>
+              <a:spcBef>
+                <a:spcPts val="300"/>
+              </a:spcBef>
+              <a:spcAft>
+                <a:spcPts val="300"/>
+              </a:spcAft>
+              <a:buClr>
+                <a:schemeClr val="accent1"/>
+              </a:buClr>
+              <a:buFont typeface="Wingdings 2" pitchFamily="18" charset="2"/>
+              <a:buChar char=""/>
+              <a:defRPr sz="1400" kern="1200">
+                <a:solidFill>
+                  <a:schemeClr val="tx1">
+                    <a:lumMod val="85000"/>
+                    <a:lumOff val="15000"/>
+                  </a:schemeClr>
+                </a:solidFill>
+                <a:latin typeface="+mn-lt"/>
+                <a:ea typeface="+mn-ea"/>
+                <a:cs typeface="+mn-cs"/>
+              </a:defRPr>
+            </a:lvl3pPr>
+            <a:lvl4pPr marL="1005840" indent="-182880" algn="l" defTabSz="914400" rtl="0" eaLnBrk="1" latinLnBrk="1" hangingPunct="1">
+              <a:lnSpc>
+                <a:spcPct val="90000"/>
+              </a:lnSpc>
+              <a:spcBef>
+                <a:spcPts val="300"/>
+              </a:spcBef>
+              <a:spcAft>
+                <a:spcPts val="300"/>
+              </a:spcAft>
+              <a:buClr>
+                <a:schemeClr val="accent1"/>
+              </a:buClr>
+              <a:buFont typeface="Wingdings 2" pitchFamily="18" charset="2"/>
+              <a:buChar char=""/>
+              <a:defRPr sz="1400" kern="1200">
+                <a:solidFill>
+                  <a:schemeClr val="tx1">
+                    <a:lumMod val="85000"/>
+                    <a:lumOff val="15000"/>
+                  </a:schemeClr>
+                </a:solidFill>
+                <a:latin typeface="+mn-lt"/>
+                <a:ea typeface="+mn-ea"/>
+                <a:cs typeface="+mn-cs"/>
+              </a:defRPr>
+            </a:lvl4pPr>
+            <a:lvl5pPr marL="1280160" indent="-182880" algn="l" defTabSz="914400" rtl="0" eaLnBrk="1" latinLnBrk="1" hangingPunct="1">
+              <a:lnSpc>
+                <a:spcPct val="90000"/>
+              </a:lnSpc>
+              <a:spcBef>
+                <a:spcPts val="300"/>
+              </a:spcBef>
+              <a:spcAft>
+                <a:spcPts val="300"/>
+              </a:spcAft>
+              <a:buClr>
+                <a:schemeClr val="accent1"/>
+              </a:buClr>
+              <a:buFont typeface="Wingdings 2" pitchFamily="18" charset="2"/>
+              <a:buChar char=""/>
+              <a:defRPr sz="1400" kern="1200">
+                <a:solidFill>
+                  <a:schemeClr val="tx1">
+                    <a:lumMod val="85000"/>
+                    <a:lumOff val="15000"/>
+                  </a:schemeClr>
+                </a:solidFill>
+                <a:latin typeface="+mn-lt"/>
+                <a:ea typeface="+mn-ea"/>
+                <a:cs typeface="+mn-cs"/>
+              </a:defRPr>
+            </a:lvl5pPr>
+            <a:lvl6pPr marL="1600000" indent="-228600" algn="l" defTabSz="914400" rtl="0" eaLnBrk="1" latinLnBrk="1" hangingPunct="1">
+              <a:lnSpc>
+                <a:spcPct val="90000"/>
+              </a:lnSpc>
+              <a:spcBef>
+                <a:spcPts val="300"/>
+              </a:spcBef>
+              <a:spcAft>
+                <a:spcPts val="300"/>
+              </a:spcAft>
+              <a:buClr>
+                <a:schemeClr val="accent1"/>
+              </a:buClr>
+              <a:buFont typeface="Wingdings 2" pitchFamily="18" charset="2"/>
+              <a:buChar char=""/>
+              <a:defRPr sz="1400" kern="1200">
+                <a:solidFill>
+                  <a:schemeClr val="tx1">
+                    <a:lumMod val="85000"/>
+                    <a:lumOff val="15000"/>
+                  </a:schemeClr>
+                </a:solidFill>
+                <a:latin typeface="+mn-lt"/>
+                <a:ea typeface="+mn-ea"/>
+                <a:cs typeface="+mn-cs"/>
+              </a:defRPr>
+            </a:lvl6pPr>
+            <a:lvl7pPr marL="1900000" indent="-228600" algn="l" defTabSz="914400" rtl="0" eaLnBrk="1" latinLnBrk="1" hangingPunct="1">
+              <a:lnSpc>
+                <a:spcPct val="90000"/>
+              </a:lnSpc>
+              <a:spcBef>
+                <a:spcPts val="300"/>
+              </a:spcBef>
+              <a:spcAft>
+                <a:spcPts val="300"/>
+              </a:spcAft>
+              <a:buClr>
+                <a:schemeClr val="accent1"/>
+              </a:buClr>
+              <a:buFont typeface="Wingdings 2" pitchFamily="18" charset="2"/>
+              <a:buChar char=""/>
+              <a:defRPr sz="1400" kern="1200">
+                <a:solidFill>
+                  <a:schemeClr val="tx1">
+                    <a:lumMod val="85000"/>
+                    <a:lumOff val="15000"/>
+                  </a:schemeClr>
+                </a:solidFill>
+                <a:latin typeface="+mn-lt"/>
+                <a:ea typeface="+mn-ea"/>
+                <a:cs typeface="+mn-cs"/>
+              </a:defRPr>
+            </a:lvl7pPr>
+            <a:lvl8pPr marL="2200000" indent="-228600" algn="l" defTabSz="914400" rtl="0" eaLnBrk="1" latinLnBrk="1" hangingPunct="1">
+              <a:lnSpc>
+                <a:spcPct val="90000"/>
+              </a:lnSpc>
+              <a:spcBef>
+                <a:spcPts val="300"/>
+              </a:spcBef>
+              <a:spcAft>
+                <a:spcPts val="300"/>
+              </a:spcAft>
+              <a:buClr>
+                <a:schemeClr val="accent1"/>
+              </a:buClr>
+              <a:buFont typeface="Wingdings 2" pitchFamily="18" charset="2"/>
+              <a:buChar char=""/>
+              <a:defRPr sz="1400" kern="1200">
+                <a:solidFill>
+                  <a:schemeClr val="tx1">
+                    <a:lumMod val="85000"/>
+                    <a:lumOff val="15000"/>
+                  </a:schemeClr>
+                </a:solidFill>
+                <a:latin typeface="+mn-lt"/>
+                <a:ea typeface="+mn-ea"/>
+                <a:cs typeface="+mn-cs"/>
+              </a:defRPr>
+            </a:lvl8pPr>
+            <a:lvl9pPr marL="2500000" indent="-228600" algn="l" defTabSz="914400" rtl="0" eaLnBrk="1" latinLnBrk="1" hangingPunct="1">
+              <a:lnSpc>
+                <a:spcPct val="90000"/>
+              </a:lnSpc>
+              <a:spcBef>
+                <a:spcPts val="300"/>
+              </a:spcBef>
+              <a:spcAft>
+                <a:spcPts val="300"/>
+              </a:spcAft>
+              <a:buClr>
+                <a:schemeClr val="accent1"/>
+              </a:buClr>
+              <a:buFont typeface="Wingdings 2" pitchFamily="18" charset="2"/>
+              <a:buChar char=""/>
+              <a:defRPr sz="1400" kern="1200">
+                <a:solidFill>
+                  <a:schemeClr val="tx1">
+                    <a:lumMod val="85000"/>
+                    <a:lumOff val="15000"/>
+                  </a:schemeClr>
+                </a:solidFill>
+                <a:latin typeface="+mn-lt"/>
+                <a:ea typeface="+mn-ea"/>
+                <a:cs typeface="+mn-cs"/>
+              </a:defRPr>
+            </a:lvl9pPr>
+          </a:lstStyle>
+          <a:p>
+            <a:r>
+              <a:rPr lang="ko-KR" altLang="en-US" dirty="0"/>
+              <a:t>이동한 </a:t>
+            </a:r>
+            <a:r>
+              <a:rPr lang="en-US" altLang="ko-KR" dirty="0"/>
+              <a:t>high</a:t>
+            </a:r>
+            <a:r>
+              <a:rPr lang="ko-KR" altLang="en-US" dirty="0"/>
+              <a:t>가 </a:t>
+            </a:r>
+            <a:r>
+              <a:rPr lang="en-US" altLang="ko-KR" dirty="0"/>
+              <a:t>pivot </a:t>
+            </a:r>
+            <a:r>
+              <a:rPr lang="ko-KR" altLang="en-US" dirty="0"/>
+              <a:t>보다 값이 작으므로 </a:t>
+            </a:r>
+            <a:r>
+              <a:rPr lang="en-US" altLang="ko-KR" dirty="0"/>
+              <a:t>2</a:t>
+            </a:r>
+            <a:r>
+              <a:rPr lang="ko-KR" altLang="en-US" dirty="0"/>
+              <a:t>에서 멈춥니다</a:t>
+            </a:r>
+            <a:r>
+              <a:rPr lang="en-US" altLang="ko-KR" dirty="0"/>
+              <a:t>.</a:t>
+            </a:r>
+            <a:endParaRPr lang="ko-KR" altLang="en-US" dirty="0"/>
+          </a:p>
+          <a:p>
+            <a:endParaRPr lang="en-US" altLang="ko-KR" dirty="0"/>
+          </a:p>
+        </p:txBody>
+      </p:sp>
+      <p:sp>
+        <p:nvSpPr>
+          <p:cNvPr id="57" name="내용 개체 틀 2"/>
+          <p:cNvSpPr txBox="1">
+            <a:spLocks/>
+          </p:cNvSpPr>
+          <p:nvPr/>
+        </p:nvSpPr>
+        <p:spPr>
+          <a:xfrm>
+            <a:off x="935698" y="6021288"/>
+            <a:ext cx="7153988" cy="664094"/>
+          </a:xfrm>
+          <a:prstGeom prst="rect">
+            <a:avLst/>
+          </a:prstGeom>
+        </p:spPr>
+        <p:txBody>
+          <a:bodyPr vert="horz" lIns="91440" tIns="45720" rIns="91440" bIns="45720" rtlCol="0">
+            <a:normAutofit fontScale="85000" lnSpcReduction="20000"/>
+          </a:bodyPr>
+          <a:lstStyle>
+            <a:lvl1pPr marL="182880" indent="-182880" algn="l" defTabSz="914400" rtl="0" eaLnBrk="1" latinLnBrk="1" hangingPunct="1">
+              <a:lnSpc>
+                <a:spcPct val="95000"/>
+              </a:lnSpc>
+              <a:spcBef>
+                <a:spcPts val="1400"/>
+              </a:spcBef>
+              <a:spcAft>
+                <a:spcPts val="200"/>
+              </a:spcAft>
+              <a:buClr>
+                <a:schemeClr val="accent1"/>
+              </a:buClr>
+              <a:buSzPct val="80000"/>
+              <a:buFont typeface="Arial" pitchFamily="34" charset="0"/>
+              <a:buChar char="•"/>
+              <a:defRPr sz="1800" kern="1200" spc="10" baseline="0">
+                <a:solidFill>
+                  <a:schemeClr val="tx1"/>
+                </a:solidFill>
+                <a:latin typeface="+mn-lt"/>
+                <a:ea typeface="+mn-ea"/>
+                <a:cs typeface="+mn-cs"/>
+              </a:defRPr>
+            </a:lvl1pPr>
+            <a:lvl2pPr marL="457200" indent="-182880" algn="l" defTabSz="914400" rtl="0" eaLnBrk="1" latinLnBrk="1" hangingPunct="1">
+              <a:lnSpc>
+                <a:spcPct val="90000"/>
+              </a:lnSpc>
+              <a:spcBef>
+                <a:spcPts val="300"/>
+              </a:spcBef>
+              <a:spcAft>
+                <a:spcPts val="300"/>
+              </a:spcAft>
+              <a:buClr>
+                <a:schemeClr val="accent1"/>
+              </a:buClr>
+              <a:buFont typeface="Wingdings 2" pitchFamily="18" charset="2"/>
+              <a:buChar char=""/>
+              <a:defRPr sz="1600" kern="1200">
+                <a:solidFill>
+                  <a:schemeClr val="tx1">
+                    <a:lumMod val="85000"/>
+                    <a:lumOff val="15000"/>
+                  </a:schemeClr>
+                </a:solidFill>
+                <a:latin typeface="+mn-lt"/>
+                <a:ea typeface="+mn-ea"/>
+                <a:cs typeface="+mn-cs"/>
+              </a:defRPr>
+            </a:lvl2pPr>
+            <a:lvl3pPr marL="731520" indent="-182880" algn="l" defTabSz="914400" rtl="0" eaLnBrk="1" latinLnBrk="1" hangingPunct="1">
+              <a:lnSpc>
+                <a:spcPct val="90000"/>
+              </a:lnSpc>
+              <a:spcBef>
+                <a:spcPts val="300"/>
+              </a:spcBef>
+              <a:spcAft>
+                <a:spcPts val="300"/>
+              </a:spcAft>
+              <a:buClr>
+                <a:schemeClr val="accent1"/>
+              </a:buClr>
+              <a:buFont typeface="Wingdings 2" pitchFamily="18" charset="2"/>
+              <a:buChar char=""/>
+              <a:defRPr sz="1400" kern="1200">
+                <a:solidFill>
+                  <a:schemeClr val="tx1">
+                    <a:lumMod val="85000"/>
+                    <a:lumOff val="15000"/>
+                  </a:schemeClr>
+                </a:solidFill>
+                <a:latin typeface="+mn-lt"/>
+                <a:ea typeface="+mn-ea"/>
+                <a:cs typeface="+mn-cs"/>
+              </a:defRPr>
+            </a:lvl3pPr>
+            <a:lvl4pPr marL="1005840" indent="-182880" algn="l" defTabSz="914400" rtl="0" eaLnBrk="1" latinLnBrk="1" hangingPunct="1">
+              <a:lnSpc>
+                <a:spcPct val="90000"/>
+              </a:lnSpc>
+              <a:spcBef>
+                <a:spcPts val="300"/>
+              </a:spcBef>
+              <a:spcAft>
+                <a:spcPts val="300"/>
+              </a:spcAft>
+              <a:buClr>
+                <a:schemeClr val="accent1"/>
+              </a:buClr>
+              <a:buFont typeface="Wingdings 2" pitchFamily="18" charset="2"/>
+              <a:buChar char=""/>
+              <a:defRPr sz="1400" kern="1200">
+                <a:solidFill>
+                  <a:schemeClr val="tx1">
+                    <a:lumMod val="85000"/>
+                    <a:lumOff val="15000"/>
+                  </a:schemeClr>
+                </a:solidFill>
+                <a:latin typeface="+mn-lt"/>
+                <a:ea typeface="+mn-ea"/>
+                <a:cs typeface="+mn-cs"/>
+              </a:defRPr>
+            </a:lvl4pPr>
+            <a:lvl5pPr marL="1280160" indent="-182880" algn="l" defTabSz="914400" rtl="0" eaLnBrk="1" latinLnBrk="1" hangingPunct="1">
+              <a:lnSpc>
+                <a:spcPct val="90000"/>
+              </a:lnSpc>
+              <a:spcBef>
+                <a:spcPts val="300"/>
+              </a:spcBef>
+              <a:spcAft>
+                <a:spcPts val="300"/>
+              </a:spcAft>
+              <a:buClr>
+                <a:schemeClr val="accent1"/>
+              </a:buClr>
+              <a:buFont typeface="Wingdings 2" pitchFamily="18" charset="2"/>
+              <a:buChar char=""/>
+              <a:defRPr sz="1400" kern="1200">
+                <a:solidFill>
+                  <a:schemeClr val="tx1">
+                    <a:lumMod val="85000"/>
+                    <a:lumOff val="15000"/>
+                  </a:schemeClr>
+                </a:solidFill>
+                <a:latin typeface="+mn-lt"/>
+                <a:ea typeface="+mn-ea"/>
+                <a:cs typeface="+mn-cs"/>
+              </a:defRPr>
+            </a:lvl5pPr>
+            <a:lvl6pPr marL="1600000" indent="-228600" algn="l" defTabSz="914400" rtl="0" eaLnBrk="1" latinLnBrk="1" hangingPunct="1">
+              <a:lnSpc>
+                <a:spcPct val="90000"/>
+              </a:lnSpc>
+              <a:spcBef>
+                <a:spcPts val="300"/>
+              </a:spcBef>
+              <a:spcAft>
+                <a:spcPts val="300"/>
+              </a:spcAft>
+              <a:buClr>
+                <a:schemeClr val="accent1"/>
+              </a:buClr>
+              <a:buFont typeface="Wingdings 2" pitchFamily="18" charset="2"/>
+              <a:buChar char=""/>
+              <a:defRPr sz="1400" kern="1200">
+                <a:solidFill>
+                  <a:schemeClr val="tx1">
+                    <a:lumMod val="85000"/>
+                    <a:lumOff val="15000"/>
+                  </a:schemeClr>
+                </a:solidFill>
+                <a:latin typeface="+mn-lt"/>
+                <a:ea typeface="+mn-ea"/>
+                <a:cs typeface="+mn-cs"/>
+              </a:defRPr>
+            </a:lvl6pPr>
+            <a:lvl7pPr marL="1900000" indent="-228600" algn="l" defTabSz="914400" rtl="0" eaLnBrk="1" latinLnBrk="1" hangingPunct="1">
+              <a:lnSpc>
+                <a:spcPct val="90000"/>
+              </a:lnSpc>
+              <a:spcBef>
+                <a:spcPts val="300"/>
+              </a:spcBef>
+              <a:spcAft>
+                <a:spcPts val="300"/>
+              </a:spcAft>
+              <a:buClr>
+                <a:schemeClr val="accent1"/>
+              </a:buClr>
+              <a:buFont typeface="Wingdings 2" pitchFamily="18" charset="2"/>
+              <a:buChar char=""/>
+              <a:defRPr sz="1400" kern="1200">
+                <a:solidFill>
+                  <a:schemeClr val="tx1">
+                    <a:lumMod val="85000"/>
+                    <a:lumOff val="15000"/>
+                  </a:schemeClr>
+                </a:solidFill>
+                <a:latin typeface="+mn-lt"/>
+                <a:ea typeface="+mn-ea"/>
+                <a:cs typeface="+mn-cs"/>
+              </a:defRPr>
+            </a:lvl7pPr>
+            <a:lvl8pPr marL="2200000" indent="-228600" algn="l" defTabSz="914400" rtl="0" eaLnBrk="1" latinLnBrk="1" hangingPunct="1">
+              <a:lnSpc>
+                <a:spcPct val="90000"/>
+              </a:lnSpc>
+              <a:spcBef>
+                <a:spcPts val="300"/>
+              </a:spcBef>
+              <a:spcAft>
+                <a:spcPts val="300"/>
+              </a:spcAft>
+              <a:buClr>
+                <a:schemeClr val="accent1"/>
+              </a:buClr>
+              <a:buFont typeface="Wingdings 2" pitchFamily="18" charset="2"/>
+              <a:buChar char=""/>
+              <a:defRPr sz="1400" kern="1200">
+                <a:solidFill>
+                  <a:schemeClr val="tx1">
+                    <a:lumMod val="85000"/>
+                    <a:lumOff val="15000"/>
+                  </a:schemeClr>
+                </a:solidFill>
+                <a:latin typeface="+mn-lt"/>
+                <a:ea typeface="+mn-ea"/>
+                <a:cs typeface="+mn-cs"/>
+              </a:defRPr>
+            </a:lvl8pPr>
+            <a:lvl9pPr marL="2500000" indent="-228600" algn="l" defTabSz="914400" rtl="0" eaLnBrk="1" latinLnBrk="1" hangingPunct="1">
+              <a:lnSpc>
+                <a:spcPct val="90000"/>
+              </a:lnSpc>
+              <a:spcBef>
+                <a:spcPts val="300"/>
+              </a:spcBef>
+              <a:spcAft>
+                <a:spcPts val="300"/>
+              </a:spcAft>
+              <a:buClr>
+                <a:schemeClr val="accent1"/>
+              </a:buClr>
+              <a:buFont typeface="Wingdings 2" pitchFamily="18" charset="2"/>
+              <a:buChar char=""/>
+              <a:defRPr sz="1400" kern="1200">
+                <a:solidFill>
+                  <a:schemeClr val="tx1">
+                    <a:lumMod val="85000"/>
+                    <a:lumOff val="15000"/>
+                  </a:schemeClr>
+                </a:solidFill>
+                <a:latin typeface="+mn-lt"/>
+                <a:ea typeface="+mn-ea"/>
+                <a:cs typeface="+mn-cs"/>
+              </a:defRPr>
+            </a:lvl9pPr>
+          </a:lstStyle>
+          <a:p>
+            <a:r>
+              <a:rPr lang="en-US" altLang="ko-KR" dirty="0"/>
+              <a:t>Low</a:t>
+            </a:r>
+            <a:r>
+              <a:rPr lang="ko-KR" altLang="en-US" dirty="0"/>
+              <a:t>와 </a:t>
+            </a:r>
+            <a:r>
+              <a:rPr lang="en-US" altLang="ko-KR" dirty="0"/>
+              <a:t>high</a:t>
+            </a:r>
+            <a:r>
+              <a:rPr lang="ko-KR" altLang="en-US" dirty="0"/>
+              <a:t>가 </a:t>
+            </a:r>
+            <a:r>
+              <a:rPr lang="ko-KR" altLang="en-US" dirty="0">
                 <a:solidFill>
                   <a:srgbClr val="FF0000"/>
                 </a:solidFill>
@@ -20271,135 +21332,59 @@
               <a:t>교차</a:t>
             </a:r>
             <a:r>
-              <a:rPr lang="ko-KR" altLang="en-US" dirty="0" smtClean="0"/>
+              <a:rPr lang="ko-KR" altLang="en-US" dirty="0"/>
+              <a:t>되었습니다</a:t>
+            </a:r>
+            <a:r>
+              <a:rPr lang="en-US" altLang="ko-KR" dirty="0"/>
+              <a:t>. </a:t>
+            </a:r>
+          </a:p>
+          <a:p>
+            <a:r>
+              <a:rPr lang="ko-KR" altLang="en-US" dirty="0">
+                <a:solidFill>
+                  <a:srgbClr val="FF0000"/>
+                </a:solidFill>
+              </a:rPr>
+              <a:t>교차</a:t>
+            </a:r>
+            <a:r>
+              <a:rPr lang="ko-KR" altLang="en-US" dirty="0"/>
               <a:t>가 되면 </a:t>
             </a:r>
             <a:r>
-              <a:rPr lang="en-US" altLang="ko-KR" dirty="0" smtClean="0"/>
-              <a:t>low</a:t>
-            </a:r>
-            <a:r>
-              <a:rPr lang="ko-KR" altLang="en-US" dirty="0" smtClean="0"/>
+              <a:rPr lang="en-US" altLang="ko-KR" dirty="0"/>
+              <a:t>Low</a:t>
+            </a:r>
+            <a:r>
+              <a:rPr lang="ko-KR" altLang="en-US" dirty="0"/>
               <a:t>와 </a:t>
             </a:r>
             <a:r>
-              <a:rPr lang="en-US" altLang="ko-KR" dirty="0" smtClean="0"/>
+              <a:rPr lang="en-US" altLang="ko-KR" dirty="0"/>
               <a:t>high</a:t>
             </a:r>
             <a:r>
-              <a:rPr lang="ko-KR" altLang="en-US" dirty="0" smtClean="0"/>
-              <a:t>의 이동을 멈춥니다</a:t>
-            </a:r>
-            <a:r>
-              <a:rPr lang="en-US" altLang="ko-KR" dirty="0" smtClean="0"/>
+              <a:rPr lang="ko-KR" altLang="en-US" dirty="0"/>
+              <a:t>를 </a:t>
+            </a:r>
+            <a:r>
+              <a:rPr lang="en-US" altLang="ko-KR" dirty="0"/>
+              <a:t>swap</a:t>
+            </a:r>
+            <a:r>
+              <a:rPr lang="ko-KR" altLang="en-US" dirty="0"/>
+              <a:t>하지 않고 다음 단계로 넘어갑니다</a:t>
+            </a:r>
+            <a:r>
+              <a:rPr lang="en-US" altLang="ko-KR" dirty="0"/>
               <a:t>.</a:t>
             </a:r>
             <a:endParaRPr lang="ko-KR" altLang="en-US" dirty="0"/>
           </a:p>
-        </p:txBody>
-      </p:sp>
-      <p:sp>
-        <p:nvSpPr>
-          <p:cNvPr id="30" name="직사각형 29"/>
-          <p:cNvSpPr/>
-          <p:nvPr/>
-        </p:nvSpPr>
-        <p:spPr>
-          <a:xfrm>
-            <a:off x="31804" y="3284835"/>
-            <a:ext cx="1104790" cy="769441"/>
-          </a:xfrm>
-          <a:prstGeom prst="rect">
-            <a:avLst/>
-          </a:prstGeom>
-          <a:noFill/>
-        </p:spPr>
-        <p:txBody>
-          <a:bodyPr wrap="none" lIns="91440" tIns="45720" rIns="91440" bIns="45720">
-            <a:spAutoFit/>
-          </a:bodyPr>
-          <a:lstStyle/>
-          <a:p>
-            <a:pPr algn="ctr"/>
-            <a:r>
-              <a:rPr lang="en-US" altLang="ko-KR" sz="4400" b="1" cap="none" spc="300" dirty="0" smtClean="0">
-                <a:ln w="11430" cmpd="sng">
-                  <a:solidFill>
-                    <a:schemeClr val="accent1">
-                      <a:tint val="10000"/>
-                    </a:schemeClr>
-                  </a:solidFill>
-                  <a:prstDash val="solid"/>
-                  <a:miter lim="800000"/>
-                </a:ln>
-                <a:gradFill>
-                  <a:gsLst>
-                    <a:gs pos="10000">
-                      <a:schemeClr val="accent1">
-                        <a:tint val="83000"/>
-                        <a:shade val="100000"/>
-                        <a:satMod val="200000"/>
-                      </a:schemeClr>
-                    </a:gs>
-                    <a:gs pos="75000">
-                      <a:schemeClr val="accent1">
-                        <a:tint val="100000"/>
-                        <a:shade val="50000"/>
-                        <a:satMod val="150000"/>
-                      </a:schemeClr>
-                    </a:gs>
-                  </a:gsLst>
-                  <a:lin ang="5400000"/>
-                </a:gradFill>
-                <a:effectLst>
-                  <a:glow rad="45500">
-                    <a:schemeClr val="accent1">
-                      <a:satMod val="220000"/>
-                      <a:alpha val="35000"/>
-                    </a:schemeClr>
-                  </a:glow>
-                </a:effectLst>
-              </a:rPr>
-              <a:t>2,3</a:t>
-            </a:r>
-            <a:endParaRPr lang="en-US" altLang="ko-KR" sz="5400" b="1" cap="none" spc="300" dirty="0">
-              <a:ln w="11430" cmpd="sng">
-                <a:solidFill>
-                  <a:schemeClr val="accent1">
-                    <a:tint val="10000"/>
-                  </a:schemeClr>
-                </a:solidFill>
-                <a:prstDash val="solid"/>
-                <a:miter lim="800000"/>
-              </a:ln>
-              <a:gradFill>
-                <a:gsLst>
-                  <a:gs pos="10000">
-                    <a:schemeClr val="accent1">
-                      <a:tint val="83000"/>
-                      <a:shade val="100000"/>
-                      <a:satMod val="200000"/>
-                    </a:schemeClr>
-                  </a:gs>
-                  <a:gs pos="75000">
-                    <a:schemeClr val="accent1">
-                      <a:tint val="100000"/>
-                      <a:shade val="50000"/>
-                      <a:satMod val="150000"/>
-                    </a:schemeClr>
-                  </a:gs>
-                </a:gsLst>
-                <a:lin ang="5400000"/>
-              </a:gradFill>
-              <a:effectLst>
-                <a:glow rad="45500">
-                  <a:schemeClr val="accent1">
-                    <a:satMod val="220000"/>
-                    <a:alpha val="35000"/>
-                  </a:schemeClr>
-                </a:glow>
-              </a:effectLst>
-            </a:endParaRPr>
+          <a:p>
+            <a:endParaRPr lang="en-US" altLang="ko-KR" dirty="0"/>
           </a:p>
         </p:txBody>
       </p:sp>
@@ -20434,36 +21419,14 @@
                             </p:stCondLst>
                             <p:childTnLst>
                               <p:par>
-                                <p:cTn id="5" presetID="35" presetClass="path" presetSubtype="0" accel="50000" decel="50000" fill="hold" nodeType="clickEffect">
+                                <p:cTn id="5" presetID="63" presetClass="path" presetSubtype="0" accel="50000" decel="50000" fill="hold" nodeType="clickEffect">
                                   <p:stCondLst>
                                     <p:cond delay="0"/>
                                   </p:stCondLst>
                                   <p:childTnLst>
-                                    <p:animMotion origin="layout" path="M 2.77778E-6 4.07407E-6 L -0.08177 4.07407E-6 " pathEditMode="relative" rAng="0" ptsTypes="AA">
+                                    <p:animMotion origin="layout" path="M -4.44444E-6 4.07407E-6 L 0.0823 0.09282 " pathEditMode="relative" rAng="0" ptsTypes="AA">
                                       <p:cBhvr>
                                         <p:cTn id="6" dur="2000" fill="hold"/>
-                                        <p:tgtEl>
-                                          <p:spTgt spid="41"/>
-                                        </p:tgtEl>
-                                        <p:attrNameLst>
-                                          <p:attrName>ppt_x</p:attrName>
-                                          <p:attrName>ppt_y</p:attrName>
-                                        </p:attrNameLst>
-                                      </p:cBhvr>
-                                      <p:rCtr x="-4097" y="0"/>
-                                    </p:animMotion>
-                                  </p:childTnLst>
-                                </p:cTn>
-                              </p:par>
-                              <p:par>
-                                <p:cTn id="7" presetID="63" presetClass="path" presetSubtype="0" accel="50000" decel="50000" fill="hold" nodeType="withEffect">
-                                  <p:stCondLst>
-                                    <p:cond delay="0"/>
-                                  </p:stCondLst>
-                                  <p:childTnLst>
-                                    <p:animMotion origin="layout" path="M 5.55556E-7 4.07407E-6 L 0.08715 4.07407E-6 " pathEditMode="relative" rAng="0" ptsTypes="AA">
-                                      <p:cBhvr>
-                                        <p:cTn id="8" dur="2000" fill="hold"/>
                                         <p:tgtEl>
                                           <p:spTgt spid="38"/>
                                         </p:tgtEl>
@@ -20472,7 +21435,7 @@
                                           <p:attrName>ppt_y</p:attrName>
                                         </p:attrNameLst>
                                       </p:cBhvr>
-                                      <p:rCtr x="4358" y="0"/>
+                                      <p:rCtr x="4115" y="4630"/>
                                     </p:animMotion>
                                   </p:childTnLst>
                                 </p:cTn>
@@ -20481,26 +21444,26 @@
                           </p:cTn>
                         </p:par>
                         <p:par>
-                          <p:cTn id="9" fill="hold">
+                          <p:cTn id="7" fill="hold">
                             <p:stCondLst>
                               <p:cond delay="2000"/>
                             </p:stCondLst>
                             <p:childTnLst>
                               <p:par>
-                                <p:cTn id="10" presetID="10" presetClass="entr" presetSubtype="0" fill="hold" grpId="0" nodeType="afterEffect">
+                                <p:cTn id="8" presetID="10" presetClass="entr" presetSubtype="0" fill="hold" grpId="0" nodeType="afterEffect">
                                   <p:stCondLst>
                                     <p:cond delay="0"/>
                                   </p:stCondLst>
                                   <p:childTnLst>
                                     <p:set>
                                       <p:cBhvr>
-                                        <p:cTn id="11" dur="1" fill="hold">
+                                        <p:cTn id="9" dur="1" fill="hold">
                                           <p:stCondLst>
                                             <p:cond delay="0"/>
                                           </p:stCondLst>
                                         </p:cTn>
                                         <p:tgtEl>
-                                          <p:spTgt spid="53"/>
+                                          <p:spTgt spid="54"/>
                                         </p:tgtEl>
                                         <p:attrNameLst>
                                           <p:attrName>style.visibility</p:attrName>
@@ -20512,9 +21475,213 @@
                                     </p:set>
                                     <p:animEffect transition="in" filter="fade">
                                       <p:cBhvr>
-                                        <p:cTn id="12" dur="500"/>
+                                        <p:cTn id="10" dur="500"/>
                                         <p:tgtEl>
-                                          <p:spTgt spid="53"/>
+                                          <p:spTgt spid="54"/>
+                                        </p:tgtEl>
+                                      </p:cBhvr>
+                                    </p:animEffect>
+                                  </p:childTnLst>
+                                </p:cTn>
+                              </p:par>
+                            </p:childTnLst>
+                          </p:cTn>
+                        </p:par>
+                      </p:childTnLst>
+                    </p:cTn>
+                  </p:par>
+                  <p:par>
+                    <p:cTn id="11" fill="hold">
+                      <p:stCondLst>
+                        <p:cond delay="indefinite"/>
+                      </p:stCondLst>
+                      <p:childTnLst>
+                        <p:par>
+                          <p:cTn id="12" fill="hold">
+                            <p:stCondLst>
+                              <p:cond delay="0"/>
+                            </p:stCondLst>
+                            <p:childTnLst>
+                              <p:par>
+                                <p:cTn id="13" presetID="1" presetClass="entr" presetSubtype="0" fill="hold" grpId="0" nodeType="clickEffect">
+                                  <p:stCondLst>
+                                    <p:cond delay="0"/>
+                                  </p:stCondLst>
+                                  <p:childTnLst>
+                                    <p:set>
+                                      <p:cBhvr>
+                                        <p:cTn id="14" dur="1" fill="hold">
+                                          <p:stCondLst>
+                                            <p:cond delay="0"/>
+                                          </p:stCondLst>
+                                        </p:cTn>
+                                        <p:tgtEl>
+                                          <p:spTgt spid="55"/>
+                                        </p:tgtEl>
+                                        <p:attrNameLst>
+                                          <p:attrName>style.visibility</p:attrName>
+                                        </p:attrNameLst>
+                                      </p:cBhvr>
+                                      <p:to>
+                                        <p:strVal val="visible"/>
+                                      </p:to>
+                                    </p:set>
+                                  </p:childTnLst>
+                                </p:cTn>
+                              </p:par>
+                            </p:childTnLst>
+                          </p:cTn>
+                        </p:par>
+                        <p:par>
+                          <p:cTn id="15" fill="hold">
+                            <p:stCondLst>
+                              <p:cond delay="0"/>
+                            </p:stCondLst>
+                            <p:childTnLst>
+                              <p:par>
+                                <p:cTn id="16" presetID="42" presetClass="path" presetSubtype="0" accel="50000" decel="50000" fill="hold" nodeType="afterEffect">
+                                  <p:stCondLst>
+                                    <p:cond delay="0"/>
+                                  </p:stCondLst>
+                                  <p:childTnLst>
+                                    <p:animMotion origin="layout" path="M 2.77778E-6 4.07407E-6 L -0.0809 4.44444E-6 " pathEditMode="relative" rAng="0" ptsTypes="AA">
+                                      <p:cBhvr>
+                                        <p:cTn id="17" dur="2000" fill="hold"/>
+                                        <p:tgtEl>
+                                          <p:spTgt spid="41"/>
+                                        </p:tgtEl>
+                                        <p:attrNameLst>
+                                          <p:attrName>ppt_x</p:attrName>
+                                          <p:attrName>ppt_y</p:attrName>
+                                        </p:attrNameLst>
+                                      </p:cBhvr>
+                                      <p:rCtr x="-4184" y="231"/>
+                                    </p:animMotion>
+                                  </p:childTnLst>
+                                </p:cTn>
+                              </p:par>
+                            </p:childTnLst>
+                          </p:cTn>
+                        </p:par>
+                        <p:par>
+                          <p:cTn id="18" fill="hold">
+                            <p:stCondLst>
+                              <p:cond delay="2000"/>
+                            </p:stCondLst>
+                            <p:childTnLst>
+                              <p:par>
+                                <p:cTn id="19" presetID="42" presetClass="path" presetSubtype="0" accel="50000" decel="50000" fill="hold" nodeType="afterEffect">
+                                  <p:stCondLst>
+                                    <p:cond delay="0"/>
+                                  </p:stCondLst>
+                                  <p:childTnLst>
+                                    <p:animMotion origin="layout" path="M 0.0823 0.09282 L 0.0809 2.59259E-6 " pathEditMode="relative" rAng="0" ptsTypes="AA">
+                                      <p:cBhvr>
+                                        <p:cTn id="20" dur="2000" fill="hold"/>
+                                        <p:tgtEl>
+                                          <p:spTgt spid="38"/>
+                                        </p:tgtEl>
+                                        <p:attrNameLst>
+                                          <p:attrName>ppt_x</p:attrName>
+                                          <p:attrName>ppt_y</p:attrName>
+                                        </p:attrNameLst>
+                                      </p:cBhvr>
+                                      <p:rCtr x="87" y="-4954"/>
+                                    </p:animMotion>
+                                  </p:childTnLst>
+                                </p:cTn>
+                              </p:par>
+                            </p:childTnLst>
+                          </p:cTn>
+                        </p:par>
+                        <p:par>
+                          <p:cTn id="21" fill="hold">
+                            <p:stCondLst>
+                              <p:cond delay="4000"/>
+                            </p:stCondLst>
+                            <p:childTnLst>
+                              <p:par>
+                                <p:cTn id="22" presetID="10" presetClass="entr" presetSubtype="0" fill="hold" grpId="0" nodeType="afterEffect">
+                                  <p:stCondLst>
+                                    <p:cond delay="0"/>
+                                  </p:stCondLst>
+                                  <p:childTnLst>
+                                    <p:set>
+                                      <p:cBhvr>
+                                        <p:cTn id="23" dur="1" fill="hold">
+                                          <p:stCondLst>
+                                            <p:cond delay="0"/>
+                                          </p:stCondLst>
+                                        </p:cTn>
+                                        <p:tgtEl>
+                                          <p:spTgt spid="56"/>
+                                        </p:tgtEl>
+                                        <p:attrNameLst>
+                                          <p:attrName>style.visibility</p:attrName>
+                                        </p:attrNameLst>
+                                      </p:cBhvr>
+                                      <p:to>
+                                        <p:strVal val="visible"/>
+                                      </p:to>
+                                    </p:set>
+                                    <p:animEffect transition="in" filter="fade">
+                                      <p:cBhvr>
+                                        <p:cTn id="24" dur="500"/>
+                                        <p:tgtEl>
+                                          <p:spTgt spid="56"/>
+                                        </p:tgtEl>
+                                      </p:cBhvr>
+                                    </p:animEffect>
+                                  </p:childTnLst>
+                                </p:cTn>
+                              </p:par>
+                            </p:childTnLst>
+                          </p:cTn>
+                        </p:par>
+                      </p:childTnLst>
+                    </p:cTn>
+                  </p:par>
+                  <p:par>
+                    <p:cTn id="25" fill="hold">
+                      <p:stCondLst>
+                        <p:cond delay="indefinite"/>
+                      </p:stCondLst>
+                      <p:childTnLst>
+                        <p:par>
+                          <p:cTn id="26" fill="hold">
+                            <p:stCondLst>
+                              <p:cond delay="0"/>
+                            </p:stCondLst>
+                            <p:childTnLst>
+                              <p:par>
+                                <p:cTn id="27" presetID="10" presetClass="entr" presetSubtype="0" fill="hold" grpId="0" nodeType="clickEffect">
+                                  <p:stCondLst>
+                                    <p:cond delay="0"/>
+                                  </p:stCondLst>
+                                  <p:childTnLst>
+                                    <p:set>
+                                      <p:cBhvr>
+                                        <p:cTn id="28" dur="1" fill="hold">
+                                          <p:stCondLst>
+                                            <p:cond delay="0"/>
+                                          </p:stCondLst>
+                                        </p:cTn>
+                                        <p:tgtEl>
+                                          <p:spTgt spid="57"/>
+                                        </p:tgtEl>
+                                        <p:attrNameLst>
+                                          <p:attrName>style.visibility</p:attrName>
+                                        </p:attrNameLst>
+                                      </p:cBhvr>
+                                      <p:to>
+                                        <p:strVal val="visible"/>
+                                      </p:to>
+                                    </p:set>
+                                    <p:animEffect transition="in" filter="fade">
+                                      <p:cBhvr>
+                                        <p:cTn id="29" dur="500"/>
+                                        <p:tgtEl>
+                                          <p:spTgt spid="57"/>
                                         </p:tgtEl>
                                       </p:cBhvr>
                                     </p:animEffect>
@@ -20549,7 +21716,10 @@
       </p:par>
     </p:tnLst>
     <p:bldLst>
-      <p:bldP spid="53" grpId="0"/>
+      <p:bldP spid="54" grpId="0"/>
+      <p:bldP spid="55" grpId="0"/>
+      <p:bldP spid="56" grpId="0"/>
+      <p:bldP spid="57" grpId="0"/>
     </p:bldLst>
   </p:timing>
 </p:sld>
@@ -20710,50 +21880,152 @@
           <a:lstStyle/>
           <a:p>
             <a:r>
-              <a:rPr lang="en-US" altLang="ko-KR" dirty="0" smtClean="0"/>
+              <a:rPr lang="en-US" altLang="ko-KR" dirty="0"/>
               <a:t>Low</a:t>
             </a:r>
             <a:r>
-              <a:rPr lang="ko-KR" altLang="en-US" dirty="0" smtClean="0"/>
+              <a:rPr lang="ko-KR" altLang="en-US" dirty="0"/>
               <a:t>와 </a:t>
             </a:r>
             <a:r>
-              <a:rPr lang="en-US" altLang="ko-KR" dirty="0" smtClean="0"/>
+              <a:rPr lang="en-US" altLang="ko-KR" dirty="0"/>
               <a:t>high</a:t>
             </a:r>
             <a:r>
-              <a:rPr lang="ko-KR" altLang="en-US" dirty="0" smtClean="0"/>
+              <a:rPr lang="ko-KR" altLang="en-US" dirty="0"/>
               <a:t>과 교차 된 후</a:t>
             </a:r>
             <a:r>
-              <a:rPr lang="en-US" altLang="ko-KR" dirty="0" smtClean="0"/>
-              <a:t>, pivot</a:t>
-            </a:r>
-            <a:r>
-              <a:rPr lang="ko-KR" altLang="en-US" dirty="0" smtClean="0"/>
-              <a:t>과 </a:t>
-            </a:r>
-            <a:r>
-              <a:rPr lang="en-US" altLang="ko-KR" dirty="0" smtClean="0"/>
+              <a:rPr lang="en-US" altLang="ko-KR" dirty="0"/>
+              <a:t>, </a:t>
+            </a:r>
+            <a:r>
+              <a:rPr lang="en-US" altLang="ko-KR" dirty="0">
+                <a:solidFill>
+                  <a:srgbClr val="FF0000"/>
+                </a:solidFill>
+              </a:rPr>
+              <a:t>pivot</a:t>
+            </a:r>
+            <a:r>
+              <a:rPr lang="ko-KR" altLang="en-US" dirty="0"/>
+              <a:t>와 </a:t>
+            </a:r>
+            <a:r>
+              <a:rPr lang="en-US" altLang="ko-KR" dirty="0"/>
               <a:t>high</a:t>
             </a:r>
             <a:r>
-              <a:rPr lang="ko-KR" altLang="en-US" dirty="0" smtClean="0"/>
+              <a:rPr lang="ko-KR" altLang="en-US" dirty="0"/>
               <a:t>를 </a:t>
             </a:r>
             <a:r>
-              <a:rPr lang="en-US" altLang="ko-KR" dirty="0" smtClean="0"/>
+              <a:rPr lang="en-US" altLang="ko-KR" dirty="0"/>
               <a:t>swap </a:t>
             </a:r>
             <a:r>
-              <a:rPr lang="ko-KR" altLang="en-US" dirty="0" smtClean="0"/>
+              <a:rPr lang="ko-KR" altLang="en-US" dirty="0"/>
               <a:t>합니다</a:t>
             </a:r>
             <a:r>
-              <a:rPr lang="en-US" altLang="ko-KR" dirty="0" smtClean="0"/>
+              <a:rPr lang="en-US" altLang="ko-KR" dirty="0"/>
               <a:t>.</a:t>
             </a:r>
-            <a:endParaRPr lang="ko-KR" altLang="en-US" dirty="0"/>
+          </a:p>
+          <a:p>
+            <a:r>
+              <a:rPr lang="en-US" altLang="ko-KR" sz="1200" dirty="0">
+                <a:solidFill>
+                  <a:srgbClr val="00B050"/>
+                </a:solidFill>
+              </a:rPr>
+              <a:t>//pivot</a:t>
+            </a:r>
+            <a:r>
+              <a:rPr lang="ko-KR" altLang="en-US" sz="1200" dirty="0">
+                <a:solidFill>
+                  <a:srgbClr val="00B050"/>
+                </a:solidFill>
+              </a:rPr>
+              <a:t>이 </a:t>
+            </a:r>
+            <a:r>
+              <a:rPr lang="en-US" altLang="ko-KR" sz="1200" dirty="0">
+                <a:solidFill>
+                  <a:srgbClr val="00B050"/>
+                </a:solidFill>
+              </a:rPr>
+              <a:t>right </a:t>
+            </a:r>
+            <a:r>
+              <a:rPr lang="ko-KR" altLang="en-US" sz="1200" dirty="0">
+                <a:solidFill>
+                  <a:srgbClr val="00B050"/>
+                </a:solidFill>
+              </a:rPr>
+              <a:t>방향에 있다면 </a:t>
+            </a:r>
+            <a:r>
+              <a:rPr lang="en-US" altLang="ko-KR" sz="1200" dirty="0">
+                <a:solidFill>
+                  <a:srgbClr val="00B050"/>
+                </a:solidFill>
+              </a:rPr>
+              <a:t>pivot</a:t>
+            </a:r>
+            <a:r>
+              <a:rPr lang="ko-KR" altLang="en-US" sz="1200" dirty="0">
+                <a:solidFill>
+                  <a:srgbClr val="00B050"/>
+                </a:solidFill>
+              </a:rPr>
+              <a:t>와 </a:t>
+            </a:r>
+            <a:r>
+              <a:rPr lang="en-US" altLang="ko-KR" sz="1200" dirty="0">
+                <a:solidFill>
+                  <a:srgbClr val="00B050"/>
+                </a:solidFill>
+              </a:rPr>
+              <a:t>low</a:t>
+            </a:r>
+            <a:r>
+              <a:rPr lang="ko-KR" altLang="en-US" sz="1200" dirty="0">
+                <a:solidFill>
+                  <a:srgbClr val="00B050"/>
+                </a:solidFill>
+              </a:rPr>
+              <a:t>를 </a:t>
+            </a:r>
+            <a:r>
+              <a:rPr lang="en-US" altLang="ko-KR" sz="1200" dirty="0">
+                <a:solidFill>
+                  <a:srgbClr val="00B050"/>
+                </a:solidFill>
+              </a:rPr>
+              <a:t>swap</a:t>
+            </a:r>
+            <a:r>
+              <a:rPr lang="ko-KR" altLang="en-US" sz="1200" dirty="0">
+                <a:solidFill>
+                  <a:srgbClr val="00B050"/>
+                </a:solidFill>
+              </a:rPr>
+              <a:t>합니다</a:t>
+            </a:r>
+            <a:r>
+              <a:rPr lang="en-US" altLang="ko-KR" sz="1200" dirty="0">
+                <a:solidFill>
+                  <a:srgbClr val="00B050"/>
+                </a:solidFill>
+              </a:rPr>
+              <a:t>.</a:t>
+            </a:r>
+            <a:endParaRPr lang="ko-KR" altLang="en-US" sz="1200" dirty="0">
+              <a:solidFill>
+                <a:srgbClr val="00B050"/>
+              </a:solidFill>
+            </a:endParaRPr>
           </a:p>
         </p:txBody>
       </p:sp>
@@ -21066,7 +22338,7 @@
           <a:p>
             <a:pPr algn="ctr"/>
             <a:r>
-              <a:rPr lang="en-US" altLang="ko-KR" dirty="0" smtClean="0"/>
+              <a:rPr lang="en-US" altLang="ko-KR" dirty="0"/>
               <a:t>5</a:t>
             </a:r>
             <a:endParaRPr lang="ko-KR" altLang="en-US" dirty="0"/>
@@ -21110,7 +22382,7 @@
           <a:p>
             <a:pPr algn="ctr"/>
             <a:r>
-              <a:rPr lang="en-US" altLang="ko-KR" dirty="0" smtClean="0"/>
+              <a:rPr lang="en-US" altLang="ko-KR" dirty="0"/>
               <a:t>1</a:t>
             </a:r>
             <a:endParaRPr lang="ko-KR" altLang="en-US" dirty="0"/>
@@ -21154,7 +22426,7 @@
           <a:p>
             <a:pPr algn="ctr"/>
             <a:r>
-              <a:rPr lang="en-US" altLang="ko-KR" dirty="0" smtClean="0"/>
+              <a:rPr lang="en-US" altLang="ko-KR" dirty="0"/>
               <a:t>3</a:t>
             </a:r>
             <a:endParaRPr lang="ko-KR" altLang="en-US" dirty="0"/>
@@ -21198,7 +22470,7 @@
           <a:p>
             <a:pPr algn="ctr"/>
             <a:r>
-              <a:rPr lang="en-US" altLang="ko-KR" dirty="0" smtClean="0"/>
+              <a:rPr lang="en-US" altLang="ko-KR" dirty="0"/>
               <a:t>7</a:t>
             </a:r>
             <a:endParaRPr lang="ko-KR" altLang="en-US" dirty="0"/>
@@ -21286,7 +22558,7 @@
           <a:p>
             <a:pPr algn="ctr"/>
             <a:r>
-              <a:rPr lang="en-US" altLang="ko-KR" dirty="0" smtClean="0"/>
+              <a:rPr lang="en-US" altLang="ko-KR" dirty="0"/>
               <a:t>2</a:t>
             </a:r>
             <a:endParaRPr lang="ko-KR" altLang="en-US" dirty="0"/>
@@ -21331,11 +22603,7 @@
             <a:p>
               <a:r>
                 <a:rPr lang="en-US" altLang="ko-KR" dirty="0"/>
-                <a:t>p</a:t>
-              </a:r>
-              <a:r>
-                <a:rPr lang="en-US" altLang="ko-KR" dirty="0" smtClean="0"/>
-                <a:t>ivot</a:t>
+                <a:t>pivot</a:t>
               </a:r>
             </a:p>
           </p:txBody>
@@ -21419,7 +22687,7 @@
             <a:p>
               <a:pPr algn="ctr"/>
               <a:r>
-                <a:rPr lang="en-US" altLang="ko-KR" dirty="0" smtClean="0"/>
+                <a:rPr lang="en-US" altLang="ko-KR" dirty="0"/>
                 <a:t>low</a:t>
               </a:r>
             </a:p>
@@ -21504,7 +22772,7 @@
             <a:p>
               <a:pPr algn="ctr"/>
               <a:r>
-                <a:rPr lang="en-US" altLang="ko-KR" dirty="0" smtClean="0"/>
+                <a:rPr lang="en-US" altLang="ko-KR" dirty="0"/>
                 <a:t>high</a:t>
               </a:r>
             </a:p>
@@ -21559,10 +22827,10 @@
         </p:nvGrpSpPr>
         <p:grpSpPr>
           <a:xfrm flipV="1">
-            <a:off x="6789959" y="2636912"/>
-            <a:ext cx="662361" cy="729372"/>
-            <a:chOff x="1997469" y="4077072"/>
-            <a:chExt cx="662361" cy="729372"/>
+            <a:off x="6764311" y="2636912"/>
+            <a:ext cx="713657" cy="729372"/>
+            <a:chOff x="1971821" y="4077072"/>
+            <a:chExt cx="713657" cy="729372"/>
           </a:xfrm>
         </p:grpSpPr>
         <p:sp>
@@ -21573,8 +22841,8 @@
           </p:nvSpPr>
           <p:spPr>
             <a:xfrm flipV="1">
-              <a:off x="1997469" y="4437112"/>
-              <a:ext cx="662361" cy="369332"/>
+              <a:off x="1971821" y="4437112"/>
+              <a:ext cx="713657" cy="369332"/>
             </a:xfrm>
             <a:prstGeom prst="rect">
               <a:avLst/>
@@ -21589,9 +22857,10 @@
             <a:p>
               <a:pPr algn="ctr"/>
               <a:r>
-                <a:rPr lang="en-US" altLang="ko-KR" dirty="0" smtClean="0"/>
-                <a:t>high</a:t>
+                <a:rPr lang="en-US" altLang="ko-KR" dirty="0"/>
+                <a:t>right</a:t>
               </a:r>
+              <a:endParaRPr lang="en-US" altLang="ko-KR" dirty="0"/>
             </a:p>
           </p:txBody>
         </p:sp>
@@ -21674,7 +22943,7 @@
             <a:p>
               <a:pPr algn="ctr"/>
               <a:r>
-                <a:rPr lang="en-US" altLang="ko-KR" dirty="0" smtClean="0"/>
+                <a:rPr lang="en-US" altLang="ko-KR" dirty="0"/>
                 <a:t>left</a:t>
               </a:r>
             </a:p>
@@ -21758,7 +23027,7 @@
           <a:p>
             <a:pPr algn="ctr"/>
             <a:r>
-              <a:rPr lang="en-US" altLang="ko-KR" dirty="0" smtClean="0"/>
+              <a:rPr lang="en-US" altLang="ko-KR" dirty="0"/>
               <a:t>4</a:t>
             </a:r>
             <a:endParaRPr lang="ko-KR" altLang="en-US" dirty="0"/>
@@ -21802,7 +23071,7 @@
           <a:p>
             <a:pPr algn="ctr"/>
             <a:r>
-              <a:rPr lang="en-US" altLang="ko-KR" dirty="0" smtClean="0"/>
+              <a:rPr lang="en-US" altLang="ko-KR" dirty="0"/>
               <a:t>6</a:t>
             </a:r>
             <a:endParaRPr lang="ko-KR" altLang="en-US" dirty="0"/>
@@ -21846,7 +23115,7 @@
           <a:p>
             <a:pPr algn="ctr"/>
             <a:r>
-              <a:rPr lang="en-US" altLang="ko-KR" dirty="0" smtClean="0"/>
+              <a:rPr lang="en-US" altLang="ko-KR" dirty="0"/>
               <a:t>8</a:t>
             </a:r>
             <a:endParaRPr lang="ko-KR" altLang="en-US" dirty="0"/>
@@ -22119,15 +23388,15 @@
           </a:lstStyle>
           <a:p>
             <a:r>
-              <a:rPr lang="en-US" altLang="ko-KR" dirty="0" smtClean="0"/>
+              <a:rPr lang="en-US" altLang="ko-KR" dirty="0"/>
               <a:t>Pivot</a:t>
             </a:r>
             <a:r>
-              <a:rPr lang="ko-KR" altLang="en-US" dirty="0" smtClean="0"/>
+              <a:rPr lang="ko-KR" altLang="en-US" dirty="0"/>
               <a:t>이였던 </a:t>
             </a:r>
             <a:r>
-              <a:rPr lang="en-US" altLang="ko-KR" dirty="0" smtClean="0">
+              <a:rPr lang="en-US" altLang="ko-KR" dirty="0">
                 <a:solidFill>
                   <a:srgbClr val="FF0000"/>
                 </a:solidFill>
@@ -22135,7 +23404,7 @@
               <a:t>‘5’</a:t>
             </a:r>
             <a:r>
-              <a:rPr lang="ko-KR" altLang="en-US" dirty="0" smtClean="0">
+              <a:rPr lang="ko-KR" altLang="en-US" dirty="0">
                 <a:solidFill>
                   <a:srgbClr val="FF0000"/>
                 </a:solidFill>
@@ -22143,7 +23412,7 @@
               <a:t>는 제 자리를 찾았습니다</a:t>
             </a:r>
             <a:r>
-              <a:rPr lang="en-US" altLang="ko-KR" dirty="0" smtClean="0">
+              <a:rPr lang="en-US" altLang="ko-KR" dirty="0">
                 <a:solidFill>
                   <a:srgbClr val="FF0000"/>
                 </a:solidFill>
@@ -22153,11 +23422,11 @@
           </a:p>
           <a:p>
             <a:r>
-              <a:rPr lang="ko-KR" altLang="en-US" dirty="0" smtClean="0"/>
+              <a:rPr lang="ko-KR" altLang="en-US" dirty="0"/>
               <a:t>그리고 제자리를 찾은 </a:t>
             </a:r>
             <a:r>
-              <a:rPr lang="en-US" altLang="ko-KR" dirty="0" smtClean="0">
+              <a:rPr lang="en-US" altLang="ko-KR" dirty="0">
                 <a:solidFill>
                   <a:srgbClr val="FF0000"/>
                 </a:solidFill>
@@ -22165,7 +23434,7 @@
               <a:t>‘5’</a:t>
             </a:r>
             <a:r>
-              <a:rPr lang="ko-KR" altLang="en-US" dirty="0" smtClean="0">
+              <a:rPr lang="ko-KR" altLang="en-US" dirty="0">
                 <a:solidFill>
                   <a:srgbClr val="FF0000"/>
                 </a:solidFill>
@@ -22173,11 +23442,11 @@
               <a:t>의</a:t>
             </a:r>
             <a:r>
-              <a:rPr lang="ko-KR" altLang="en-US" dirty="0" smtClean="0"/>
+              <a:rPr lang="ko-KR" altLang="en-US" dirty="0"/>
               <a:t> </a:t>
             </a:r>
             <a:r>
-              <a:rPr lang="ko-KR" altLang="en-US" dirty="0" smtClean="0">
+              <a:rPr lang="ko-KR" altLang="en-US" dirty="0">
                 <a:solidFill>
                   <a:srgbClr val="FF0000"/>
                 </a:solidFill>
@@ -22185,11 +23454,11 @@
               <a:t>앞과</a:t>
             </a:r>
             <a:r>
-              <a:rPr lang="ko-KR" altLang="en-US" dirty="0" smtClean="0"/>
+              <a:rPr lang="ko-KR" altLang="en-US" dirty="0"/>
               <a:t> </a:t>
             </a:r>
             <a:r>
-              <a:rPr lang="ko-KR" altLang="en-US" dirty="0" smtClean="0">
+              <a:rPr lang="ko-KR" altLang="en-US" dirty="0">
                 <a:solidFill>
                   <a:srgbClr val="FF0000"/>
                 </a:solidFill>
@@ -22197,14 +23466,14 @@
               <a:t>뒤</a:t>
             </a:r>
             <a:r>
-              <a:rPr lang="ko-KR" altLang="en-US" dirty="0" smtClean="0"/>
+              <a:rPr lang="ko-KR" altLang="en-US" dirty="0"/>
               <a:t>를 보면</a:t>
             </a:r>
-            <a:endParaRPr lang="en-US" altLang="ko-KR" dirty="0" smtClean="0"/>
-          </a:p>
-          <a:p>
-            <a:r>
-              <a:rPr lang="ko-KR" altLang="en-US" dirty="0" smtClean="0">
+            <a:endParaRPr lang="en-US" altLang="ko-KR" dirty="0"/>
+          </a:p>
+          <a:p>
+            <a:r>
+              <a:rPr lang="ko-KR" altLang="en-US" dirty="0">
                 <a:solidFill>
                   <a:srgbClr val="FF0000"/>
                 </a:solidFill>
@@ -22212,7 +23481,7 @@
               <a:t>왼쪽은 </a:t>
             </a:r>
             <a:r>
-              <a:rPr lang="en-US" altLang="ko-KR" dirty="0" smtClean="0">
+              <a:rPr lang="en-US" altLang="ko-KR" dirty="0">
                 <a:solidFill>
                   <a:srgbClr val="FF0000"/>
                 </a:solidFill>
@@ -22220,7 +23489,7 @@
               <a:t>‘5’</a:t>
             </a:r>
             <a:r>
-              <a:rPr lang="ko-KR" altLang="en-US" dirty="0" smtClean="0">
+              <a:rPr lang="ko-KR" altLang="en-US" dirty="0">
                 <a:solidFill>
                   <a:srgbClr val="FF0000"/>
                 </a:solidFill>
@@ -22228,7 +23497,7 @@
               <a:t>보다 작은 값들이 있고</a:t>
             </a:r>
             <a:r>
-              <a:rPr lang="en-US" altLang="ko-KR" dirty="0" smtClean="0">
+              <a:rPr lang="en-US" altLang="ko-KR" dirty="0">
                 <a:solidFill>
                   <a:srgbClr val="FF0000"/>
                 </a:solidFill>
@@ -22236,7 +23505,7 @@
               <a:t>, </a:t>
             </a:r>
             <a:r>
-              <a:rPr lang="ko-KR" altLang="en-US" dirty="0" smtClean="0">
+              <a:rPr lang="ko-KR" altLang="en-US" dirty="0">
                 <a:solidFill>
                   <a:srgbClr val="FF0000"/>
                 </a:solidFill>
@@ -22244,7 +23513,7 @@
               <a:t>오른쪽은 </a:t>
             </a:r>
             <a:r>
-              <a:rPr lang="en-US" altLang="ko-KR" dirty="0" smtClean="0">
+              <a:rPr lang="en-US" altLang="ko-KR" dirty="0">
                 <a:solidFill>
                   <a:srgbClr val="FF0000"/>
                 </a:solidFill>
@@ -22252,7 +23521,7 @@
               <a:t>‘5’</a:t>
             </a:r>
             <a:r>
-              <a:rPr lang="ko-KR" altLang="en-US" dirty="0" smtClean="0">
+              <a:rPr lang="ko-KR" altLang="en-US" dirty="0">
                 <a:solidFill>
                   <a:srgbClr val="FF0000"/>
                 </a:solidFill>
@@ -22260,7 +23529,7 @@
               <a:t>보다 큰 값들이 있습니다</a:t>
             </a:r>
             <a:r>
-              <a:rPr lang="en-US" altLang="ko-KR" dirty="0" smtClean="0">
+              <a:rPr lang="en-US" altLang="ko-KR" dirty="0">
                 <a:solidFill>
                   <a:srgbClr val="FF0000"/>
                 </a:solidFill>
@@ -23065,51 +24334,55 @@
           <a:lstStyle/>
           <a:p>
             <a:r>
-              <a:rPr lang="ko-KR" altLang="en-US" dirty="0" smtClean="0"/>
+              <a:rPr lang="ko-KR" altLang="en-US" dirty="0"/>
               <a:t>이 후</a:t>
             </a:r>
             <a:r>
-              <a:rPr lang="en-US" altLang="ko-KR" dirty="0" smtClean="0"/>
+              <a:rPr lang="en-US" altLang="ko-KR" dirty="0"/>
               <a:t>, </a:t>
             </a:r>
             <a:r>
-              <a:rPr lang="ko-KR" altLang="en-US" dirty="0" smtClean="0"/>
+              <a:rPr lang="ko-KR" altLang="en-US" dirty="0"/>
               <a:t>왼쪽 과 오른쪽을 </a:t>
             </a:r>
             <a:r>
-              <a:rPr lang="en-US" altLang="ko-KR" dirty="0" smtClean="0"/>
+              <a:rPr lang="en-US" altLang="ko-KR" dirty="0"/>
               <a:t>1~5 </a:t>
             </a:r>
             <a:r>
-              <a:rPr lang="ko-KR" altLang="en-US" dirty="0" smtClean="0"/>
+              <a:rPr lang="ko-KR" altLang="en-US" dirty="0"/>
               <a:t>단계를 거쳐줍니다</a:t>
             </a:r>
             <a:r>
-              <a:rPr lang="en-US" altLang="ko-KR" dirty="0" smtClean="0"/>
+              <a:rPr lang="en-US" altLang="ko-KR" dirty="0"/>
               <a:t>.</a:t>
             </a:r>
             <a:r>
-              <a:rPr lang="ko-KR" altLang="en-US" dirty="0" smtClean="0"/>
+              <a:rPr lang="ko-KR" altLang="en-US" dirty="0"/>
               <a:t> </a:t>
             </a:r>
-            <a:endParaRPr lang="en-US" altLang="ko-KR" dirty="0" smtClean="0"/>
-          </a:p>
-          <a:p>
-            <a:r>
-              <a:rPr lang="en-US" altLang="ko-KR" dirty="0" smtClean="0"/>
+            <a:endParaRPr lang="en-US" altLang="ko-KR" dirty="0"/>
+          </a:p>
+          <a:p>
+            <a:r>
+              <a:rPr lang="en-US" altLang="ko-KR" dirty="0"/>
               <a:t>Left</a:t>
             </a:r>
             <a:r>
-              <a:rPr lang="ko-KR" altLang="en-US" dirty="0" smtClean="0"/>
+              <a:rPr lang="ko-KR" altLang="en-US" dirty="0"/>
               <a:t>와 </a:t>
             </a:r>
             <a:r>
-              <a:rPr lang="en-US" altLang="ko-KR" dirty="0" smtClean="0"/>
-              <a:t>High</a:t>
-            </a:r>
-            <a:r>
-              <a:rPr lang="ko-KR" altLang="en-US" dirty="0" smtClean="0"/>
-              <a:t>가 같아질 때 까지</a:t>
+              <a:rPr lang="en-US" altLang="ko-KR" dirty="0"/>
+              <a:t>right</a:t>
+            </a:r>
+            <a:r>
+              <a:rPr lang="ko-KR" altLang="en-US" dirty="0"/>
+              <a:t>가 같아질 때 까지 처리합니다</a:t>
+            </a:r>
+            <a:r>
+              <a:rPr lang="en-US" altLang="ko-KR" dirty="0"/>
+              <a:t>.</a:t>
             </a:r>
             <a:endParaRPr lang="ko-KR" altLang="en-US" dirty="0"/>
           </a:p>
@@ -23424,7 +24697,7 @@
           <a:p>
             <a:pPr algn="ctr"/>
             <a:r>
-              <a:rPr lang="en-US" altLang="ko-KR" dirty="0" smtClean="0"/>
+              <a:rPr lang="en-US" altLang="ko-KR" dirty="0"/>
               <a:t>5</a:t>
             </a:r>
             <a:endParaRPr lang="ko-KR" altLang="en-US" dirty="0"/>
@@ -23468,7 +24741,7 @@
           <a:p>
             <a:pPr algn="ctr"/>
             <a:r>
-              <a:rPr lang="en-US" altLang="ko-KR" dirty="0" smtClean="0"/>
+              <a:rPr lang="en-US" altLang="ko-KR" dirty="0"/>
               <a:t>1</a:t>
             </a:r>
             <a:endParaRPr lang="ko-KR" altLang="en-US" dirty="0"/>
@@ -23512,7 +24785,7 @@
           <a:p>
             <a:pPr algn="ctr"/>
             <a:r>
-              <a:rPr lang="en-US" altLang="ko-KR" dirty="0" smtClean="0"/>
+              <a:rPr lang="en-US" altLang="ko-KR" dirty="0"/>
               <a:t>3</a:t>
             </a:r>
             <a:endParaRPr lang="ko-KR" altLang="en-US" dirty="0"/>
@@ -23556,7 +24829,7 @@
           <a:p>
             <a:pPr algn="ctr"/>
             <a:r>
-              <a:rPr lang="en-US" altLang="ko-KR" dirty="0" smtClean="0"/>
+              <a:rPr lang="en-US" altLang="ko-KR" dirty="0"/>
               <a:t>7</a:t>
             </a:r>
             <a:endParaRPr lang="ko-KR" altLang="en-US" dirty="0"/>
@@ -23644,7 +24917,7 @@
           <a:p>
             <a:pPr algn="ctr"/>
             <a:r>
-              <a:rPr lang="en-US" altLang="ko-KR" dirty="0" smtClean="0"/>
+              <a:rPr lang="en-US" altLang="ko-KR" dirty="0"/>
               <a:t>2</a:t>
             </a:r>
             <a:endParaRPr lang="ko-KR" altLang="en-US" dirty="0"/>
@@ -23689,11 +24962,7 @@
             <a:p>
               <a:r>
                 <a:rPr lang="en-US" altLang="ko-KR" dirty="0"/>
-                <a:t>p</a:t>
-              </a:r>
-              <a:r>
-                <a:rPr lang="en-US" altLang="ko-KR" dirty="0" smtClean="0"/>
-                <a:t>ivot</a:t>
+                <a:t>pivot</a:t>
               </a:r>
             </a:p>
           </p:txBody>
@@ -23747,10 +25016,10 @@
         </p:nvGrpSpPr>
         <p:grpSpPr>
           <a:xfrm flipV="1">
-            <a:off x="6789959" y="2636912"/>
-            <a:ext cx="662361" cy="729372"/>
-            <a:chOff x="1997469" y="4077072"/>
-            <a:chExt cx="662361" cy="729372"/>
+            <a:off x="6764311" y="2636912"/>
+            <a:ext cx="713657" cy="729372"/>
+            <a:chOff x="1971821" y="4077072"/>
+            <a:chExt cx="713657" cy="729372"/>
           </a:xfrm>
         </p:grpSpPr>
         <p:sp>
@@ -23761,8 +25030,8 @@
           </p:nvSpPr>
           <p:spPr>
             <a:xfrm flipV="1">
-              <a:off x="1997469" y="4437112"/>
-              <a:ext cx="662361" cy="369332"/>
+              <a:off x="1971821" y="4437112"/>
+              <a:ext cx="713657" cy="369332"/>
             </a:xfrm>
             <a:prstGeom prst="rect">
               <a:avLst/>
@@ -23777,9 +25046,10 @@
             <a:p>
               <a:pPr algn="ctr"/>
               <a:r>
-                <a:rPr lang="en-US" altLang="ko-KR" dirty="0" smtClean="0"/>
-                <a:t>high</a:t>
+                <a:rPr lang="en-US" altLang="ko-KR" dirty="0"/>
+                <a:t>right</a:t>
               </a:r>
+              <a:endParaRPr lang="en-US" altLang="ko-KR" dirty="0"/>
             </a:p>
           </p:txBody>
         </p:sp>
@@ -23862,7 +25132,7 @@
             <a:p>
               <a:pPr algn="ctr"/>
               <a:r>
-                <a:rPr lang="en-US" altLang="ko-KR" dirty="0" smtClean="0"/>
+                <a:rPr lang="en-US" altLang="ko-KR" dirty="0"/>
                 <a:t>left</a:t>
               </a:r>
             </a:p>
@@ -23946,7 +25216,7 @@
           <a:p>
             <a:pPr algn="ctr"/>
             <a:r>
-              <a:rPr lang="en-US" altLang="ko-KR" dirty="0" smtClean="0"/>
+              <a:rPr lang="en-US" altLang="ko-KR" dirty="0"/>
               <a:t>4</a:t>
             </a:r>
             <a:endParaRPr lang="ko-KR" altLang="en-US" dirty="0"/>
@@ -23990,7 +25260,7 @@
           <a:p>
             <a:pPr algn="ctr"/>
             <a:r>
-              <a:rPr lang="en-US" altLang="ko-KR" dirty="0" smtClean="0"/>
+              <a:rPr lang="en-US" altLang="ko-KR" dirty="0"/>
               <a:t>6</a:t>
             </a:r>
             <a:endParaRPr lang="ko-KR" altLang="en-US" dirty="0"/>
@@ -24034,7 +25304,7 @@
           <a:p>
             <a:pPr algn="ctr"/>
             <a:r>
-              <a:rPr lang="en-US" altLang="ko-KR" dirty="0" smtClean="0"/>
+              <a:rPr lang="en-US" altLang="ko-KR" dirty="0"/>
               <a:t>8</a:t>
             </a:r>
             <a:endParaRPr lang="ko-KR" altLang="en-US" dirty="0"/>
@@ -24322,10 +25592,10 @@
         </p:nvGrpSpPr>
         <p:grpSpPr>
           <a:xfrm flipV="1">
-            <a:off x="3189559" y="2636912"/>
-            <a:ext cx="662361" cy="729372"/>
-            <a:chOff x="1997469" y="4077072"/>
-            <a:chExt cx="662361" cy="729372"/>
+            <a:off x="3163911" y="2636912"/>
+            <a:ext cx="713657" cy="729372"/>
+            <a:chOff x="1971821" y="4077072"/>
+            <a:chExt cx="713657" cy="729372"/>
           </a:xfrm>
         </p:grpSpPr>
         <p:sp>
@@ -24336,8 +25606,8 @@
           </p:nvSpPr>
           <p:spPr>
             <a:xfrm flipV="1">
-              <a:off x="1997469" y="4437112"/>
-              <a:ext cx="662361" cy="369332"/>
+              <a:off x="1971821" y="4437112"/>
+              <a:ext cx="713657" cy="369332"/>
             </a:xfrm>
             <a:prstGeom prst="rect">
               <a:avLst/>
@@ -24352,9 +25622,10 @@
             <a:p>
               <a:pPr algn="ctr"/>
               <a:r>
-                <a:rPr lang="en-US" altLang="ko-KR" dirty="0" smtClean="0"/>
-                <a:t>high</a:t>
+                <a:rPr lang="en-US" altLang="ko-KR" dirty="0"/>
+                <a:t>right</a:t>
               </a:r>
+              <a:endParaRPr lang="en-US" altLang="ko-KR" dirty="0"/>
             </a:p>
           </p:txBody>
         </p:sp>
@@ -24437,7 +25708,7 @@
             <a:p>
               <a:pPr algn="ctr"/>
               <a:r>
-                <a:rPr lang="en-US" altLang="ko-KR" dirty="0" smtClean="0"/>
+                <a:rPr lang="en-US" altLang="ko-KR" dirty="0"/>
                 <a:t>left</a:t>
               </a:r>
             </a:p>
@@ -24522,11 +25793,7 @@
             <a:p>
               <a:r>
                 <a:rPr lang="en-US" altLang="ko-KR" dirty="0"/>
-                <a:t>p</a:t>
-              </a:r>
-              <a:r>
-                <a:rPr lang="en-US" altLang="ko-KR" dirty="0" smtClean="0"/>
-                <a:t>ivot</a:t>
+                <a:t>pivot</a:t>
               </a:r>
             </a:p>
           </p:txBody>
@@ -24596,7 +25863,7 @@
           <a:p>
             <a:pPr algn="ctr"/>
             <a:r>
-              <a:rPr lang="en-US" altLang="ko-KR" sz="5400" b="1" cap="none" spc="300" dirty="0" smtClean="0">
+              <a:rPr lang="en-US" altLang="ko-KR" sz="5400" b="1" cap="none" spc="300" dirty="0">
                 <a:ln w="11430" cmpd="sng">
                   <a:solidFill>
                     <a:schemeClr val="accent1">
@@ -24636,44 +25903,6 @@
               </a:rPr>
               <a:t>6</a:t>
             </a:r>
-            <a:endParaRPr lang="en-US" altLang="ko-KR" sz="5400" b="1" cap="none" spc="300" dirty="0">
-              <a:ln w="11430" cmpd="sng">
-                <a:solidFill>
-                  <a:schemeClr val="accent1">
-                    <a:tint val="10000"/>
-                  </a:schemeClr>
-                </a:solidFill>
-                <a:prstDash val="solid"/>
-                <a:miter lim="800000"/>
-              </a:ln>
-              <a:gradFill>
-                <a:gsLst>
-                  <a:gs pos="10000">
-                    <a:schemeClr val="accent1">
-                      <a:tint val="83000"/>
-                      <a:shade val="100000"/>
-                      <a:satMod val="200000"/>
-                    </a:schemeClr>
-                  </a:gs>
-                  <a:gs pos="75000">
-                    <a:schemeClr val="accent1">
-                      <a:tint val="100000"/>
-                      <a:shade val="50000"/>
-                      <a:satMod val="150000"/>
-                    </a:schemeClr>
-                  </a:gs>
-                </a:gsLst>
-                <a:lin ang="5400000"/>
-              </a:gradFill>
-              <a:effectLst>
-                <a:glow rad="45500">
-                  <a:schemeClr val="accent1">
-                    <a:satMod val="220000"/>
-                    <a:alpha val="35000"/>
-                  </a:schemeClr>
-                </a:glow>
-              </a:effectLst>
-            </a:endParaRPr>
           </a:p>
         </p:txBody>
       </p:sp>
@@ -24687,13 +25916,6 @@
   <p:clrMapOvr>
     <a:masterClrMapping/>
   </p:clrMapOvr>
-  <p:timing>
-    <p:tnLst>
-      <p:par>
-        <p:cTn id="1" dur="indefinite" restart="never" nodeType="tmRoot"/>
-      </p:par>
-    </p:tnLst>
-  </p:timing>
 </p:sld>
 </file>
 
@@ -24730,23 +25952,23 @@
           <a:lstStyle/>
           <a:p>
             <a:r>
-              <a:rPr lang="ko-KR" altLang="en-US" dirty="0" smtClean="0"/>
+              <a:rPr lang="ko-KR" altLang="en-US" dirty="0"/>
               <a:t>버블 정렬</a:t>
             </a:r>
             <a:r>
-              <a:rPr lang="en-US" altLang="ko-KR" dirty="0" smtClean="0"/>
+              <a:rPr lang="en-US" altLang="ko-KR" dirty="0"/>
               <a:t>, </a:t>
             </a:r>
             <a:r>
-              <a:rPr lang="ko-KR" altLang="en-US" dirty="0" err="1" smtClean="0"/>
+              <a:rPr lang="ko-KR" altLang="en-US" dirty="0" err="1"/>
               <a:t>퀵</a:t>
             </a:r>
             <a:r>
-              <a:rPr lang="ko-KR" altLang="en-US" dirty="0" smtClean="0"/>
+              <a:rPr lang="ko-KR" altLang="en-US" dirty="0"/>
               <a:t> 정렬 </a:t>
             </a:r>
             <a:r>
-              <a:rPr lang="en-US" altLang="ko-KR" dirty="0" smtClean="0"/>
+              <a:rPr lang="en-US" altLang="ko-KR" dirty="0"/>
               <a:t>ADT</a:t>
             </a:r>
             <a:endParaRPr lang="ko-KR" altLang="en-US" dirty="0"/>
@@ -24772,7 +25994,7 @@
               <a:buNone/>
             </a:pPr>
             <a:r>
-              <a:rPr lang="en-US" altLang="ko-KR" dirty="0" smtClean="0"/>
+              <a:rPr lang="en-US" altLang="ko-KR" dirty="0"/>
               <a:t>Class Sort{</a:t>
             </a:r>
           </a:p>
@@ -24781,7 +26003,7 @@
               <a:buNone/>
             </a:pPr>
             <a:r>
-              <a:rPr lang="en-US" altLang="ko-KR" dirty="0" smtClean="0"/>
+              <a:rPr lang="en-US" altLang="ko-KR" dirty="0"/>
               <a:t>private:</a:t>
             </a:r>
           </a:p>
@@ -24790,23 +26012,23 @@
               <a:buNone/>
             </a:pPr>
             <a:r>
-              <a:rPr lang="en-US" altLang="ko-KR" dirty="0" smtClean="0"/>
+              <a:rPr lang="en-US" altLang="ko-KR" dirty="0"/>
               <a:t>	void Swap(</a:t>
             </a:r>
             <a:r>
-              <a:rPr lang="en-US" altLang="ko-KR" dirty="0" err="1" smtClean="0"/>
+              <a:rPr lang="en-US" altLang="ko-KR" dirty="0" err="1"/>
               <a:t>int</a:t>
             </a:r>
             <a:r>
-              <a:rPr lang="en-US" altLang="ko-KR" dirty="0" smtClean="0"/>
+              <a:rPr lang="en-US" altLang="ko-KR" dirty="0"/>
               <a:t> &amp; ref1, </a:t>
             </a:r>
             <a:r>
-              <a:rPr lang="en-US" altLang="ko-KR" dirty="0" err="1" smtClean="0"/>
+              <a:rPr lang="en-US" altLang="ko-KR" dirty="0" err="1"/>
               <a:t>int</a:t>
             </a:r>
             <a:r>
-              <a:rPr lang="en-US" altLang="ko-KR" dirty="0" smtClean="0"/>
+              <a:rPr lang="en-US" altLang="ko-KR" dirty="0"/>
               <a:t> &amp;ref2);</a:t>
             </a:r>
           </a:p>
@@ -24819,43 +26041,43 @@
               <a:t>	</a:t>
             </a:r>
             <a:r>
-              <a:rPr lang="en-US" altLang="ko-KR" dirty="0" err="1" smtClean="0"/>
+              <a:rPr lang="en-US" altLang="ko-KR" dirty="0" err="1"/>
               <a:t>int</a:t>
             </a:r>
             <a:r>
-              <a:rPr lang="en-US" altLang="ko-KR" dirty="0" smtClean="0"/>
+              <a:rPr lang="en-US" altLang="ko-KR" dirty="0"/>
               <a:t> Partition(</a:t>
             </a:r>
             <a:r>
-              <a:rPr lang="en-US" altLang="ko-KR" dirty="0" err="1" smtClean="0"/>
+              <a:rPr lang="en-US" altLang="ko-KR" dirty="0" err="1"/>
               <a:t>int</a:t>
             </a:r>
             <a:r>
-              <a:rPr lang="en-US" altLang="ko-KR" dirty="0" smtClean="0"/>
+              <a:rPr lang="en-US" altLang="ko-KR" dirty="0"/>
               <a:t> </a:t>
             </a:r>
             <a:r>
-              <a:rPr lang="en-US" altLang="ko-KR" dirty="0" err="1" smtClean="0"/>
+              <a:rPr lang="en-US" altLang="ko-KR" dirty="0" err="1"/>
               <a:t>arr</a:t>
             </a:r>
             <a:r>
-              <a:rPr lang="en-US" altLang="ko-KR" dirty="0" smtClean="0"/>
+              <a:rPr lang="en-US" altLang="ko-KR" dirty="0"/>
               <a:t>[], </a:t>
             </a:r>
             <a:r>
-              <a:rPr lang="en-US" altLang="ko-KR" dirty="0" err="1" smtClean="0"/>
+              <a:rPr lang="en-US" altLang="ko-KR" dirty="0" err="1"/>
               <a:t>int</a:t>
             </a:r>
             <a:r>
-              <a:rPr lang="en-US" altLang="ko-KR" dirty="0" smtClean="0"/>
+              <a:rPr lang="en-US" altLang="ko-KR" dirty="0"/>
               <a:t> left, </a:t>
             </a:r>
             <a:r>
-              <a:rPr lang="en-US" altLang="ko-KR" dirty="0" err="1" smtClean="0"/>
+              <a:rPr lang="en-US" altLang="ko-KR" dirty="0" err="1"/>
               <a:t>int</a:t>
             </a:r>
             <a:r>
-              <a:rPr lang="en-US" altLang="ko-KR" dirty="0" smtClean="0"/>
+              <a:rPr lang="en-US" altLang="ko-KR" dirty="0"/>
               <a:t> right);</a:t>
             </a:r>
           </a:p>
@@ -24865,11 +26087,7 @@
             </a:pPr>
             <a:r>
               <a:rPr lang="en-US" altLang="ko-KR" dirty="0"/>
-              <a:t>p</a:t>
-            </a:r>
-            <a:r>
-              <a:rPr lang="en-US" altLang="ko-KR" dirty="0" smtClean="0"/>
-              <a:t>ublic : </a:t>
+              <a:t>public : </a:t>
             </a:r>
           </a:p>
           <a:p>
@@ -24878,50 +26096,46 @@
             </a:pPr>
             <a:r>
               <a:rPr lang="en-US" altLang="ko-KR" dirty="0"/>
-              <a:t>	</a:t>
-            </a:r>
-            <a:r>
-              <a:rPr lang="en-US" altLang="ko-KR" dirty="0" smtClean="0"/>
-              <a:t>void </a:t>
-            </a:r>
-            <a:r>
-              <a:rPr lang="en-US" altLang="ko-KR" dirty="0" err="1" smtClean="0"/>
+              <a:t>	void </a:t>
+            </a:r>
+            <a:r>
+              <a:rPr lang="en-US" altLang="ko-KR" dirty="0" err="1"/>
               <a:t>BubbleSort</a:t>
             </a:r>
             <a:r>
-              <a:rPr lang="en-US" altLang="ko-KR" dirty="0" smtClean="0"/>
+              <a:rPr lang="en-US" altLang="ko-KR" dirty="0"/>
               <a:t>(</a:t>
             </a:r>
             <a:r>
-              <a:rPr lang="en-US" altLang="ko-KR" dirty="0" err="1" smtClean="0"/>
+              <a:rPr lang="en-US" altLang="ko-KR" dirty="0" err="1"/>
               <a:t>int</a:t>
             </a:r>
             <a:r>
-              <a:rPr lang="en-US" altLang="ko-KR" dirty="0" smtClean="0"/>
+              <a:rPr lang="en-US" altLang="ko-KR" dirty="0"/>
               <a:t> </a:t>
             </a:r>
             <a:r>
-              <a:rPr lang="en-US" altLang="ko-KR" dirty="0" err="1" smtClean="0"/>
+              <a:rPr lang="en-US" altLang="ko-KR" dirty="0" err="1"/>
               <a:t>arr</a:t>
             </a:r>
             <a:r>
-              <a:rPr lang="en-US" altLang="ko-KR" dirty="0" smtClean="0"/>
+              <a:rPr lang="en-US" altLang="ko-KR" dirty="0"/>
               <a:t>[], </a:t>
             </a:r>
             <a:r>
-              <a:rPr lang="en-US" altLang="ko-KR" dirty="0" err="1" smtClean="0"/>
+              <a:rPr lang="en-US" altLang="ko-KR" dirty="0" err="1"/>
               <a:t>int</a:t>
             </a:r>
             <a:r>
-              <a:rPr lang="en-US" altLang="ko-KR" dirty="0" smtClean="0"/>
+              <a:rPr lang="en-US" altLang="ko-KR" dirty="0"/>
               <a:t> </a:t>
             </a:r>
             <a:r>
-              <a:rPr lang="en-US" altLang="ko-KR" dirty="0" err="1" smtClean="0"/>
+              <a:rPr lang="en-US" altLang="ko-KR" dirty="0" err="1"/>
               <a:t>len</a:t>
             </a:r>
             <a:r>
-              <a:rPr lang="en-US" altLang="ko-KR" dirty="0" smtClean="0"/>
+              <a:rPr lang="en-US" altLang="ko-KR" dirty="0"/>
               <a:t>);</a:t>
             </a:r>
           </a:p>
@@ -24931,50 +26145,46 @@
             </a:pPr>
             <a:r>
               <a:rPr lang="en-US" altLang="ko-KR" dirty="0"/>
-              <a:t>	</a:t>
-            </a:r>
-            <a:r>
-              <a:rPr lang="en-US" altLang="ko-KR" dirty="0" smtClean="0"/>
-              <a:t>void </a:t>
-            </a:r>
-            <a:r>
-              <a:rPr lang="en-US" altLang="ko-KR" dirty="0" err="1" smtClean="0"/>
+              <a:t>	void </a:t>
+            </a:r>
+            <a:r>
+              <a:rPr lang="en-US" altLang="ko-KR" dirty="0" err="1"/>
               <a:t>QuickSort</a:t>
             </a:r>
             <a:r>
-              <a:rPr lang="en-US" altLang="ko-KR" dirty="0" smtClean="0"/>
+              <a:rPr lang="en-US" altLang="ko-KR" dirty="0"/>
               <a:t>(</a:t>
             </a:r>
             <a:r>
-              <a:rPr lang="en-US" altLang="ko-KR" dirty="0" err="1" smtClean="0"/>
+              <a:rPr lang="en-US" altLang="ko-KR" dirty="0" err="1"/>
               <a:t>int</a:t>
             </a:r>
             <a:r>
-              <a:rPr lang="en-US" altLang="ko-KR" dirty="0" smtClean="0"/>
+              <a:rPr lang="en-US" altLang="ko-KR" dirty="0"/>
               <a:t> </a:t>
             </a:r>
             <a:r>
-              <a:rPr lang="en-US" altLang="ko-KR" dirty="0" err="1" smtClean="0"/>
+              <a:rPr lang="en-US" altLang="ko-KR" dirty="0" err="1"/>
               <a:t>arr</a:t>
             </a:r>
             <a:r>
-              <a:rPr lang="en-US" altLang="ko-KR" dirty="0" smtClean="0"/>
+              <a:rPr lang="en-US" altLang="ko-KR" dirty="0"/>
               <a:t>[], </a:t>
             </a:r>
             <a:r>
-              <a:rPr lang="en-US" altLang="ko-KR" dirty="0" err="1" smtClean="0"/>
+              <a:rPr lang="en-US" altLang="ko-KR" dirty="0" err="1"/>
               <a:t>int</a:t>
             </a:r>
             <a:r>
-              <a:rPr lang="en-US" altLang="ko-KR" dirty="0" smtClean="0"/>
+              <a:rPr lang="en-US" altLang="ko-KR" dirty="0"/>
               <a:t> left, </a:t>
             </a:r>
             <a:r>
-              <a:rPr lang="en-US" altLang="ko-KR" dirty="0" err="1" smtClean="0"/>
+              <a:rPr lang="en-US" altLang="ko-KR" dirty="0" err="1"/>
               <a:t>int</a:t>
             </a:r>
             <a:r>
-              <a:rPr lang="en-US" altLang="ko-KR" dirty="0" smtClean="0"/>
+              <a:rPr lang="en-US" altLang="ko-KR" dirty="0"/>
               <a:t> right);</a:t>
             </a:r>
           </a:p>
@@ -25000,13 +26210,6 @@
   <p:clrMapOvr>
     <a:masterClrMapping/>
   </p:clrMapOvr>
-  <p:timing>
-    <p:tnLst>
-      <p:par>
-        <p:cTn id="1" dur="indefinite" restart="never" nodeType="tmRoot"/>
-      </p:par>
-    </p:tnLst>
-  </p:timing>
 </p:sld>
 </file>
 
@@ -25049,26 +26252,26 @@
           <a:p>
             <a:pPr algn="ctr"/>
             <a:r>
-              <a:rPr lang="ko-KR" altLang="en-US" dirty="0" smtClean="0"/>
+              <a:rPr lang="ko-KR" altLang="en-US" dirty="0"/>
               <a:t>부족한 </a:t>
             </a:r>
             <a:r>
-              <a:rPr lang="ko-KR" altLang="en-US" smtClean="0"/>
+              <a:rPr lang="ko-KR" altLang="en-US"/>
               <a:t>점은 많았지만</a:t>
             </a:r>
             <a:r>
-              <a:rPr lang="en-US" altLang="ko-KR" dirty="0" smtClean="0"/>
+              <a:rPr lang="en-US" altLang="ko-KR" dirty="0"/>
               <a:t>…</a:t>
             </a:r>
             <a:br>
-              <a:rPr lang="en-US" altLang="ko-KR" dirty="0" smtClean="0"/>
+              <a:rPr lang="en-US" altLang="ko-KR" dirty="0"/>
             </a:br>
             <a:r>
-              <a:rPr lang="ko-KR" altLang="en-US" dirty="0" smtClean="0"/>
+              <a:rPr lang="ko-KR" altLang="en-US" dirty="0"/>
               <a:t>봐 주셔서 감사합니다</a:t>
             </a:r>
             <a:r>
-              <a:rPr lang="en-US" altLang="ko-KR" dirty="0" smtClean="0"/>
+              <a:rPr lang="en-US" altLang="ko-KR" dirty="0"/>
               <a:t>.</a:t>
             </a:r>
             <a:endParaRPr lang="ko-KR" altLang="en-US" dirty="0"/>
@@ -25085,13 +26288,6 @@
   <p:clrMapOvr>
     <a:masterClrMapping/>
   </p:clrMapOvr>
-  <p:timing>
-    <p:tnLst>
-      <p:par>
-        <p:cTn id="1" dur="indefinite" restart="never" nodeType="tmRoot"/>
-      </p:par>
-    </p:tnLst>
-  </p:timing>
 </p:sld>
 </file>
 
@@ -25128,11 +26324,11 @@
           <a:lstStyle/>
           <a:p>
             <a:r>
-              <a:rPr lang="ko-KR" altLang="en-US" dirty="0" smtClean="0"/>
+              <a:rPr lang="ko-KR" altLang="en-US" dirty="0"/>
               <a:t>버블 정렬</a:t>
             </a:r>
             <a:r>
-              <a:rPr lang="en-US" altLang="ko-KR" dirty="0" smtClean="0"/>
+              <a:rPr lang="en-US" altLang="ko-KR" dirty="0"/>
               <a:t>(Bubble Sort)</a:t>
             </a:r>
             <a:endParaRPr lang="ko-KR" altLang="en-US" dirty="0"/>
@@ -25155,29 +26351,29 @@
           <a:lstStyle/>
           <a:p>
             <a:r>
-              <a:rPr lang="ko-KR" altLang="en-US" dirty="0" smtClean="0"/>
+              <a:rPr lang="ko-KR" altLang="en-US" dirty="0"/>
               <a:t>버블 정렬은 인접한 두 개의 데이터를 비교해가면서 정렬을 진행하는 방식입니다</a:t>
             </a:r>
             <a:r>
-              <a:rPr lang="en-US" altLang="ko-KR" dirty="0" smtClean="0"/>
+              <a:rPr lang="en-US" altLang="ko-KR" dirty="0"/>
               <a:t>.</a:t>
             </a:r>
           </a:p>
           <a:p>
             <a:r>
-              <a:rPr lang="ko-KR" altLang="en-US" dirty="0" smtClean="0"/>
+              <a:rPr lang="ko-KR" altLang="en-US" dirty="0"/>
               <a:t>두 데이터를 비교하여</a:t>
             </a:r>
             <a:r>
-              <a:rPr lang="en-US" altLang="ko-KR" dirty="0" smtClean="0"/>
+              <a:rPr lang="en-US" altLang="ko-KR" dirty="0"/>
               <a:t>, </a:t>
             </a:r>
             <a:r>
-              <a:rPr lang="ko-KR" altLang="en-US" dirty="0" smtClean="0"/>
+              <a:rPr lang="ko-KR" altLang="en-US" dirty="0"/>
               <a:t>정렬순서상 위치가 바뀌어야 하는 경우에 두 데이터의 위치를 바꿔나갑니다</a:t>
             </a:r>
             <a:r>
-              <a:rPr lang="en-US" altLang="ko-KR" dirty="0" smtClean="0"/>
+              <a:rPr lang="en-US" altLang="ko-KR" dirty="0"/>
               <a:t>.</a:t>
             </a:r>
             <a:endParaRPr lang="ko-KR" altLang="en-US" dirty="0"/>
@@ -25194,13 +26390,6 @@
   <p:clrMapOvr>
     <a:masterClrMapping/>
   </p:clrMapOvr>
-  <p:timing>
-    <p:tnLst>
-      <p:par>
-        <p:cTn id="1" dur="indefinite" restart="never" nodeType="tmRoot"/>
-      </p:par>
-    </p:tnLst>
-  </p:timing>
 </p:sld>
 </file>
 
@@ -25237,16 +26426,12 @@
           <a:lstStyle/>
           <a:p>
             <a:r>
-              <a:rPr lang="ko-KR" altLang="en-US" dirty="0" smtClean="0"/>
+              <a:rPr lang="ko-KR" altLang="en-US" dirty="0"/>
               <a:t>버블 정렬</a:t>
             </a:r>
             <a:r>
-              <a:rPr lang="en-US" altLang="ko-KR" dirty="0" smtClean="0"/>
-              <a:t>(</a:t>
-            </a:r>
-            <a:r>
               <a:rPr lang="en-US" altLang="ko-KR" dirty="0"/>
-              <a:t>Bubble Sort)</a:t>
+              <a:t>(Bubble Sort)</a:t>
             </a:r>
             <a:endParaRPr lang="ko-KR" altLang="en-US" dirty="0"/>
           </a:p>
@@ -25289,7 +26474,7 @@
           <a:p>
             <a:pPr algn="ctr"/>
             <a:r>
-              <a:rPr lang="en-US" altLang="ko-KR" dirty="0" smtClean="0"/>
+              <a:rPr lang="en-US" altLang="ko-KR" dirty="0"/>
               <a:t>4</a:t>
             </a:r>
             <a:endParaRPr lang="ko-KR" altLang="en-US" dirty="0"/>
@@ -25333,7 +26518,7 @@
           <a:p>
             <a:pPr algn="ctr"/>
             <a:r>
-              <a:rPr lang="en-US" altLang="ko-KR" dirty="0" smtClean="0"/>
+              <a:rPr lang="en-US" altLang="ko-KR" dirty="0"/>
               <a:t>2</a:t>
             </a:r>
             <a:endParaRPr lang="ko-KR" altLang="en-US" dirty="0"/>
@@ -25377,7 +26562,7 @@
           <a:p>
             <a:pPr algn="ctr"/>
             <a:r>
-              <a:rPr lang="en-US" altLang="ko-KR" dirty="0" smtClean="0"/>
+              <a:rPr lang="en-US" altLang="ko-KR" dirty="0"/>
               <a:t>3</a:t>
             </a:r>
             <a:endParaRPr lang="ko-KR" altLang="en-US" dirty="0"/>
@@ -25421,7 +26606,7 @@
           <a:p>
             <a:pPr algn="ctr"/>
             <a:r>
-              <a:rPr lang="en-US" altLang="ko-KR" dirty="0" smtClean="0"/>
+              <a:rPr lang="en-US" altLang="ko-KR" dirty="0"/>
               <a:t>1</a:t>
             </a:r>
             <a:endParaRPr lang="ko-KR" altLang="en-US" dirty="0"/>
@@ -25509,7 +26694,7 @@
           <a:p>
             <a:pPr algn="ctr"/>
             <a:r>
-              <a:rPr lang="en-US" altLang="ko-KR" dirty="0" smtClean="0"/>
+              <a:rPr lang="en-US" altLang="ko-KR" dirty="0"/>
               <a:t>7</a:t>
             </a:r>
             <a:endParaRPr lang="ko-KR" altLang="en-US" dirty="0"/>
@@ -25802,10 +26987,9 @@
           <a:lstStyle/>
           <a:p>
             <a:r>
-              <a:rPr lang="ko-KR" altLang="en-US" dirty="0" smtClean="0"/>
+              <a:rPr lang="ko-KR" altLang="en-US" dirty="0"/>
               <a:t>오름차순 정렬</a:t>
             </a:r>
-            <a:endParaRPr lang="ko-KR" altLang="en-US" dirty="0"/>
           </a:p>
         </p:txBody>
       </p:sp>
@@ -26931,7 +28115,7 @@
           <a:lstStyle/>
           <a:p>
             <a:r>
-              <a:rPr lang="en-US" altLang="ko-KR" dirty="0" smtClean="0"/>
+              <a:rPr lang="en-US" altLang="ko-KR" dirty="0"/>
               <a:t>1</a:t>
             </a:r>
             <a:endParaRPr lang="ko-KR" altLang="en-US" dirty="0"/>
@@ -26961,7 +28145,7 @@
           <a:lstStyle/>
           <a:p>
             <a:r>
-              <a:rPr lang="en-US" altLang="ko-KR" dirty="0" smtClean="0"/>
+              <a:rPr lang="en-US" altLang="ko-KR" dirty="0"/>
               <a:t>2</a:t>
             </a:r>
             <a:endParaRPr lang="ko-KR" altLang="en-US" dirty="0"/>
@@ -26991,7 +28175,7 @@
           <a:lstStyle/>
           <a:p>
             <a:r>
-              <a:rPr lang="en-US" altLang="ko-KR" dirty="0" smtClean="0"/>
+              <a:rPr lang="en-US" altLang="ko-KR" dirty="0"/>
               <a:t>3</a:t>
             </a:r>
             <a:endParaRPr lang="ko-KR" altLang="en-US" dirty="0"/>
@@ -27021,7 +28205,7 @@
           <a:lstStyle/>
           <a:p>
             <a:r>
-              <a:rPr lang="en-US" altLang="ko-KR" dirty="0" smtClean="0"/>
+              <a:rPr lang="en-US" altLang="ko-KR" dirty="0"/>
               <a:t>4</a:t>
             </a:r>
             <a:endParaRPr lang="ko-KR" altLang="en-US" dirty="0"/>
@@ -27051,7 +28235,7 @@
           <a:lstStyle/>
           <a:p>
             <a:r>
-              <a:rPr lang="en-US" altLang="ko-KR" dirty="0" smtClean="0"/>
+              <a:rPr lang="en-US" altLang="ko-KR" dirty="0"/>
               <a:t>5</a:t>
             </a:r>
             <a:endParaRPr lang="ko-KR" altLang="en-US" dirty="0"/>
@@ -28376,16 +29560,12 @@
           </a:lstStyle>
           <a:p>
             <a:r>
-              <a:rPr lang="ko-KR" altLang="en-US" dirty="0" smtClean="0"/>
+              <a:rPr lang="ko-KR" altLang="en-US" dirty="0"/>
               <a:t>버블 정렬</a:t>
             </a:r>
             <a:r>
-              <a:rPr lang="en-US" altLang="ko-KR" dirty="0" smtClean="0"/>
-              <a:t>(</a:t>
-            </a:r>
-            <a:r>
               <a:rPr lang="en-US" altLang="ko-KR" dirty="0"/>
-              <a:t>Bubble Sort)</a:t>
+              <a:t>(Bubble Sort)</a:t>
             </a:r>
             <a:endParaRPr lang="ko-KR" altLang="en-US" dirty="0"/>
           </a:p>
@@ -28428,7 +29608,7 @@
           <a:p>
             <a:pPr algn="ctr"/>
             <a:r>
-              <a:rPr lang="en-US" altLang="ko-KR" dirty="0" smtClean="0"/>
+              <a:rPr lang="en-US" altLang="ko-KR" dirty="0"/>
               <a:t>2</a:t>
             </a:r>
             <a:endParaRPr lang="ko-KR" altLang="en-US" dirty="0"/>
@@ -28472,7 +29652,7 @@
           <a:p>
             <a:pPr algn="ctr"/>
             <a:r>
-              <a:rPr lang="en-US" altLang="ko-KR" dirty="0" smtClean="0"/>
+              <a:rPr lang="en-US" altLang="ko-KR" dirty="0"/>
               <a:t>3</a:t>
             </a:r>
             <a:endParaRPr lang="ko-KR" altLang="en-US" dirty="0"/>
@@ -28516,7 +29696,7 @@
           <a:p>
             <a:pPr algn="ctr"/>
             <a:r>
-              <a:rPr lang="en-US" altLang="ko-KR" dirty="0" smtClean="0"/>
+              <a:rPr lang="en-US" altLang="ko-KR" dirty="0"/>
               <a:t>1</a:t>
             </a:r>
             <a:endParaRPr lang="ko-KR" altLang="en-US" dirty="0"/>
@@ -28560,7 +29740,7 @@
           <a:p>
             <a:pPr algn="ctr"/>
             <a:r>
-              <a:rPr lang="en-US" altLang="ko-KR" dirty="0" smtClean="0"/>
+              <a:rPr lang="en-US" altLang="ko-KR" dirty="0"/>
               <a:t>4</a:t>
             </a:r>
             <a:endParaRPr lang="ko-KR" altLang="en-US" dirty="0"/>
@@ -28604,7 +29784,7 @@
           <a:p>
             <a:pPr algn="ctr"/>
             <a:r>
-              <a:rPr lang="en-US" altLang="ko-KR" dirty="0" smtClean="0"/>
+              <a:rPr lang="en-US" altLang="ko-KR" dirty="0"/>
               <a:t>7</a:t>
             </a:r>
             <a:endParaRPr lang="ko-KR" altLang="en-US" dirty="0"/>
@@ -28634,10 +29814,9 @@
           <a:lstStyle/>
           <a:p>
             <a:r>
-              <a:rPr lang="ko-KR" altLang="en-US" dirty="0" smtClean="0"/>
+              <a:rPr lang="ko-KR" altLang="en-US" dirty="0"/>
               <a:t>오름차순 정렬</a:t>
             </a:r>
-            <a:endParaRPr lang="ko-KR" altLang="en-US" dirty="0"/>
           </a:p>
         </p:txBody>
       </p:sp>
@@ -29780,7 +30959,7 @@
           <a:p>
             <a:pPr algn="ctr"/>
             <a:r>
-              <a:rPr lang="en-US" altLang="ko-KR" dirty="0" smtClean="0"/>
+              <a:rPr lang="en-US" altLang="ko-KR" dirty="0"/>
               <a:t>7</a:t>
             </a:r>
             <a:endParaRPr lang="ko-KR" altLang="en-US" dirty="0"/>
@@ -29810,7 +30989,7 @@
           <a:lstStyle/>
           <a:p>
             <a:r>
-              <a:rPr lang="en-US" altLang="ko-KR" dirty="0" smtClean="0"/>
+              <a:rPr lang="en-US" altLang="ko-KR" dirty="0"/>
               <a:t>6</a:t>
             </a:r>
             <a:endParaRPr lang="ko-KR" altLang="en-US" dirty="0"/>
@@ -29870,7 +31049,7 @@
           <a:lstStyle/>
           <a:p>
             <a:r>
-              <a:rPr lang="en-US" altLang="ko-KR" dirty="0" smtClean="0"/>
+              <a:rPr lang="en-US" altLang="ko-KR" dirty="0"/>
               <a:t>8</a:t>
             </a:r>
             <a:endParaRPr lang="ko-KR" altLang="en-US" dirty="0"/>
@@ -29900,7 +31079,7 @@
           <a:lstStyle/>
           <a:p>
             <a:r>
-              <a:rPr lang="en-US" altLang="ko-KR" dirty="0" smtClean="0"/>
+              <a:rPr lang="en-US" altLang="ko-KR" dirty="0"/>
               <a:t>9</a:t>
             </a:r>
             <a:endParaRPr lang="ko-KR" altLang="en-US" dirty="0"/>
@@ -31099,7 +32278,7 @@
           <a:p>
             <a:pPr algn="ctr"/>
             <a:r>
-              <a:rPr lang="en-US" altLang="ko-KR" dirty="0" smtClean="0"/>
+              <a:rPr lang="en-US" altLang="ko-KR" dirty="0"/>
               <a:t>2</a:t>
             </a:r>
             <a:endParaRPr lang="ko-KR" altLang="en-US" dirty="0"/>
@@ -31143,7 +32322,7 @@
           <a:p>
             <a:pPr algn="ctr"/>
             <a:r>
-              <a:rPr lang="en-US" altLang="ko-KR" dirty="0" smtClean="0"/>
+              <a:rPr lang="en-US" altLang="ko-KR" dirty="0"/>
               <a:t>1</a:t>
             </a:r>
             <a:endParaRPr lang="ko-KR" altLang="en-US" dirty="0"/>
@@ -31187,7 +32366,7 @@
           <a:p>
             <a:pPr algn="ctr"/>
             <a:r>
-              <a:rPr lang="en-US" altLang="ko-KR" dirty="0" smtClean="0"/>
+              <a:rPr lang="en-US" altLang="ko-KR" dirty="0"/>
               <a:t>3</a:t>
             </a:r>
             <a:endParaRPr lang="ko-KR" altLang="en-US" dirty="0"/>
@@ -31231,7 +32410,7 @@
           <a:p>
             <a:pPr algn="ctr"/>
             <a:r>
-              <a:rPr lang="en-US" altLang="ko-KR" dirty="0" smtClean="0"/>
+              <a:rPr lang="en-US" altLang="ko-KR" dirty="0"/>
               <a:t>4</a:t>
             </a:r>
             <a:endParaRPr lang="ko-KR" altLang="en-US" dirty="0"/>
@@ -31325,7 +32504,7 @@
           <a:p>
             <a:pPr algn="ctr"/>
             <a:r>
-              <a:rPr lang="en-US" altLang="ko-KR" dirty="0" smtClean="0"/>
+              <a:rPr lang="en-US" altLang="ko-KR" dirty="0"/>
               <a:t>7</a:t>
             </a:r>
             <a:endParaRPr lang="ko-KR" altLang="en-US" dirty="0"/>
@@ -31374,16 +32553,12 @@
           </a:lstStyle>
           <a:p>
             <a:r>
-              <a:rPr lang="ko-KR" altLang="en-US" dirty="0" smtClean="0"/>
+              <a:rPr lang="ko-KR" altLang="en-US" dirty="0"/>
               <a:t>버블 정렬</a:t>
             </a:r>
             <a:r>
-              <a:rPr lang="en-US" altLang="ko-KR" dirty="0" smtClean="0"/>
-              <a:t>(</a:t>
-            </a:r>
-            <a:r>
               <a:rPr lang="en-US" altLang="ko-KR" dirty="0"/>
-              <a:t>Bubble Sort)</a:t>
+              <a:t>(Bubble Sort)</a:t>
             </a:r>
             <a:endParaRPr lang="ko-KR" altLang="en-US" dirty="0"/>
           </a:p>
@@ -31412,10 +32587,9 @@
           <a:lstStyle/>
           <a:p>
             <a:r>
-              <a:rPr lang="ko-KR" altLang="en-US" dirty="0" smtClean="0"/>
+              <a:rPr lang="ko-KR" altLang="en-US" dirty="0"/>
               <a:t>오름차순 정렬</a:t>
             </a:r>
-            <a:endParaRPr lang="ko-KR" altLang="en-US" dirty="0"/>
           </a:p>
         </p:txBody>
       </p:sp>
@@ -31459,7 +32633,7 @@
           <a:p>
             <a:pPr algn="ctr"/>
             <a:r>
-              <a:rPr lang="en-US" altLang="ko-KR" dirty="0" smtClean="0"/>
+              <a:rPr lang="en-US" altLang="ko-KR" dirty="0"/>
               <a:t>4</a:t>
             </a:r>
             <a:endParaRPr lang="ko-KR" altLang="en-US" dirty="0"/>
@@ -32278,7 +33452,7 @@
           <a:lstStyle/>
           <a:p>
             <a:r>
-              <a:rPr lang="en-US" altLang="ko-KR" dirty="0" smtClean="0"/>
+              <a:rPr lang="en-US" altLang="ko-KR" dirty="0"/>
               <a:t>10</a:t>
             </a:r>
             <a:endParaRPr lang="ko-KR" altLang="en-US" dirty="0"/>
@@ -32308,7 +33482,7 @@
           <a:lstStyle/>
           <a:p>
             <a:r>
-              <a:rPr lang="en-US" altLang="ko-KR" dirty="0" smtClean="0"/>
+              <a:rPr lang="en-US" altLang="ko-KR" dirty="0"/>
               <a:t>11</a:t>
             </a:r>
             <a:endParaRPr lang="ko-KR" altLang="en-US" dirty="0"/>
@@ -32338,7 +33512,7 @@
           <a:lstStyle/>
           <a:p>
             <a:r>
-              <a:rPr lang="en-US" altLang="ko-KR" dirty="0" smtClean="0"/>
+              <a:rPr lang="en-US" altLang="ko-KR" dirty="0"/>
               <a:t>12</a:t>
             </a:r>
             <a:endParaRPr lang="ko-KR" altLang="en-US" dirty="0"/>
@@ -33263,7 +34437,7 @@
           <a:p>
             <a:pPr algn="ctr"/>
             <a:r>
-              <a:rPr lang="en-US" altLang="ko-KR" dirty="0" smtClean="0"/>
+              <a:rPr lang="en-US" altLang="ko-KR" dirty="0"/>
               <a:t>1</a:t>
             </a:r>
             <a:endParaRPr lang="ko-KR" altLang="en-US" dirty="0"/>
@@ -33307,7 +34481,7 @@
           <a:p>
             <a:pPr algn="ctr"/>
             <a:r>
-              <a:rPr lang="en-US" altLang="ko-KR" dirty="0" smtClean="0"/>
+              <a:rPr lang="en-US" altLang="ko-KR" dirty="0"/>
               <a:t>2</a:t>
             </a:r>
             <a:endParaRPr lang="ko-KR" altLang="en-US" dirty="0"/>
@@ -33351,7 +34525,7 @@
           <a:p>
             <a:pPr algn="ctr"/>
             <a:r>
-              <a:rPr lang="en-US" altLang="ko-KR" dirty="0" smtClean="0"/>
+              <a:rPr lang="en-US" altLang="ko-KR" dirty="0"/>
               <a:t>3</a:t>
             </a:r>
             <a:endParaRPr lang="ko-KR" altLang="en-US" dirty="0"/>
@@ -33445,7 +34619,7 @@
           <a:p>
             <a:pPr algn="ctr"/>
             <a:r>
-              <a:rPr lang="en-US" altLang="ko-KR" dirty="0" smtClean="0"/>
+              <a:rPr lang="en-US" altLang="ko-KR" dirty="0"/>
               <a:t>7</a:t>
             </a:r>
             <a:endParaRPr lang="ko-KR" altLang="en-US" dirty="0"/>
@@ -33494,16 +34668,12 @@
           </a:lstStyle>
           <a:p>
             <a:r>
-              <a:rPr lang="ko-KR" altLang="en-US" dirty="0" smtClean="0"/>
+              <a:rPr lang="ko-KR" altLang="en-US" dirty="0"/>
               <a:t>버블 정렬</a:t>
             </a:r>
             <a:r>
-              <a:rPr lang="en-US" altLang="ko-KR" dirty="0" smtClean="0"/>
-              <a:t>(</a:t>
-            </a:r>
-            <a:r>
               <a:rPr lang="en-US" altLang="ko-KR" dirty="0"/>
-              <a:t>Bubble Sort)</a:t>
+              <a:t>(Bubble Sort)</a:t>
             </a:r>
             <a:endParaRPr lang="ko-KR" altLang="en-US" dirty="0"/>
           </a:p>
@@ -33532,10 +34702,9 @@
           <a:lstStyle/>
           <a:p>
             <a:r>
-              <a:rPr lang="ko-KR" altLang="en-US" dirty="0" smtClean="0"/>
+              <a:rPr lang="ko-KR" altLang="en-US" dirty="0"/>
               <a:t>오름차순 정렬</a:t>
             </a:r>
-            <a:endParaRPr lang="ko-KR" altLang="en-US" dirty="0"/>
           </a:p>
         </p:txBody>
       </p:sp>
@@ -33579,7 +34748,7 @@
           <a:p>
             <a:pPr algn="ctr"/>
             <a:r>
-              <a:rPr lang="en-US" altLang="ko-KR" dirty="0" smtClean="0"/>
+              <a:rPr lang="en-US" altLang="ko-KR" dirty="0"/>
               <a:t>4</a:t>
             </a:r>
             <a:endParaRPr lang="ko-KR" altLang="en-US" dirty="0"/>
@@ -33626,7 +34795,7 @@
           <a:p>
             <a:pPr algn="ctr"/>
             <a:r>
-              <a:rPr lang="en-US" altLang="ko-KR" dirty="0" smtClean="0"/>
+              <a:rPr lang="en-US" altLang="ko-KR" dirty="0"/>
               <a:t>3</a:t>
             </a:r>
             <a:endParaRPr lang="ko-KR" altLang="en-US" dirty="0"/>
@@ -34182,7 +35351,7 @@
           <a:lstStyle/>
           <a:p>
             <a:r>
-              <a:rPr lang="en-US" altLang="ko-KR" dirty="0" smtClean="0"/>
+              <a:rPr lang="en-US" altLang="ko-KR" dirty="0"/>
               <a:t>13</a:t>
             </a:r>
             <a:endParaRPr lang="ko-KR" altLang="en-US" dirty="0"/>
@@ -34212,7 +35381,7 @@
           <a:lstStyle/>
           <a:p>
             <a:r>
-              <a:rPr lang="en-US" altLang="ko-KR" dirty="0" smtClean="0"/>
+              <a:rPr lang="en-US" altLang="ko-KR" dirty="0"/>
               <a:t>14</a:t>
             </a:r>
             <a:endParaRPr lang="ko-KR" altLang="en-US" dirty="0"/>
@@ -34911,7 +36080,7 @@
           <a:p>
             <a:pPr algn="ctr"/>
             <a:r>
-              <a:rPr lang="en-US" altLang="ko-KR" dirty="0" smtClean="0"/>
+              <a:rPr lang="en-US" altLang="ko-KR" dirty="0"/>
               <a:t>1</a:t>
             </a:r>
             <a:endParaRPr lang="ko-KR" altLang="en-US" dirty="0"/>
@@ -34955,7 +36124,7 @@
           <a:p>
             <a:pPr algn="ctr"/>
             <a:r>
-              <a:rPr lang="en-US" altLang="ko-KR" dirty="0" smtClean="0"/>
+              <a:rPr lang="en-US" altLang="ko-KR" dirty="0"/>
               <a:t>2</a:t>
             </a:r>
             <a:endParaRPr lang="ko-KR" altLang="en-US" dirty="0"/>
@@ -35049,7 +36218,7 @@
           <a:p>
             <a:pPr algn="ctr"/>
             <a:r>
-              <a:rPr lang="en-US" altLang="ko-KR" dirty="0" smtClean="0"/>
+              <a:rPr lang="en-US" altLang="ko-KR" dirty="0"/>
               <a:t>7</a:t>
             </a:r>
             <a:endParaRPr lang="ko-KR" altLang="en-US" dirty="0"/>
@@ -35098,16 +36267,12 @@
           </a:lstStyle>
           <a:p>
             <a:r>
-              <a:rPr lang="ko-KR" altLang="en-US" dirty="0" smtClean="0"/>
+              <a:rPr lang="ko-KR" altLang="en-US" dirty="0"/>
               <a:t>버블 정렬</a:t>
             </a:r>
             <a:r>
-              <a:rPr lang="en-US" altLang="ko-KR" dirty="0" smtClean="0"/>
-              <a:t>(</a:t>
-            </a:r>
-            <a:r>
               <a:rPr lang="en-US" altLang="ko-KR" dirty="0"/>
-              <a:t>Bubble Sort)</a:t>
+              <a:t>(Bubble Sort)</a:t>
             </a:r>
             <a:endParaRPr lang="ko-KR" altLang="en-US" dirty="0"/>
           </a:p>
@@ -35136,10 +36301,9 @@
           <a:lstStyle/>
           <a:p>
             <a:r>
-              <a:rPr lang="ko-KR" altLang="en-US" dirty="0" smtClean="0"/>
+              <a:rPr lang="ko-KR" altLang="en-US" dirty="0"/>
               <a:t>오름차순 정렬</a:t>
             </a:r>
-            <a:endParaRPr lang="ko-KR" altLang="en-US" dirty="0"/>
           </a:p>
         </p:txBody>
       </p:sp>
@@ -35183,7 +36347,7 @@
           <a:p>
             <a:pPr algn="ctr"/>
             <a:r>
-              <a:rPr lang="en-US" altLang="ko-KR" dirty="0" smtClean="0"/>
+              <a:rPr lang="en-US" altLang="ko-KR" dirty="0"/>
               <a:t>4</a:t>
             </a:r>
             <a:endParaRPr lang="ko-KR" altLang="en-US" dirty="0"/>
@@ -35230,7 +36394,7 @@
           <a:p>
             <a:pPr algn="ctr"/>
             <a:r>
-              <a:rPr lang="en-US" altLang="ko-KR" dirty="0" smtClean="0"/>
+              <a:rPr lang="en-US" altLang="ko-KR" dirty="0"/>
               <a:t>2</a:t>
             </a:r>
             <a:endParaRPr lang="ko-KR" altLang="en-US" dirty="0"/>
@@ -35277,7 +36441,7 @@
           <a:p>
             <a:pPr algn="ctr"/>
             <a:r>
-              <a:rPr lang="en-US" altLang="ko-KR" dirty="0" smtClean="0"/>
+              <a:rPr lang="en-US" altLang="ko-KR" dirty="0"/>
               <a:t>3</a:t>
             </a:r>
             <a:endParaRPr lang="ko-KR" altLang="en-US" dirty="0"/>
@@ -35324,7 +36488,7 @@
           <a:p>
             <a:pPr algn="ctr"/>
             <a:r>
-              <a:rPr lang="en-US" altLang="ko-KR" dirty="0" smtClean="0"/>
+              <a:rPr lang="en-US" altLang="ko-KR" dirty="0"/>
               <a:t>1</a:t>
             </a:r>
             <a:endParaRPr lang="ko-KR" altLang="en-US" dirty="0"/>
@@ -35617,7 +36781,7 @@
           <a:lstStyle/>
           <a:p>
             <a:r>
-              <a:rPr lang="en-US" altLang="ko-KR" dirty="0" smtClean="0"/>
+              <a:rPr lang="en-US" altLang="ko-KR" dirty="0"/>
               <a:t>15</a:t>
             </a:r>
             <a:endParaRPr lang="ko-KR" altLang="en-US" dirty="0"/>
@@ -35649,19 +36813,19 @@
               <a:lstStyle/>
               <a:p>
                 <a:r>
-                  <a:rPr lang="ko-KR" altLang="en-US" dirty="0" smtClean="0"/>
+                  <a:rPr lang="ko-KR" altLang="en-US" dirty="0"/>
                   <a:t>비교 횟수를 </a:t>
                 </a:r>
                 <a:r>
-                  <a:rPr lang="ko-KR" altLang="en-US" dirty="0" err="1" smtClean="0"/>
+                  <a:rPr lang="ko-KR" altLang="en-US" dirty="0" err="1"/>
                   <a:t>계산했을때</a:t>
                 </a:r>
                 <a:r>
-                  <a:rPr lang="ko-KR" altLang="en-US" dirty="0" smtClean="0"/>
+                  <a:rPr lang="ko-KR" altLang="en-US" dirty="0"/>
                   <a:t> 버블 정렬의 성능은</a:t>
                 </a:r>
                 <a:r>
-                  <a:rPr lang="en-US" altLang="ko-KR" dirty="0" smtClean="0"/>
+                  <a:rPr lang="en-US" altLang="ko-KR" dirty="0"/>
                   <a:t> </a:t>
                 </a:r>
                 <a14:m>
@@ -35682,7 +36846,7 @@
                       <m:sSupPr>
                         <m:ctrlPr>
                           <a:rPr lang="en-US" altLang="ko-KR" b="0" i="1" smtClean="0">
-                            <a:latin typeface="Cambria Math"/>
+                            <a:latin typeface="Cambria Math" panose="02040503050406030204" pitchFamily="18" charset="0"/>
                           </a:rPr>
                         </m:ctrlPr>
                       </m:sSupPr>
@@ -36242,11 +37406,11 @@
           <a:lstStyle/>
           <a:p>
             <a:r>
-              <a:rPr lang="ko-KR" altLang="en-US" dirty="0" smtClean="0"/>
+              <a:rPr lang="ko-KR" altLang="en-US" dirty="0"/>
               <a:t>버블 정렬 소스는</a:t>
             </a:r>
             <a:r>
-              <a:rPr lang="en-US" altLang="ko-KR" dirty="0" smtClean="0"/>
+              <a:rPr lang="en-US" altLang="ko-KR" dirty="0"/>
               <a:t>..</a:t>
             </a:r>
             <a:endParaRPr lang="ko-KR" altLang="en-US" dirty="0"/>
@@ -36271,7 +37435,7 @@
             <a:pPr marL="0" indent="0">
               <a:buNone/>
             </a:pPr>
-            <a:endParaRPr lang="en-US" altLang="ko-KR" dirty="0" smtClean="0">
+            <a:endParaRPr lang="en-US" altLang="ko-KR" dirty="0">
               <a:solidFill>
                 <a:srgbClr val="FF0000"/>
               </a:solidFill>
@@ -36282,7 +37446,7 @@
               <a:buNone/>
             </a:pPr>
             <a:r>
-              <a:rPr lang="ko-KR" altLang="en-US" dirty="0" err="1" smtClean="0">
+              <a:rPr lang="ko-KR" altLang="en-US" dirty="0" err="1">
                 <a:solidFill>
                   <a:srgbClr val="FF0000"/>
                 </a:solidFill>
@@ -36290,7 +37454,7 @@
               <a:t>퀵</a:t>
             </a:r>
             <a:r>
-              <a:rPr lang="ko-KR" altLang="en-US" dirty="0" smtClean="0">
+              <a:rPr lang="ko-KR" altLang="en-US" dirty="0">
                 <a:solidFill>
                   <a:srgbClr val="FF0000"/>
                 </a:solidFill>
@@ -36298,7 +37462,7 @@
               <a:t> 정렬 이후 같이 하겠습니다</a:t>
             </a:r>
             <a:r>
-              <a:rPr lang="en-US" altLang="ko-KR" dirty="0" smtClean="0">
+              <a:rPr lang="en-US" altLang="ko-KR" dirty="0">
                 <a:solidFill>
                   <a:srgbClr val="FF0000"/>
                 </a:solidFill>
@@ -36323,13 +37487,6 @@
   <p:clrMapOvr>
     <a:masterClrMapping/>
   </p:clrMapOvr>
-  <p:timing>
-    <p:tnLst>
-      <p:par>
-        <p:cTn id="1" dur="indefinite" restart="never" nodeType="tmRoot"/>
-      </p:par>
-    </p:tnLst>
-  </p:timing>
 </p:sld>
 </file>
 
@@ -36592,7 +37749,7 @@
   <a:extraClrSchemeLst/>
   <a:extLst>
     <a:ext uri="{05A4C25C-085E-4340-85A3-A5531E510DB2}">
-      <thm15:themeFamily xmlns:thm15="http://schemas.microsoft.com/office/thememl/2012/main" xmlns="" name="View" id="{BA0EB5A6-F2D4-4F82-977B-64ADEE4A2A69}" vid="{3969A8A2-35DB-4E3B-8885-16FD20568674}"/>
+      <thm15:themeFamily xmlns:thm15="http://schemas.microsoft.com/office/thememl/2012/main" name="View" id="{BA0EB5A6-F2D4-4F82-977B-64ADEE4A2A69}" vid="{3969A8A2-35DB-4E3B-8885-16FD20568674}"/>
     </a:ext>
   </a:extLst>
 </a:theme>
